--- a/BDM/MapReduce_Algorithm.pptx
+++ b/BDM/MapReduce_Algorithm.pptx
@@ -1463,7 +1463,7 @@
           <a:bodyPr/>
           <a:lstStyle>
             <a:lvl1pPr>
-              <a:defRPr>
+              <a:defRPr sz="3600">
                 <a:latin typeface="Calibri" panose="020F0502020204030204" pitchFamily="34" charset="0"/>
                 <a:cs typeface="Calibri" panose="020F0502020204030204" pitchFamily="34" charset="0"/>
               </a:defRPr>
@@ -1493,31 +1493,31 @@
           <a:bodyPr/>
           <a:lstStyle>
             <a:lvl1pPr>
-              <a:defRPr>
+              <a:defRPr sz="2800">
                 <a:latin typeface="Calibri" panose="020F0502020204030204" pitchFamily="34" charset="0"/>
                 <a:cs typeface="Calibri" panose="020F0502020204030204" pitchFamily="34" charset="0"/>
               </a:defRPr>
             </a:lvl1pPr>
             <a:lvl2pPr>
-              <a:defRPr>
+              <a:defRPr sz="2400">
                 <a:latin typeface="Calibri" panose="020F0502020204030204" pitchFamily="34" charset="0"/>
                 <a:cs typeface="Calibri" panose="020F0502020204030204" pitchFamily="34" charset="0"/>
               </a:defRPr>
             </a:lvl2pPr>
             <a:lvl3pPr>
-              <a:defRPr sz="1800">
+              <a:defRPr sz="2000">
                 <a:latin typeface="Calibri" panose="020F0502020204030204" pitchFamily="34" charset="0"/>
                 <a:cs typeface="Calibri" panose="020F0502020204030204" pitchFamily="34" charset="0"/>
               </a:defRPr>
             </a:lvl3pPr>
             <a:lvl4pPr>
-              <a:defRPr>
+              <a:defRPr sz="1800">
                 <a:latin typeface="Calibri" panose="020F0502020204030204" pitchFamily="34" charset="0"/>
                 <a:cs typeface="Calibri" panose="020F0502020204030204" pitchFamily="34" charset="0"/>
               </a:defRPr>
             </a:lvl4pPr>
             <a:lvl5pPr>
-              <a:defRPr>
+              <a:defRPr sz="1800">
                 <a:latin typeface="Calibri" panose="020F0502020204030204" pitchFamily="34" charset="0"/>
                 <a:cs typeface="Calibri" panose="020F0502020204030204" pitchFamily="34" charset="0"/>
               </a:defRPr>
@@ -1617,7 +1617,7 @@
           <a:bodyPr/>
           <a:lstStyle>
             <a:lvl1pPr>
-              <a:defRPr>
+              <a:defRPr sz="3600">
                 <a:solidFill>
                   <a:schemeClr val="tx1"/>
                 </a:solidFill>
@@ -1650,7 +1650,7 @@
           <a:bodyPr/>
           <a:lstStyle>
             <a:lvl1pPr>
-              <a:defRPr>
+              <a:defRPr sz="2800">
                 <a:solidFill>
                   <a:schemeClr val="tx1"/>
                 </a:solidFill>
@@ -1659,7 +1659,7 @@
               </a:defRPr>
             </a:lvl1pPr>
             <a:lvl2pPr>
-              <a:defRPr>
+              <a:defRPr sz="2400">
                 <a:solidFill>
                   <a:schemeClr val="tx1"/>
                 </a:solidFill>
@@ -1668,7 +1668,7 @@
               </a:defRPr>
             </a:lvl2pPr>
             <a:lvl3pPr>
-              <a:defRPr sz="1800">
+              <a:defRPr sz="2000">
                 <a:solidFill>
                   <a:schemeClr val="tx1"/>
                 </a:solidFill>
@@ -1677,7 +1677,7 @@
               </a:defRPr>
             </a:lvl3pPr>
             <a:lvl4pPr>
-              <a:defRPr>
+              <a:defRPr sz="1800">
                 <a:solidFill>
                   <a:schemeClr val="tx1"/>
                 </a:solidFill>
@@ -1686,7 +1686,7 @@
               </a:defRPr>
             </a:lvl4pPr>
             <a:lvl5pPr>
-              <a:defRPr>
+              <a:defRPr sz="1800">
                 <a:solidFill>
                   <a:schemeClr val="tx1"/>
                 </a:solidFill>
@@ -1781,7 +1781,7 @@
           <a:bodyPr/>
           <a:lstStyle>
             <a:lvl1pPr>
-              <a:defRPr baseline="0">
+              <a:defRPr sz="3600" baseline="0">
                 <a:solidFill>
                   <a:schemeClr val="bg1"/>
                 </a:solidFill>
@@ -8265,11 +8265,9 @@
             <a:endParaRPr lang="en-US" dirty="0" smtClean="0"/>
           </a:p>
           <a:p>
-            <a:pPr lvl="1"/>
-            <a:endParaRPr lang="en-US" dirty="0" smtClean="0"/>
-          </a:p>
-          <a:p>
-            <a:pPr lvl="1"/>
+            <a:pPr marL="457129" lvl="1" indent="0">
+              <a:buNone/>
+            </a:pPr>
             <a:endParaRPr lang="en-US" dirty="0" smtClean="0"/>
           </a:p>
           <a:p>
@@ -8503,7 +8501,7 @@
           <a:lstStyle/>
           <a:p>
             <a:r>
-              <a:rPr lang="en-US" sz="1800" b="0">
+              <a:rPr lang="en-US" sz="1800" b="0" dirty="0">
                 <a:solidFill>
                   <a:schemeClr val="bg1"/>
                 </a:solidFill>
@@ -8513,7 +8511,7 @@
           </a:p>
           <a:p>
             <a:r>
-              <a:rPr lang="en-US" sz="1800" b="0">
+              <a:rPr lang="en-US" sz="1800" b="0" dirty="0">
                 <a:solidFill>
                   <a:schemeClr val="bg1"/>
                 </a:solidFill>
@@ -8523,7 +8521,7 @@
           </a:p>
           <a:p>
             <a:r>
-              <a:rPr lang="en-US" sz="1800" b="0">
+              <a:rPr lang="en-US" sz="1800" b="0" dirty="0">
                 <a:solidFill>
                   <a:schemeClr val="bg1"/>
                 </a:solidFill>
@@ -10163,9 +10161,6 @@
             <a:endParaRPr lang="en-US" dirty="0" smtClean="0"/>
           </a:p>
           <a:p>
-            <a:endParaRPr lang="en-US" dirty="0" smtClean="0"/>
-          </a:p>
-          <a:p>
             <a:r>
               <a:rPr lang="en-US" dirty="0" smtClean="0"/>
               <a:t>For this to work:</a:t>
@@ -10838,7 +10833,9 @@
         </p:nvSpPr>
         <p:spPr/>
         <p:txBody>
-          <a:bodyPr/>
+          <a:bodyPr>
+            <a:normAutofit fontScale="92500"/>
+          </a:bodyPr>
           <a:lstStyle/>
           <a:p>
             <a:r>
@@ -20322,7 +20319,7 @@
         </p:blipFill>
         <p:spPr bwMode="auto">
           <a:xfrm>
-            <a:off x="2514600" y="1864709"/>
+            <a:off x="2743200" y="2514600"/>
             <a:ext cx="1660922" cy="535781"/>
           </a:xfrm>
           <a:prstGeom prst="rect">
@@ -20354,7 +20351,7 @@
         </p:blipFill>
         <p:spPr bwMode="auto">
           <a:xfrm>
-            <a:off x="2438400" y="2595562"/>
+            <a:off x="2667000" y="3245453"/>
             <a:ext cx="2446734" cy="535781"/>
           </a:xfrm>
           <a:prstGeom prst="rect">
@@ -20386,7 +20383,7 @@
         </p:blipFill>
         <p:spPr bwMode="auto">
           <a:xfrm>
-            <a:off x="2433637" y="3202781"/>
+            <a:off x="2662237" y="3852672"/>
             <a:ext cx="5643563" cy="607219"/>
           </a:xfrm>
           <a:prstGeom prst="rect">
@@ -20647,12 +20644,24 @@
           <a:p>
             <a:pPr lvl="1"/>
             <a:r>
-              <a:rPr lang="en-US" dirty="0" err="1" smtClean="0"/>
+              <a:rPr lang="en-US" dirty="0" err="1" smtClean="0">
+                <a:solidFill>
+                  <a:srgbClr val="0000FF"/>
+                </a:solidFill>
+              </a:rPr>
               <a:t>Kneser</a:t>
             </a:r>
             <a:r>
+              <a:rPr lang="en-US" dirty="0" smtClean="0">
+                <a:solidFill>
+                  <a:srgbClr val="0000FF"/>
+                </a:solidFill>
+              </a:rPr>
+              <a:t>-Ney</a:t>
+            </a:r>
+            <a:r>
               <a:rPr lang="en-US" dirty="0" smtClean="0"/>
-              <a:t>-Ney represents best practice</a:t>
+              <a:t> represents best practice</a:t>
             </a:r>
             <a:endParaRPr lang="en-US" dirty="0"/>
           </a:p>
@@ -21033,7 +21042,9 @@
         </p:nvSpPr>
         <p:spPr/>
         <p:txBody>
-          <a:bodyPr/>
+          <a:bodyPr>
+            <a:normAutofit fontScale="92500" lnSpcReduction="10000"/>
+          </a:bodyPr>
           <a:lstStyle/>
           <a:p>
             <a:r>
@@ -21788,9 +21799,6 @@
             <a:endParaRPr lang="en-US" dirty="0" smtClean="0"/>
           </a:p>
           <a:p>
-            <a:endParaRPr lang="en-US" dirty="0"/>
-          </a:p>
-          <a:p>
             <a:r>
               <a:rPr lang="en-US" dirty="0" smtClean="0"/>
               <a:t>More clever approach</a:t>
@@ -21824,7 +21832,7 @@
         </p:nvSpPr>
         <p:spPr bwMode="auto">
           <a:xfrm>
-            <a:off x="1447800" y="1569184"/>
+            <a:off x="2286000" y="1816072"/>
             <a:ext cx="835009" cy="1631216"/>
           </a:xfrm>
           <a:prstGeom prst="rect">
@@ -22035,7 +22043,7 @@
         </p:nvSpPr>
         <p:spPr bwMode="auto">
           <a:xfrm>
-            <a:off x="1447800" y="3855184"/>
+            <a:off x="2286000" y="4102072"/>
             <a:ext cx="1106643" cy="2554545"/>
           </a:xfrm>
           <a:prstGeom prst="rect">
@@ -22331,7 +22339,7 @@
         </p:nvGrpSpPr>
         <p:grpSpPr>
           <a:xfrm>
-            <a:off x="2133600" y="1581912"/>
+            <a:off x="2971800" y="1828800"/>
             <a:ext cx="2743200" cy="369332"/>
             <a:chOff x="2133600" y="1611868"/>
             <a:chExt cx="2743200" cy="369332"/>
@@ -22443,7 +22451,7 @@
         </p:nvGrpSpPr>
         <p:grpSpPr>
           <a:xfrm>
-            <a:off x="2743200" y="3886200"/>
+            <a:off x="3581400" y="4133088"/>
             <a:ext cx="2743200" cy="369332"/>
             <a:chOff x="2133600" y="1611868"/>
             <a:chExt cx="2743200" cy="369332"/>
@@ -22555,7 +22563,7 @@
         </p:nvGrpSpPr>
         <p:grpSpPr>
           <a:xfrm>
-            <a:off x="2743200" y="4202668"/>
+            <a:off x="3581400" y="4449556"/>
             <a:ext cx="2743200" cy="369332"/>
             <a:chOff x="2133600" y="1611868"/>
             <a:chExt cx="2743200" cy="369332"/>
@@ -22667,7 +22675,7 @@
         </p:nvGrpSpPr>
         <p:grpSpPr>
           <a:xfrm>
-            <a:off x="2743200" y="5117068"/>
+            <a:off x="3581400" y="5363956"/>
             <a:ext cx="2743200" cy="369332"/>
             <a:chOff x="2133600" y="1611868"/>
             <a:chExt cx="2743200" cy="369332"/>
@@ -22957,7 +22965,7 @@
                                         <p:tgtEl>
                                           <p:spTgt spid="3">
                                             <p:txEl>
-                                              <p:pRg st="4" end="4"/>
+                                              <p:pRg st="3" end="3"/>
                                             </p:txEl>
                                           </p:spTgt>
                                         </p:tgtEl>
@@ -25067,7 +25075,7 @@
           <a:graphicData uri="http://schemas.openxmlformats.org/presentationml/2006/ole">
             <mc:AlternateContent xmlns:mc="http://schemas.openxmlformats.org/markup-compatibility/2006">
               <mc:Choice xmlns:v="urn:schemas-microsoft-com:vml" Requires="v">
-                <p:oleObj spid="_x0000_s1036" name="Equation" r:id="rId4" imgW="3111500" imgH="355600" progId="Equation.3">
+                <p:oleObj spid="_x0000_s1039" name="Equation" r:id="rId4" imgW="3111500" imgH="355600" progId="Equation.3">
                   <p:embed/>
                 </p:oleObj>
               </mc:Choice>
@@ -28114,7 +28122,7 @@
           <a:graphicData uri="http://schemas.openxmlformats.org/presentationml/2006/ole">
             <mc:AlternateContent xmlns:mc="http://schemas.openxmlformats.org/markup-compatibility/2006">
               <mc:Choice xmlns:v="urn:schemas-microsoft-com:vml" Requires="v">
-                <p:oleObj spid="_x0000_s2060" name="Equation" r:id="rId3" imgW="3111500" imgH="355600" progId="Equation.3">
+                <p:oleObj spid="_x0000_s2063" name="Equation" r:id="rId3" imgW="3111500" imgH="355600" progId="Equation.3">
                   <p:embed/>
                 </p:oleObj>
               </mc:Choice>

--- a/BDM/MapReduce_Algorithm.pptx
+++ b/BDM/MapReduce_Algorithm.pptx
@@ -652,35 +652,35 @@
           <a:p>
             <a:pPr lvl="0"/>
             <a:r>
-              <a:rPr lang="en-US" noProof="0" smtClean="0"/>
+              <a:rPr lang="en-US" noProof="0"/>
               <a:t>Click to edit Master text styles</a:t>
             </a:r>
           </a:p>
           <a:p>
             <a:pPr lvl="1"/>
             <a:r>
-              <a:rPr lang="en-US" noProof="0" smtClean="0"/>
+              <a:rPr lang="en-US" noProof="0"/>
               <a:t>Second level</a:t>
             </a:r>
           </a:p>
           <a:p>
             <a:pPr lvl="2"/>
             <a:r>
-              <a:rPr lang="en-US" noProof="0" smtClean="0"/>
+              <a:rPr lang="en-US" noProof="0"/>
               <a:t>Third level</a:t>
             </a:r>
           </a:p>
           <a:p>
             <a:pPr lvl="3"/>
             <a:r>
-              <a:rPr lang="en-US" noProof="0" smtClean="0"/>
+              <a:rPr lang="en-US" noProof="0"/>
               <a:t>Fourth level</a:t>
             </a:r>
           </a:p>
           <a:p>
             <a:pPr lvl="4"/>
             <a:r>
-              <a:rPr lang="en-US" noProof="0" smtClean="0"/>
+              <a:rPr lang="en-US" noProof="0"/>
               <a:t>Fifth level</a:t>
             </a:r>
           </a:p>
@@ -970,7 +970,7 @@
               <a:pPr defTabSz="963613"/>
               <a:t>4</a:t>
             </a:fld>
-            <a:endParaRPr lang="en-GB" smtClean="0"/>
+            <a:endParaRPr lang="en-GB"/>
           </a:p>
         </p:txBody>
       </p:sp>
@@ -1032,7 +1032,7 @@
           <a:bodyPr wrap="none" anchor="ctr"/>
           <a:lstStyle/>
           <a:p>
-            <a:endParaRPr lang="en-US" smtClean="0"/>
+            <a:endParaRPr lang="en-US"/>
           </a:p>
         </p:txBody>
       </p:sp>
@@ -1471,10 +1471,9 @@
           </a:lstStyle>
           <a:p>
             <a:r>
-              <a:rPr lang="en-US" dirty="0" smtClean="0"/>
+              <a:rPr lang="en-US" dirty="0"/>
               <a:t>Click to edit Master title style</a:t>
             </a:r>
-            <a:endParaRPr lang="en-US" dirty="0"/>
           </a:p>
         </p:txBody>
       </p:sp>
@@ -1526,38 +1525,37 @@
           <a:p>
             <a:pPr lvl="0"/>
             <a:r>
-              <a:rPr lang="en-US" dirty="0" smtClean="0"/>
+              <a:rPr lang="en-US" dirty="0"/>
               <a:t>Click to edit Master text styles</a:t>
             </a:r>
           </a:p>
           <a:p>
             <a:pPr lvl="1"/>
             <a:r>
-              <a:rPr lang="en-US" dirty="0" smtClean="0"/>
+              <a:rPr lang="en-US" dirty="0"/>
               <a:t>Second level</a:t>
             </a:r>
           </a:p>
           <a:p>
             <a:pPr lvl="2"/>
             <a:r>
-              <a:rPr lang="en-US" dirty="0" smtClean="0"/>
+              <a:rPr lang="en-US" dirty="0"/>
               <a:t>Third level</a:t>
             </a:r>
           </a:p>
           <a:p>
             <a:pPr lvl="3"/>
             <a:r>
-              <a:rPr lang="en-US" dirty="0" smtClean="0"/>
+              <a:rPr lang="en-US" dirty="0"/>
               <a:t>Fourth level</a:t>
             </a:r>
           </a:p>
           <a:p>
             <a:pPr lvl="4"/>
             <a:r>
-              <a:rPr lang="en-US" dirty="0" smtClean="0"/>
+              <a:rPr lang="en-US" dirty="0"/>
               <a:t>Fifth level</a:t>
             </a:r>
-            <a:endParaRPr lang="en-US" dirty="0"/>
           </a:p>
         </p:txBody>
       </p:sp>
@@ -1567,13 +1565,6 @@
     <a:masterClrMapping/>
   </p:clrMapOvr>
   <p:transition/>
-  <p:timing>
-    <p:tnLst>
-      <p:par>
-        <p:cTn id="1" dur="indefinite" restart="never" nodeType="tmRoot"/>
-      </p:par>
-    </p:tnLst>
-  </p:timing>
 </p:sldLayout>
 </file>
 
@@ -1628,10 +1619,9 @@
           </a:lstStyle>
           <a:p>
             <a:r>
-              <a:rPr lang="en-US" dirty="0" smtClean="0"/>
+              <a:rPr lang="en-US" dirty="0"/>
               <a:t>Click to edit Master title style</a:t>
             </a:r>
-            <a:endParaRPr lang="en-US" dirty="0"/>
           </a:p>
         </p:txBody>
       </p:sp>
@@ -1698,38 +1688,37 @@
           <a:p>
             <a:pPr lvl="0"/>
             <a:r>
-              <a:rPr lang="en-US" dirty="0" smtClean="0"/>
+              <a:rPr lang="en-US" dirty="0"/>
               <a:t>Click to edit Master text styles</a:t>
             </a:r>
           </a:p>
           <a:p>
             <a:pPr lvl="1"/>
             <a:r>
-              <a:rPr lang="en-US" dirty="0" smtClean="0"/>
+              <a:rPr lang="en-US" dirty="0"/>
               <a:t>Second level</a:t>
             </a:r>
           </a:p>
           <a:p>
             <a:pPr lvl="2"/>
             <a:r>
-              <a:rPr lang="en-US" dirty="0" smtClean="0"/>
+              <a:rPr lang="en-US" dirty="0"/>
               <a:t>Third level</a:t>
             </a:r>
           </a:p>
           <a:p>
             <a:pPr lvl="3"/>
             <a:r>
-              <a:rPr lang="en-US" dirty="0" smtClean="0"/>
+              <a:rPr lang="en-US" dirty="0"/>
               <a:t>Fourth level</a:t>
             </a:r>
           </a:p>
           <a:p>
             <a:pPr lvl="4"/>
             <a:r>
-              <a:rPr lang="en-US" dirty="0" smtClean="0"/>
+              <a:rPr lang="en-US" dirty="0"/>
               <a:t>Fifth level</a:t>
             </a:r>
-            <a:endParaRPr lang="en-US" dirty="0"/>
           </a:p>
         </p:txBody>
       </p:sp>
@@ -1739,13 +1728,6 @@
     <a:masterClrMapping/>
   </p:clrMapOvr>
   <p:transition/>
-  <p:timing>
-    <p:tnLst>
-      <p:par>
-        <p:cTn id="1" dur="indefinite" restart="never" nodeType="tmRoot"/>
-      </p:par>
-    </p:tnLst>
-  </p:timing>
 </p:sldLayout>
 </file>
 
@@ -1792,10 +1774,9 @@
           </a:lstStyle>
           <a:p>
             <a:r>
-              <a:rPr lang="en-US" dirty="0" smtClean="0"/>
+              <a:rPr lang="en-US" dirty="0"/>
               <a:t>Click to edit Master title style</a:t>
             </a:r>
-            <a:endParaRPr lang="en-US" dirty="0"/>
           </a:p>
         </p:txBody>
       </p:sp>
@@ -1805,13 +1786,6 @@
     <a:masterClrMapping/>
   </p:clrMapOvr>
   <p:transition/>
-  <p:timing>
-    <p:tnLst>
-      <p:par>
-        <p:cTn id="1" dur="indefinite" restart="never" nodeType="tmRoot"/>
-      </p:par>
-    </p:tnLst>
-  </p:timing>
 </p:sldLayout>
 </file>
 
@@ -1838,13 +1812,6 @@
     <a:masterClrMapping/>
   </p:clrMapOvr>
   <p:transition/>
-  <p:timing>
-    <p:tnLst>
-      <p:par>
-        <p:cTn id="1" dur="indefinite" restart="never" nodeType="tmRoot"/>
-      </p:par>
-    </p:tnLst>
-  </p:timing>
 </p:sldLayout>
 </file>
 
@@ -1893,10 +1860,9 @@
           </a:lstStyle>
           <a:p>
             <a:r>
-              <a:rPr lang="en-US" dirty="0" smtClean="0"/>
+              <a:rPr lang="en-US" dirty="0"/>
               <a:t>Click to edit Master title style</a:t>
             </a:r>
-            <a:endParaRPr lang="en-US" dirty="0"/>
           </a:p>
         </p:txBody>
       </p:sp>
@@ -1906,13 +1872,6 @@
     <a:masterClrMapping/>
   </p:clrMapOvr>
   <p:transition/>
-  <p:timing>
-    <p:tnLst>
-      <p:par>
-        <p:cTn id="1" dur="indefinite" restart="never" nodeType="tmRoot"/>
-      </p:par>
-    </p:tnLst>
-  </p:timing>
 </p:sldLayout>
 </file>
 
@@ -1947,13 +1906,6 @@
     <a:masterClrMapping/>
   </p:clrMapOvr>
   <p:transition/>
-  <p:timing>
-    <p:tnLst>
-      <p:par>
-        <p:cTn id="1" dur="indefinite" restart="never" nodeType="tmRoot"/>
-      </p:par>
-    </p:tnLst>
-  </p:timing>
 </p:sldLayout>
 </file>
 
@@ -2018,7 +1970,7 @@
           <a:p>
             <a:pPr lvl="0"/>
             <a:r>
-              <a:rPr lang="en-US" dirty="0" smtClean="0"/>
+              <a:rPr lang="en-US" dirty="0"/>
               <a:t>Click to edit Master title style</a:t>
             </a:r>
           </a:p>
@@ -2060,35 +2012,35 @@
           <a:p>
             <a:pPr lvl="0"/>
             <a:r>
-              <a:rPr lang="en-US" dirty="0" smtClean="0"/>
+              <a:rPr lang="en-US" dirty="0"/>
               <a:t>Click to edit Master text styles</a:t>
             </a:r>
           </a:p>
           <a:p>
             <a:pPr lvl="1"/>
             <a:r>
-              <a:rPr lang="en-US" dirty="0" smtClean="0"/>
+              <a:rPr lang="en-US" dirty="0"/>
               <a:t>Second level</a:t>
             </a:r>
           </a:p>
           <a:p>
             <a:pPr lvl="2"/>
             <a:r>
-              <a:rPr lang="en-US" dirty="0" smtClean="0"/>
+              <a:rPr lang="en-US" dirty="0"/>
               <a:t>Third level</a:t>
             </a:r>
           </a:p>
           <a:p>
             <a:pPr lvl="3"/>
             <a:r>
-              <a:rPr lang="en-US" dirty="0" smtClean="0"/>
+              <a:rPr lang="en-US" dirty="0"/>
               <a:t>Fourth level</a:t>
             </a:r>
           </a:p>
           <a:p>
             <a:pPr lvl="4"/>
             <a:r>
-              <a:rPr lang="en-US" dirty="0" smtClean="0"/>
+              <a:rPr lang="en-US" dirty="0"/>
               <a:t>Fifth level</a:t>
             </a:r>
           </a:p>
@@ -2107,13 +2059,6 @@
     <p:sldLayoutId id="2147483657" r:id="rId7"/>
   </p:sldLayoutIdLst>
   <p:transition/>
-  <p:timing>
-    <p:tnLst>
-      <p:par>
-        <p:cTn id="1" dur="indefinite" restart="never" nodeType="tmRoot"/>
-      </p:par>
-    </p:tnLst>
-  </p:timing>
   <p:txStyles>
     <p:titleStyle>
       <a:lvl1pPr algn="l" rtl="0" eaLnBrk="0" fontAlgn="base" hangingPunct="0">
@@ -2553,7 +2498,7 @@
           <a:p>
             <a:pPr algn="ctr" eaLnBrk="1" hangingPunct="1"/>
             <a:r>
-              <a:rPr lang="en-US" sz="3600" dirty="0" err="1" smtClean="0">
+              <a:rPr lang="en-US" sz="3600" dirty="0" err="1">
                 <a:solidFill>
                   <a:schemeClr val="bg2"/>
                 </a:solidFill>
@@ -2563,7 +2508,7 @@
               <a:t>MapReduce</a:t>
             </a:r>
             <a:r>
-              <a:rPr lang="en-US" sz="3600" dirty="0" smtClean="0">
+              <a:rPr lang="en-US" sz="3600" dirty="0">
                 <a:solidFill>
                   <a:schemeClr val="bg2"/>
                 </a:solidFill>
@@ -2572,13 +2517,6 @@
               </a:rPr>
               <a:t> Algorithm Design</a:t>
             </a:r>
-            <a:endParaRPr lang="en-US" sz="3600" dirty="0">
-              <a:solidFill>
-                <a:schemeClr val="bg2"/>
-              </a:solidFill>
-              <a:latin typeface="Calibri" panose="020F0502020204030204" pitchFamily="34" charset="0"/>
-              <a:cs typeface="Calibri" panose="020F0502020204030204" pitchFamily="34" charset="0"/>
-            </a:endParaRPr>
           </a:p>
         </p:txBody>
       </p:sp>
@@ -2644,7 +2582,7 @@
           <a:p>
             <a:pPr algn="ctr" eaLnBrk="1" hangingPunct="1"/>
             <a:r>
-              <a:rPr lang="en-US" sz="2400" b="0" dirty="0" smtClean="0">
+              <a:rPr lang="en-US" sz="2400" b="0" dirty="0">
                 <a:solidFill>
                   <a:schemeClr val="bg2"/>
                 </a:solidFill>
@@ -2653,13 +2591,6 @@
               </a:rPr>
               <a:t>(Modified from the slides by Jimmy Lin in his course of Big Data Infrastructure, Session 3: MapReduce – Basic Algorithm Design)</a:t>
             </a:r>
-            <a:endParaRPr lang="en-US" sz="2400" b="0" dirty="0">
-              <a:solidFill>
-                <a:schemeClr val="bg2"/>
-              </a:solidFill>
-              <a:latin typeface="Calibri" panose="020F0502020204030204" pitchFamily="34" charset="0"/>
-              <a:cs typeface="Calibri" panose="020F0502020204030204" pitchFamily="34" charset="0"/>
-            </a:endParaRPr>
           </a:p>
         </p:txBody>
       </p:sp>
@@ -2743,13 +2674,6 @@
       <p:transition xmlns:p14="http://schemas.microsoft.com/office/powerpoint/2010/main"/>
     </mc:Fallback>
   </mc:AlternateContent>
-  <p:timing>
-    <p:tnLst>
-      <p:par>
-        <p:cTn id="1" dur="indefinite" restart="never" nodeType="tmRoot"/>
-      </p:par>
-    </p:tnLst>
-  </p:timing>
 </p:sld>
 </file>
 
@@ -2786,10 +2710,9 @@
           <a:lstStyle/>
           <a:p>
             <a:r>
-              <a:rPr lang="en-US" dirty="0" smtClean="0"/>
+              <a:rPr lang="en-US" dirty="0"/>
               <a:t>Shuffle and Sort</a:t>
             </a:r>
-            <a:endParaRPr lang="en-US" dirty="0"/>
           </a:p>
         </p:txBody>
       </p:sp>
@@ -2853,7 +2776,7 @@
               <a:tabLst/>
             </a:pPr>
             <a:r>
-              <a:rPr kumimoji="0" lang="en-US" sz="1400" i="0" u="none" strike="noStrike" cap="none" normalizeH="0" baseline="0" dirty="0" smtClean="0">
+              <a:rPr kumimoji="0" lang="en-US" sz="1400" i="0" u="none" strike="noStrike" cap="none" normalizeH="0" baseline="0" dirty="0">
                 <a:ln>
                   <a:noFill/>
                 </a:ln>
@@ -2929,7 +2852,7 @@
               <a:tabLst/>
             </a:pPr>
             <a:r>
-              <a:rPr kumimoji="0" lang="en-US" sz="1400" i="0" u="none" strike="noStrike" cap="none" normalizeH="0" baseline="0" dirty="0" smtClean="0">
+              <a:rPr kumimoji="0" lang="en-US" sz="1400" i="0" u="none" strike="noStrike" cap="none" normalizeH="0" baseline="0" dirty="0">
                 <a:ln>
                   <a:noFill/>
                 </a:ln>
@@ -3018,7 +2941,7 @@
                 <a:buNone/>
                 <a:tabLst/>
               </a:pPr>
-              <a:endParaRPr kumimoji="0" lang="en-US" sz="1800" b="1" i="0" u="none" strike="noStrike" cap="none" normalizeH="0" baseline="0" smtClean="0">
+              <a:endParaRPr kumimoji="0" lang="en-US" sz="1800" b="1" i="0" u="none" strike="noStrike" cap="none" normalizeH="0" baseline="0">
                 <a:ln>
                   <a:noFill/>
                 </a:ln>
@@ -3094,7 +3017,7 @@
                 <a:buNone/>
                 <a:tabLst/>
               </a:pPr>
-              <a:endParaRPr kumimoji="0" lang="en-US" sz="1800" b="1" i="0" u="none" strike="noStrike" cap="none" normalizeH="0" baseline="0" smtClean="0">
+              <a:endParaRPr kumimoji="0" lang="en-US" sz="1800" b="1" i="0" u="none" strike="noStrike" cap="none" normalizeH="0" baseline="0">
                 <a:ln>
                   <a:noFill/>
                 </a:ln>
@@ -3168,7 +3091,7 @@
               <a:buNone/>
               <a:tabLst/>
             </a:pPr>
-            <a:endParaRPr kumimoji="0" lang="en-US" sz="1800" b="1" i="0" u="none" strike="noStrike" cap="none" normalizeH="0" baseline="0" smtClean="0">
+            <a:endParaRPr kumimoji="0" lang="en-US" sz="1800" b="1" i="0" u="none" strike="noStrike" cap="none" normalizeH="0" baseline="0">
               <a:ln>
                 <a:noFill/>
               </a:ln>
@@ -3241,7 +3164,7 @@
               <a:buNone/>
               <a:tabLst/>
             </a:pPr>
-            <a:endParaRPr kumimoji="0" lang="en-US" sz="1800" b="1" i="0" u="none" strike="noStrike" cap="none" normalizeH="0" baseline="0" smtClean="0">
+            <a:endParaRPr kumimoji="0" lang="en-US" sz="1800" b="1" i="0" u="none" strike="noStrike" cap="none" normalizeH="0" baseline="0">
               <a:ln>
                 <a:noFill/>
               </a:ln>
@@ -3314,7 +3237,7 @@
               <a:buNone/>
               <a:tabLst/>
             </a:pPr>
-            <a:endParaRPr kumimoji="0" lang="en-US" sz="1800" b="1" i="0" u="none" strike="noStrike" cap="none" normalizeH="0" baseline="0" smtClean="0">
+            <a:endParaRPr kumimoji="0" lang="en-US" sz="1800" b="1" i="0" u="none" strike="noStrike" cap="none" normalizeH="0" baseline="0">
               <a:ln>
                 <a:noFill/>
               </a:ln>
@@ -3387,7 +3310,7 @@
               <a:buNone/>
               <a:tabLst/>
             </a:pPr>
-            <a:endParaRPr kumimoji="0" lang="en-US" sz="1800" b="1" i="0" u="none" strike="noStrike" cap="none" normalizeH="0" baseline="0" smtClean="0">
+            <a:endParaRPr kumimoji="0" lang="en-US" sz="1800" b="1" i="0" u="none" strike="noStrike" cap="none" normalizeH="0" baseline="0">
               <a:ln>
                 <a:noFill/>
               </a:ln>
@@ -3460,7 +3383,7 @@
               <a:buNone/>
               <a:tabLst/>
             </a:pPr>
-            <a:endParaRPr kumimoji="0" lang="en-US" sz="1800" b="1" i="0" u="none" strike="noStrike" cap="none" normalizeH="0" baseline="0" smtClean="0">
+            <a:endParaRPr kumimoji="0" lang="en-US" sz="1800" b="1" i="0" u="none" strike="noStrike" cap="none" normalizeH="0" baseline="0">
               <a:ln>
                 <a:noFill/>
               </a:ln>
@@ -3533,7 +3456,7 @@
               <a:buNone/>
               <a:tabLst/>
             </a:pPr>
-            <a:endParaRPr kumimoji="0" lang="en-US" sz="1800" b="1" i="0" u="none" strike="noStrike" cap="none" normalizeH="0" baseline="0" smtClean="0">
+            <a:endParaRPr kumimoji="0" lang="en-US" sz="1800" b="1" i="0" u="none" strike="noStrike" cap="none" normalizeH="0" baseline="0">
               <a:ln>
                 <a:noFill/>
               </a:ln>
@@ -3606,7 +3529,7 @@
               <a:buNone/>
               <a:tabLst/>
             </a:pPr>
-            <a:endParaRPr kumimoji="0" lang="en-US" sz="1800" b="1" i="0" u="none" strike="noStrike" cap="none" normalizeH="0" baseline="0" smtClean="0">
+            <a:endParaRPr kumimoji="0" lang="en-US" sz="1800" b="1" i="0" u="none" strike="noStrike" cap="none" normalizeH="0" baseline="0">
               <a:ln>
                 <a:noFill/>
               </a:ln>
@@ -3679,7 +3602,7 @@
               <a:buNone/>
               <a:tabLst/>
             </a:pPr>
-            <a:endParaRPr kumimoji="0" lang="en-US" sz="1800" b="1" i="0" u="none" strike="noStrike" cap="none" normalizeH="0" baseline="0" smtClean="0">
+            <a:endParaRPr kumimoji="0" lang="en-US" sz="1800" b="1" i="0" u="none" strike="noStrike" cap="none" normalizeH="0" baseline="0">
               <a:ln>
                 <a:noFill/>
               </a:ln>
@@ -3752,7 +3675,7 @@
               <a:buNone/>
               <a:tabLst/>
             </a:pPr>
-            <a:endParaRPr kumimoji="0" lang="en-US" sz="1800" b="1" i="0" u="none" strike="noStrike" cap="none" normalizeH="0" baseline="0" smtClean="0">
+            <a:endParaRPr kumimoji="0" lang="en-US" sz="1800" b="1" i="0" u="none" strike="noStrike" cap="none" normalizeH="0" baseline="0">
               <a:ln>
                 <a:noFill/>
               </a:ln>
@@ -3825,7 +3748,7 @@
               <a:buNone/>
               <a:tabLst/>
             </a:pPr>
-            <a:endParaRPr kumimoji="0" lang="en-US" sz="1800" b="1" i="0" u="none" strike="noStrike" cap="none" normalizeH="0" baseline="0" smtClean="0">
+            <a:endParaRPr kumimoji="0" lang="en-US" sz="1800" b="1" i="0" u="none" strike="noStrike" cap="none" normalizeH="0" baseline="0">
               <a:ln>
                 <a:noFill/>
               </a:ln>
@@ -4141,7 +4064,7 @@
           <a:lstStyle/>
           <a:p>
             <a:r>
-              <a:rPr lang="en-US" sz="1800" b="0" dirty="0" smtClean="0">
+              <a:rPr lang="en-US" sz="1800" b="0" dirty="0">
                 <a:solidFill>
                   <a:schemeClr val="bg1"/>
                 </a:solidFill>
@@ -4151,7 +4074,7 @@
               <a:t>other </a:t>
             </a:r>
             <a:r>
-              <a:rPr lang="en-US" sz="1800" b="0" dirty="0" err="1" smtClean="0">
+              <a:rPr lang="en-US" sz="1800" b="0" dirty="0" err="1">
                 <a:solidFill>
                   <a:schemeClr val="bg1"/>
                 </a:solidFill>
@@ -4301,7 +4224,7 @@
           <a:lstStyle/>
           <a:p>
             <a:r>
-              <a:rPr lang="en-US" sz="1800" b="0" dirty="0" smtClean="0">
+              <a:rPr lang="en-US" sz="1800" b="0" dirty="0">
                 <a:solidFill>
                   <a:schemeClr val="bg1"/>
                 </a:solidFill>
@@ -4310,13 +4233,6 @@
               </a:rPr>
               <a:t>other reducers</a:t>
             </a:r>
-            <a:endParaRPr lang="en-US" sz="1800" b="0" dirty="0">
-              <a:solidFill>
-                <a:schemeClr val="bg1"/>
-              </a:solidFill>
-              <a:latin typeface="Gill Sans"/>
-              <a:cs typeface="Gill Sans"/>
-            </a:endParaRPr>
           </a:p>
         </p:txBody>
       </p:sp>
@@ -4344,7 +4260,7 @@
           <a:p>
             <a:pPr algn="ctr"/>
             <a:r>
-              <a:rPr lang="en-US" sz="1400" b="0" dirty="0" smtClean="0">
+              <a:rPr lang="en-US" sz="1400" b="0" dirty="0">
                 <a:solidFill>
                   <a:schemeClr val="bg1"/>
                 </a:solidFill>
@@ -4354,7 +4270,7 @@
               <a:t>circular buffer </a:t>
             </a:r>
             <a:br>
-              <a:rPr lang="en-US" sz="1400" b="0" dirty="0" smtClean="0">
+              <a:rPr lang="en-US" sz="1400" b="0" dirty="0">
                 <a:solidFill>
                   <a:schemeClr val="bg1"/>
                 </a:solidFill>
@@ -4363,7 +4279,7 @@
               </a:rPr>
             </a:br>
             <a:r>
-              <a:rPr lang="en-US" sz="1400" b="0" dirty="0" smtClean="0">
+              <a:rPr lang="en-US" sz="1400" b="0" dirty="0">
                 <a:solidFill>
                   <a:schemeClr val="bg1"/>
                 </a:solidFill>
@@ -4372,13 +4288,6 @@
               </a:rPr>
               <a:t>(in memory)</a:t>
             </a:r>
-            <a:endParaRPr lang="en-US" sz="1400" b="0" dirty="0">
-              <a:solidFill>
-                <a:schemeClr val="bg1"/>
-              </a:solidFill>
-              <a:latin typeface="Gill Sans"/>
-              <a:cs typeface="Gill Sans"/>
-            </a:endParaRPr>
           </a:p>
         </p:txBody>
       </p:sp>
@@ -4406,7 +4315,7 @@
           <a:p>
             <a:pPr algn="ctr"/>
             <a:r>
-              <a:rPr lang="en-US" sz="1400" b="0" dirty="0" smtClean="0">
+              <a:rPr lang="en-US" sz="1400" b="0" dirty="0">
                 <a:solidFill>
                   <a:schemeClr val="bg1"/>
                 </a:solidFill>
@@ -4415,13 +4324,6 @@
               </a:rPr>
               <a:t>spills (on disk)</a:t>
             </a:r>
-            <a:endParaRPr lang="en-US" sz="1400" b="0" dirty="0">
-              <a:solidFill>
-                <a:schemeClr val="bg1"/>
-              </a:solidFill>
-              <a:latin typeface="Gill Sans"/>
-              <a:cs typeface="Gill Sans"/>
-            </a:endParaRPr>
           </a:p>
         </p:txBody>
       </p:sp>
@@ -4449,7 +4351,7 @@
           <a:p>
             <a:pPr algn="ctr"/>
             <a:r>
-              <a:rPr lang="en-US" sz="1400" b="0" dirty="0" smtClean="0">
+              <a:rPr lang="en-US" sz="1400" b="0" dirty="0">
                 <a:solidFill>
                   <a:schemeClr val="bg1"/>
                 </a:solidFill>
@@ -4459,7 +4361,7 @@
               <a:t>merged spills </a:t>
             </a:r>
             <a:br>
-              <a:rPr lang="en-US" sz="1400" b="0" dirty="0" smtClean="0">
+              <a:rPr lang="en-US" sz="1400" b="0" dirty="0">
                 <a:solidFill>
                   <a:schemeClr val="bg1"/>
                 </a:solidFill>
@@ -4468,7 +4370,7 @@
               </a:rPr>
             </a:br>
             <a:r>
-              <a:rPr lang="en-US" sz="1400" b="0" dirty="0" smtClean="0">
+              <a:rPr lang="en-US" sz="1400" b="0" dirty="0">
                 <a:solidFill>
                   <a:schemeClr val="bg1"/>
                 </a:solidFill>
@@ -4477,13 +4379,6 @@
               </a:rPr>
               <a:t>(on disk)</a:t>
             </a:r>
-            <a:endParaRPr lang="en-US" sz="1400" b="0" dirty="0">
-              <a:solidFill>
-                <a:schemeClr val="bg1"/>
-              </a:solidFill>
-              <a:latin typeface="Gill Sans"/>
-              <a:cs typeface="Gill Sans"/>
-            </a:endParaRPr>
           </a:p>
         </p:txBody>
       </p:sp>
@@ -4511,7 +4406,7 @@
           <a:p>
             <a:pPr algn="ctr"/>
             <a:r>
-              <a:rPr lang="en-US" sz="1400" b="0" dirty="0" smtClean="0">
+              <a:rPr lang="en-US" sz="1400" b="0" dirty="0">
                 <a:solidFill>
                   <a:schemeClr val="bg1"/>
                 </a:solidFill>
@@ -4521,7 +4416,7 @@
               <a:t>intermediate files </a:t>
             </a:r>
             <a:br>
-              <a:rPr lang="en-US" sz="1400" b="0" dirty="0" smtClean="0">
+              <a:rPr lang="en-US" sz="1400" b="0" dirty="0">
                 <a:solidFill>
                   <a:schemeClr val="bg1"/>
                 </a:solidFill>
@@ -4530,7 +4425,7 @@
               </a:rPr>
             </a:br>
             <a:r>
-              <a:rPr lang="en-US" sz="1400" b="0" dirty="0" smtClean="0">
+              <a:rPr lang="en-US" sz="1400" b="0" dirty="0">
                 <a:solidFill>
                   <a:schemeClr val="bg1"/>
                 </a:solidFill>
@@ -4539,13 +4434,6 @@
               </a:rPr>
               <a:t>(on disk)</a:t>
             </a:r>
-            <a:endParaRPr lang="en-US" sz="1400" b="0" dirty="0">
-              <a:solidFill>
-                <a:schemeClr val="bg1"/>
-              </a:solidFill>
-              <a:latin typeface="Gill Sans"/>
-              <a:cs typeface="Gill Sans"/>
-            </a:endParaRPr>
           </a:p>
         </p:txBody>
       </p:sp>
@@ -4718,7 +4606,7 @@
               <a:tabLst/>
             </a:pPr>
             <a:r>
-              <a:rPr lang="en-US" sz="1400" dirty="0" smtClean="0">
+              <a:rPr lang="en-US" sz="1400" dirty="0">
                 <a:solidFill>
                   <a:schemeClr val="bg2"/>
                 </a:solidFill>
@@ -4727,7 +4615,7 @@
               </a:rPr>
               <a:t>Combiner</a:t>
             </a:r>
-            <a:endParaRPr kumimoji="0" lang="en-US" sz="1400" i="0" u="none" strike="noStrike" cap="none" normalizeH="0" baseline="0" dirty="0" smtClean="0">
+            <a:endParaRPr kumimoji="0" lang="en-US" sz="1400" i="0" u="none" strike="noStrike" cap="none" normalizeH="0" baseline="0" dirty="0">
               <a:ln>
                 <a:noFill/>
               </a:ln>
@@ -4801,7 +4689,7 @@
               <a:tabLst/>
             </a:pPr>
             <a:r>
-              <a:rPr lang="en-US" sz="1400" dirty="0" smtClean="0">
+              <a:rPr lang="en-US" sz="1400" dirty="0">
                 <a:solidFill>
                   <a:schemeClr val="bg2"/>
                 </a:solidFill>
@@ -4810,7 +4698,7 @@
               </a:rPr>
               <a:t>Combiner</a:t>
             </a:r>
-            <a:endParaRPr kumimoji="0" lang="en-US" sz="1400" i="0" u="none" strike="noStrike" cap="none" normalizeH="0" baseline="0" dirty="0" smtClean="0">
+            <a:endParaRPr kumimoji="0" lang="en-US" sz="1400" i="0" u="none" strike="noStrike" cap="none" normalizeH="0" baseline="0" dirty="0">
               <a:ln>
                 <a:noFill/>
               </a:ln>
@@ -4977,10 +4865,9 @@
           <a:lstStyle/>
           <a:p>
             <a:r>
-              <a:rPr lang="en-US" dirty="0" smtClean="0"/>
+              <a:rPr lang="en-US" dirty="0"/>
               <a:t>Word Count: Baseline</a:t>
             </a:r>
-            <a:endParaRPr lang="en-US" dirty="0"/>
           </a:p>
         </p:txBody>
       </p:sp>
@@ -5056,7 +4943,7 @@
               <a:defRPr/>
             </a:pPr>
             <a:r>
-              <a:rPr kumimoji="0" lang="en-US" sz="2400" i="0" u="none" strike="noStrike" kern="0" cap="none" spc="0" normalizeH="0" baseline="0" noProof="0" dirty="0" smtClean="0">
+              <a:rPr kumimoji="0" lang="en-US" sz="2400" i="0" u="none" strike="noStrike" kern="0" cap="none" spc="0" normalizeH="0" baseline="0" noProof="0" dirty="0">
                 <a:ln>
                   <a:noFill/>
                 </a:ln>
@@ -5071,7 +4958,7 @@
               </a:rPr>
               <a:t>What’s the impact of combiners?</a:t>
             </a:r>
-            <a:endParaRPr kumimoji="0" lang="en-US" sz="2000" i="0" u="none" strike="noStrike" kern="0" cap="none" spc="0" normalizeH="0" baseline="0" noProof="0" dirty="0" smtClean="0">
+            <a:endParaRPr kumimoji="0" lang="en-US" sz="2000" i="0" u="none" strike="noStrike" kern="0" cap="none" spc="0" normalizeH="0" baseline="0" noProof="0" dirty="0">
               <a:ln>
                 <a:noFill/>
               </a:ln>
@@ -5212,10 +5099,9 @@
           <a:lstStyle/>
           <a:p>
             <a:r>
-              <a:rPr lang="en-US" dirty="0" smtClean="0"/>
+              <a:rPr lang="en-US" dirty="0"/>
               <a:t>Word Count: Version 1</a:t>
             </a:r>
-            <a:endParaRPr lang="en-US" dirty="0"/>
           </a:p>
         </p:txBody>
       </p:sp>
@@ -5291,7 +5177,7 @@
               <a:defRPr/>
             </a:pPr>
             <a:r>
-              <a:rPr kumimoji="0" lang="en-US" sz="2400" i="0" u="none" strike="noStrike" kern="0" cap="none" spc="0" normalizeH="0" baseline="0" noProof="0" dirty="0" smtClean="0">
+              <a:rPr kumimoji="0" lang="en-US" sz="2400" i="0" u="none" strike="noStrike" kern="0" cap="none" spc="0" normalizeH="0" baseline="0" noProof="0" dirty="0">
                 <a:ln>
                   <a:noFill/>
                 </a:ln>
@@ -5307,7 +5193,7 @@
               <a:t>Are combiners still</a:t>
             </a:r>
             <a:r>
-              <a:rPr kumimoji="0" lang="en-US" sz="2400" i="0" u="none" strike="noStrike" kern="0" cap="none" spc="0" normalizeH="0" noProof="0" dirty="0" smtClean="0">
+              <a:rPr kumimoji="0" lang="en-US" sz="2400" i="0" u="none" strike="noStrike" kern="0" cap="none" spc="0" normalizeH="0" noProof="0" dirty="0">
                 <a:ln>
                   <a:noFill/>
                 </a:ln>
@@ -5322,7 +5208,7 @@
               </a:rPr>
               <a:t> needed?</a:t>
             </a:r>
-            <a:endParaRPr kumimoji="0" lang="en-US" sz="2000" i="0" u="none" strike="noStrike" kern="0" cap="none" spc="0" normalizeH="0" baseline="0" noProof="0" dirty="0" smtClean="0">
+            <a:endParaRPr kumimoji="0" lang="en-US" sz="2000" i="0" u="none" strike="noStrike" kern="0" cap="none" spc="0" normalizeH="0" baseline="0" noProof="0" dirty="0">
               <a:ln>
                 <a:noFill/>
               </a:ln>
@@ -5463,10 +5349,9 @@
           <a:lstStyle/>
           <a:p>
             <a:r>
-              <a:rPr lang="en-US" dirty="0" smtClean="0"/>
+              <a:rPr lang="en-US" dirty="0"/>
               <a:t>Word Count: Version 2</a:t>
             </a:r>
-            <a:endParaRPr lang="en-US" dirty="0"/>
           </a:p>
         </p:txBody>
       </p:sp>
@@ -5542,7 +5427,7 @@
               <a:defRPr/>
             </a:pPr>
             <a:r>
-              <a:rPr kumimoji="0" lang="en-US" sz="2400" i="0" u="none" strike="noStrike" kern="0" cap="none" spc="0" normalizeH="0" baseline="0" noProof="0" dirty="0" smtClean="0">
+              <a:rPr kumimoji="0" lang="en-US" sz="2400" i="0" u="none" strike="noStrike" kern="0" cap="none" spc="0" normalizeH="0" baseline="0" noProof="0" dirty="0">
                 <a:ln>
                   <a:noFill/>
                 </a:ln>
@@ -5558,7 +5443,7 @@
               <a:t>Are combiners still</a:t>
             </a:r>
             <a:r>
-              <a:rPr kumimoji="0" lang="en-US" sz="2400" i="0" u="none" strike="noStrike" kern="0" cap="none" spc="0" normalizeH="0" noProof="0" dirty="0" smtClean="0">
+              <a:rPr kumimoji="0" lang="en-US" sz="2400" i="0" u="none" strike="noStrike" kern="0" cap="none" spc="0" normalizeH="0" noProof="0" dirty="0">
                 <a:ln>
                   <a:noFill/>
                 </a:ln>
@@ -5573,7 +5458,7 @@
               </a:rPr>
               <a:t> needed?</a:t>
             </a:r>
-            <a:endParaRPr kumimoji="0" lang="en-US" sz="2000" i="0" u="none" strike="noStrike" kern="0" cap="none" spc="0" normalizeH="0" baseline="0" noProof="0" dirty="0" smtClean="0">
+            <a:endParaRPr kumimoji="0" lang="en-US" sz="2000" i="0" u="none" strike="noStrike" kern="0" cap="none" spc="0" normalizeH="0" baseline="0" noProof="0" dirty="0">
               <a:ln>
                 <a:noFill/>
               </a:ln>
@@ -5637,7 +5522,7 @@
               <a:defRPr/>
             </a:pPr>
             <a:r>
-              <a:rPr kumimoji="0" lang="en-US" sz="2400" b="0" i="0" u="none" strike="noStrike" kern="0" cap="none" spc="0" normalizeH="0" baseline="0" noProof="0" dirty="0" smtClean="0">
+              <a:rPr kumimoji="0" lang="en-US" sz="2400" b="0" i="0" u="none" strike="noStrike" kern="0" cap="none" spc="0" normalizeH="0" baseline="0" noProof="0" dirty="0">
                 <a:ln>
                   <a:noFill/>
                 </a:ln>
@@ -5653,7 +5538,7 @@
               <a:t>Key idea: preserve state across</a:t>
             </a:r>
             <a:br>
-              <a:rPr kumimoji="0" lang="en-US" sz="2400" b="0" i="0" u="none" strike="noStrike" kern="0" cap="none" spc="0" normalizeH="0" baseline="0" noProof="0" dirty="0" smtClean="0">
+              <a:rPr kumimoji="0" lang="en-US" sz="2400" b="0" i="0" u="none" strike="noStrike" kern="0" cap="none" spc="0" normalizeH="0" baseline="0" noProof="0" dirty="0">
                 <a:ln>
                   <a:noFill/>
                 </a:ln>
@@ -5668,7 +5553,7 @@
               </a:rPr>
             </a:br>
             <a:r>
-              <a:rPr kumimoji="0" lang="en-US" sz="2400" b="0" i="0" u="none" strike="noStrike" kern="0" cap="none" spc="0" normalizeH="0" baseline="0" noProof="0" dirty="0" smtClean="0">
+              <a:rPr kumimoji="0" lang="en-US" sz="2400" b="0" i="0" u="none" strike="noStrike" kern="0" cap="none" spc="0" normalizeH="0" baseline="0" noProof="0" dirty="0">
                 <a:ln>
                   <a:noFill/>
                 </a:ln>
@@ -5684,7 +5569,7 @@
               <a:t>input</a:t>
             </a:r>
             <a:r>
-              <a:rPr kumimoji="0" lang="en-US" sz="2400" b="0" i="0" u="none" strike="noStrike" kern="0" cap="none" spc="0" normalizeH="0" noProof="0" dirty="0" smtClean="0">
+              <a:rPr kumimoji="0" lang="en-US" sz="2400" b="0" i="0" u="none" strike="noStrike" kern="0" cap="none" spc="0" normalizeH="0" noProof="0" dirty="0">
                 <a:ln>
                   <a:noFill/>
                 </a:ln>
@@ -5699,7 +5584,7 @@
               </a:rPr>
               <a:t> key-value pairs!</a:t>
             </a:r>
-            <a:endParaRPr kumimoji="0" lang="en-US" sz="2400" b="0" i="0" u="none" strike="noStrike" kern="0" cap="none" spc="0" normalizeH="0" baseline="0" noProof="0" dirty="0" smtClean="0">
+            <a:endParaRPr kumimoji="0" lang="en-US" sz="2400" b="0" i="0" u="none" strike="noStrike" kern="0" cap="none" spc="0" normalizeH="0" baseline="0" noProof="0" dirty="0">
               <a:ln>
                 <a:noFill/>
               </a:ln>
@@ -5886,10 +5771,9 @@
           <a:lstStyle/>
           <a:p>
             <a:r>
-              <a:rPr lang="en-US" dirty="0" smtClean="0"/>
+              <a:rPr lang="en-US" dirty="0"/>
               <a:t>Design Pattern for Local Aggregation</a:t>
             </a:r>
-            <a:endParaRPr lang="en-US" dirty="0"/>
           </a:p>
         </p:txBody>
       </p:sp>
@@ -5909,57 +5793,56 @@
           <a:lstStyle/>
           <a:p>
             <a:r>
-              <a:rPr lang="en-US" dirty="0" smtClean="0"/>
+              <a:rPr lang="en-US" dirty="0"/>
               <a:t>“In-mapper combining”</a:t>
             </a:r>
           </a:p>
           <a:p>
             <a:pPr lvl="1"/>
             <a:r>
-              <a:rPr lang="en-US" dirty="0" smtClean="0"/>
+              <a:rPr lang="en-US" dirty="0"/>
               <a:t>Fold the functionality of the combiner into the mapper by preserving state across multiple map calls</a:t>
             </a:r>
           </a:p>
           <a:p>
             <a:r>
-              <a:rPr lang="en-US" dirty="0" smtClean="0"/>
+              <a:rPr lang="en-US" dirty="0"/>
               <a:t>Advantages</a:t>
             </a:r>
           </a:p>
           <a:p>
             <a:pPr lvl="1"/>
             <a:r>
-              <a:rPr lang="en-US" dirty="0" smtClean="0"/>
+              <a:rPr lang="en-US" dirty="0"/>
               <a:t>Speed</a:t>
             </a:r>
           </a:p>
           <a:p>
             <a:pPr lvl="1"/>
             <a:r>
-              <a:rPr lang="en-US" dirty="0" smtClean="0"/>
+              <a:rPr lang="en-US" dirty="0"/>
               <a:t>Why is this faster than actual combiners?</a:t>
             </a:r>
           </a:p>
           <a:p>
             <a:r>
-              <a:rPr lang="en-US" dirty="0" smtClean="0"/>
+              <a:rPr lang="en-US" dirty="0"/>
               <a:t>Disadvantages</a:t>
             </a:r>
           </a:p>
           <a:p>
             <a:pPr lvl="1"/>
             <a:r>
-              <a:rPr lang="en-US" dirty="0" smtClean="0"/>
+              <a:rPr lang="en-US" dirty="0"/>
               <a:t>Explicit memory management required</a:t>
             </a:r>
           </a:p>
           <a:p>
             <a:pPr lvl="1"/>
             <a:r>
-              <a:rPr lang="en-US" dirty="0" smtClean="0"/>
+              <a:rPr lang="en-US" dirty="0"/>
               <a:t>Potential for order-dependent bugs</a:t>
             </a:r>
-            <a:endParaRPr lang="en-US" dirty="0"/>
           </a:p>
         </p:txBody>
       </p:sp>
@@ -5974,13 +5857,6 @@
     <a:masterClrMapping/>
   </p:clrMapOvr>
   <p:transition/>
-  <p:timing>
-    <p:tnLst>
-      <p:par>
-        <p:cTn id="1" dur="indefinite" restart="never" nodeType="tmRoot"/>
-      </p:par>
-    </p:tnLst>
-  </p:timing>
 </p:sld>
 </file>
 
@@ -6017,10 +5893,9 @@
           <a:lstStyle/>
           <a:p>
             <a:r>
-              <a:rPr lang="en-US" dirty="0" smtClean="0"/>
+              <a:rPr lang="en-US" dirty="0"/>
               <a:t>Combiner Design</a:t>
             </a:r>
-            <a:endParaRPr lang="en-US" dirty="0"/>
           </a:p>
         </p:txBody>
       </p:sp>
@@ -6040,47 +5915,55 @@
           <a:lstStyle/>
           <a:p>
             <a:r>
-              <a:rPr lang="en-US" dirty="0" smtClean="0"/>
+              <a:rPr lang="en-US" dirty="0"/>
               <a:t>Combiners and reducers share same method signature</a:t>
             </a:r>
           </a:p>
           <a:p>
             <a:pPr lvl="1"/>
             <a:r>
-              <a:rPr lang="en-US" dirty="0" smtClean="0"/>
+              <a:rPr lang="en-US" dirty="0"/>
               <a:t>Sometimes, reducers can serve as combiners</a:t>
             </a:r>
           </a:p>
           <a:p>
             <a:pPr lvl="1"/>
             <a:r>
-              <a:rPr lang="en-US" dirty="0" smtClean="0"/>
+              <a:rPr lang="en-US" dirty="0"/>
               <a:t>Often, not…</a:t>
             </a:r>
           </a:p>
           <a:p>
             <a:r>
-              <a:rPr lang="en-US" dirty="0" smtClean="0"/>
-              <a:t>Remember: combiner are optional optimizations</a:t>
+              <a:rPr lang="en-US" dirty="0"/>
+              <a:t>Remember</a:t>
+            </a:r>
+            <a:r>
+              <a:rPr lang="en-US"/>
+              <a:t>: combiners </a:t>
+            </a:r>
+            <a:r>
+              <a:rPr lang="en-US" dirty="0"/>
+              <a:t>are optional optimizations</a:t>
             </a:r>
           </a:p>
           <a:p>
             <a:pPr lvl="1"/>
             <a:r>
-              <a:rPr lang="en-US" dirty="0" smtClean="0"/>
+              <a:rPr lang="en-US" dirty="0"/>
               <a:t>Should not affect algorithm correctness</a:t>
             </a:r>
           </a:p>
           <a:p>
             <a:pPr lvl="1"/>
             <a:r>
-              <a:rPr lang="en-US" dirty="0" smtClean="0"/>
+              <a:rPr lang="en-US" dirty="0"/>
               <a:t>May be run 0, 1, or multiple times</a:t>
             </a:r>
           </a:p>
           <a:p>
             <a:r>
-              <a:rPr lang="en-US" dirty="0" smtClean="0"/>
+              <a:rPr lang="en-US" dirty="0"/>
               <a:t>Example: find average of integers associated with the same key</a:t>
             </a:r>
           </a:p>
@@ -6101,13 +5984,6 @@
     <a:masterClrMapping/>
   </p:clrMapOvr>
   <p:transition/>
-  <p:timing>
-    <p:tnLst>
-      <p:par>
-        <p:cTn id="1" dur="indefinite" restart="never" nodeType="tmRoot"/>
-      </p:par>
-    </p:tnLst>
-  </p:timing>
 </p:sld>
 </file>
 
@@ -6144,10 +6020,9 @@
           <a:lstStyle/>
           <a:p>
             <a:r>
-              <a:rPr lang="en-US" dirty="0" smtClean="0"/>
+              <a:rPr lang="en-US" dirty="0"/>
               <a:t>Computing the Mean: Version 1</a:t>
             </a:r>
-            <a:endParaRPr lang="en-US" dirty="0"/>
           </a:p>
         </p:txBody>
       </p:sp>
@@ -6223,7 +6098,7 @@
               <a:defRPr/>
             </a:pPr>
             <a:r>
-              <a:rPr kumimoji="0" lang="en-US" sz="2400" i="0" u="none" strike="noStrike" kern="0" cap="none" spc="0" normalizeH="0" baseline="0" noProof="0" dirty="0" smtClean="0">
+              <a:rPr kumimoji="0" lang="en-US" sz="2400" i="0" u="none" strike="noStrike" kern="0" cap="none" spc="0" normalizeH="0" baseline="0" noProof="0" dirty="0">
                 <a:ln>
                   <a:noFill/>
                 </a:ln>
@@ -6239,7 +6114,7 @@
               <a:t>Why can’t we use reducer as combiner</a:t>
             </a:r>
             <a:r>
-              <a:rPr kumimoji="0" lang="en-US" sz="2400" i="0" u="none" strike="noStrike" kern="0" cap="none" spc="0" normalizeH="0" noProof="0" dirty="0" smtClean="0">
+              <a:rPr kumimoji="0" lang="en-US" sz="2400" i="0" u="none" strike="noStrike" kern="0" cap="none" spc="0" normalizeH="0" noProof="0" dirty="0">
                 <a:ln>
                   <a:noFill/>
                 </a:ln>
@@ -6254,7 +6129,7 @@
               </a:rPr>
               <a:t>?</a:t>
             </a:r>
-            <a:endParaRPr kumimoji="0" lang="en-US" sz="2000" i="0" u="none" strike="noStrike" kern="0" cap="none" spc="0" normalizeH="0" baseline="0" noProof="0" dirty="0" smtClean="0">
+            <a:endParaRPr kumimoji="0" lang="en-US" sz="2000" i="0" u="none" strike="noStrike" kern="0" cap="none" spc="0" normalizeH="0" baseline="0" noProof="0" dirty="0">
               <a:ln>
                 <a:noFill/>
               </a:ln>
@@ -6395,10 +6270,9 @@
           <a:lstStyle/>
           <a:p>
             <a:r>
-              <a:rPr lang="en-US" dirty="0" smtClean="0"/>
+              <a:rPr lang="en-US" dirty="0"/>
               <a:t>Computing the Mean: Version 2</a:t>
             </a:r>
-            <a:endParaRPr lang="en-US" dirty="0"/>
           </a:p>
         </p:txBody>
       </p:sp>
@@ -6474,7 +6348,7 @@
               <a:defRPr/>
             </a:pPr>
             <a:r>
-              <a:rPr kumimoji="0" lang="en-US" sz="2400" i="0" u="none" strike="noStrike" kern="0" cap="none" spc="0" normalizeH="0" baseline="0" noProof="0" dirty="0" smtClean="0">
+              <a:rPr kumimoji="0" lang="en-US" sz="2400" i="0" u="none" strike="noStrike" kern="0" cap="none" spc="0" normalizeH="0" baseline="0" noProof="0" dirty="0">
                 <a:ln>
                   <a:noFill/>
                 </a:ln>
@@ -6489,7 +6363,7 @@
               </a:rPr>
               <a:t>Why doesn’t this work?</a:t>
             </a:r>
-            <a:endParaRPr kumimoji="0" lang="en-US" sz="2000" i="0" u="none" strike="noStrike" kern="0" cap="none" spc="0" normalizeH="0" baseline="0" noProof="0" dirty="0" smtClean="0">
+            <a:endParaRPr kumimoji="0" lang="en-US" sz="2000" i="0" u="none" strike="noStrike" kern="0" cap="none" spc="0" normalizeH="0" baseline="0" noProof="0" dirty="0">
               <a:ln>
                 <a:noFill/>
               </a:ln>
@@ -6630,10 +6504,9 @@
           <a:lstStyle/>
           <a:p>
             <a:r>
-              <a:rPr lang="en-US" dirty="0" smtClean="0"/>
+              <a:rPr lang="en-US" dirty="0"/>
               <a:t>Computing the Mean: Version 3</a:t>
             </a:r>
-            <a:endParaRPr lang="en-US" dirty="0"/>
           </a:p>
         </p:txBody>
       </p:sp>
@@ -6709,7 +6582,7 @@
               <a:defRPr/>
             </a:pPr>
             <a:r>
-              <a:rPr kumimoji="0" lang="en-US" sz="2400" i="0" u="none" strike="noStrike" kern="0" cap="none" spc="0" normalizeH="0" baseline="0" noProof="0" dirty="0" smtClean="0">
+              <a:rPr kumimoji="0" lang="en-US" sz="2400" i="0" u="none" strike="noStrike" kern="0" cap="none" spc="0" normalizeH="0" baseline="0" noProof="0" dirty="0">
                 <a:ln>
                   <a:noFill/>
                 </a:ln>
@@ -6725,7 +6598,7 @@
               <a:t>Fixed</a:t>
             </a:r>
             <a:r>
-              <a:rPr kumimoji="0" lang="en-US" sz="2400" i="0" u="none" strike="noStrike" kern="0" cap="none" spc="0" normalizeH="0" baseline="0" noProof="0" dirty="0" smtClean="0">
+              <a:rPr kumimoji="0" lang="en-US" sz="2400" i="0" u="none" strike="noStrike" kern="0" cap="none" spc="0" normalizeH="0" baseline="0" noProof="0" dirty="0">
                 <a:ln>
                   <a:noFill/>
                 </a:ln>
@@ -6738,7 +6611,7 @@
               </a:rPr>
               <a:t>?</a:t>
             </a:r>
-            <a:endParaRPr kumimoji="0" lang="en-US" sz="2000" i="0" u="none" strike="noStrike" kern="0" cap="none" spc="0" normalizeH="0" baseline="0" noProof="0" dirty="0" smtClean="0">
+            <a:endParaRPr kumimoji="0" lang="en-US" sz="2000" i="0" u="none" strike="noStrike" kern="0" cap="none" spc="0" normalizeH="0" baseline="0" noProof="0" dirty="0">
               <a:ln>
                 <a:noFill/>
               </a:ln>
@@ -6877,14 +6750,13 @@
           <a:lstStyle/>
           <a:p>
             <a:r>
-              <a:rPr lang="en-US" smtClean="0"/>
+              <a:rPr lang="en-US"/>
               <a:t>Computing the Mean</a:t>
             </a:r>
             <a:r>
-              <a:rPr lang="en-US" dirty="0" smtClean="0"/>
+              <a:rPr lang="en-US" dirty="0"/>
               <a:t>: Version 4</a:t>
             </a:r>
-            <a:endParaRPr lang="en-US" dirty="0"/>
           </a:p>
         </p:txBody>
       </p:sp>
@@ -6960,7 +6832,7 @@
               <a:defRPr/>
             </a:pPr>
             <a:r>
-              <a:rPr kumimoji="0" lang="en-US" sz="2400" i="0" u="none" strike="noStrike" kern="0" cap="none" spc="0" normalizeH="0" baseline="0" noProof="0" dirty="0" smtClean="0">
+              <a:rPr kumimoji="0" lang="en-US" sz="2400" i="0" u="none" strike="noStrike" kern="0" cap="none" spc="0" normalizeH="0" baseline="0" noProof="0" dirty="0">
                 <a:ln>
                   <a:noFill/>
                 </a:ln>
@@ -6976,7 +6848,7 @@
               <a:t>Are combiners still</a:t>
             </a:r>
             <a:r>
-              <a:rPr kumimoji="0" lang="en-US" sz="2400" i="0" u="none" strike="noStrike" kern="0" cap="none" spc="0" normalizeH="0" noProof="0" dirty="0" smtClean="0">
+              <a:rPr kumimoji="0" lang="en-US" sz="2400" i="0" u="none" strike="noStrike" kern="0" cap="none" spc="0" normalizeH="0" noProof="0" dirty="0">
                 <a:ln>
                   <a:noFill/>
                 </a:ln>
@@ -6991,7 +6863,7 @@
               </a:rPr>
               <a:t> needed?</a:t>
             </a:r>
-            <a:endParaRPr kumimoji="0" lang="en-US" sz="2000" i="0" u="none" strike="noStrike" kern="0" cap="none" spc="0" normalizeH="0" baseline="0" noProof="0" dirty="0" smtClean="0">
+            <a:endParaRPr kumimoji="0" lang="en-US" sz="2000" i="0" u="none" strike="noStrike" kern="0" cap="none" spc="0" normalizeH="0" baseline="0" noProof="0" dirty="0">
               <a:ln>
                 <a:noFill/>
               </a:ln>
@@ -7132,10 +7004,9 @@
           <a:lstStyle/>
           <a:p>
             <a:r>
-              <a:rPr lang="en-US" dirty="0" smtClean="0"/>
+              <a:rPr lang="en-US" dirty="0"/>
               <a:t>Outline</a:t>
             </a:r>
-            <a:endParaRPr lang="en-US" dirty="0"/>
           </a:p>
         </p:txBody>
       </p:sp>
@@ -7155,21 +7026,21 @@
           <a:lstStyle/>
           <a:p>
             <a:r>
-              <a:rPr lang="en-US" dirty="0" smtClean="0"/>
+              <a:rPr lang="en-US" dirty="0"/>
               <a:t>MapReduce algorithm design</a:t>
             </a:r>
           </a:p>
           <a:p>
             <a:pPr lvl="1"/>
             <a:r>
-              <a:rPr lang="en-US" dirty="0" smtClean="0"/>
+              <a:rPr lang="en-US" dirty="0"/>
               <a:t>How do you express everything in terms of m, r, c, p?</a:t>
             </a:r>
           </a:p>
           <a:p>
             <a:pPr lvl="1"/>
             <a:r>
-              <a:rPr lang="en-US" dirty="0" smtClean="0"/>
+              <a:rPr lang="en-US" dirty="0"/>
               <a:t>Toward “design patterns”</a:t>
             </a:r>
           </a:p>
@@ -7183,13 +7054,8 @@
             <a:pPr lvl="1"/>
             <a:r>
               <a:rPr lang="en-US" dirty="0"/>
-              <a:t>How to break all the rules and get away with </a:t>
-            </a:r>
-            <a:r>
-              <a:rPr lang="en-US" dirty="0" smtClean="0"/>
-              <a:t>it</a:t>
-            </a:r>
-            <a:endParaRPr lang="en-US" dirty="0"/>
+              <a:t>How to break all the rules and get away with it</a:t>
+            </a:r>
           </a:p>
         </p:txBody>
       </p:sp>
@@ -7204,13 +7070,6 @@
     <a:masterClrMapping/>
   </p:clrMapOvr>
   <p:transition/>
-  <p:timing>
-    <p:tnLst>
-      <p:par>
-        <p:cTn id="1" dur="indefinite" restart="never" nodeType="tmRoot"/>
-      </p:par>
-    </p:tnLst>
-  </p:timing>
 </p:sld>
 </file>
 
@@ -7247,7 +7106,7 @@
           <a:lstStyle/>
           <a:p>
             <a:r>
-              <a:rPr lang="en-US" dirty="0" smtClean="0"/>
+              <a:rPr lang="en-US" dirty="0"/>
               <a:t>Algorithm Design: Running Example</a:t>
             </a:r>
           </a:p>
@@ -7269,90 +7128,90 @@
           <a:lstStyle/>
           <a:p>
             <a:r>
-              <a:rPr lang="en-US" dirty="0" smtClean="0"/>
+              <a:rPr lang="en-US" dirty="0"/>
               <a:t>Term co-occurrence matrix for a text collection</a:t>
             </a:r>
           </a:p>
           <a:p>
             <a:pPr lvl="1"/>
             <a:r>
-              <a:rPr lang="en-US" dirty="0" smtClean="0"/>
+              <a:rPr lang="en-US" dirty="0"/>
               <a:t>M = N </a:t>
             </a:r>
             <a:r>
-              <a:rPr lang="en-US" dirty="0" err="1" smtClean="0"/>
+              <a:rPr lang="en-US" dirty="0" err="1"/>
               <a:t>x</a:t>
             </a:r>
             <a:r>
-              <a:rPr lang="en-US" dirty="0" smtClean="0"/>
+              <a:rPr lang="en-US" dirty="0"/>
               <a:t> N matrix (N = vocabulary size)</a:t>
             </a:r>
           </a:p>
           <a:p>
             <a:pPr lvl="1"/>
             <a:r>
-              <a:rPr lang="en-US" dirty="0" err="1" smtClean="0"/>
+              <a:rPr lang="en-US" dirty="0" err="1"/>
               <a:t>M</a:t>
             </a:r>
             <a:r>
-              <a:rPr lang="en-US" i="1" baseline="-25000" dirty="0" err="1" smtClean="0"/>
+              <a:rPr lang="en-US" i="1" baseline="-25000" dirty="0" err="1"/>
               <a:t>ij</a:t>
             </a:r>
             <a:r>
-              <a:rPr lang="en-US" dirty="0" smtClean="0"/>
+              <a:rPr lang="en-US" dirty="0"/>
               <a:t>: number of times </a:t>
             </a:r>
             <a:r>
-              <a:rPr lang="en-US" i="1" dirty="0" err="1" smtClean="0"/>
+              <a:rPr lang="en-US" i="1" dirty="0" err="1"/>
               <a:t>i</a:t>
             </a:r>
             <a:r>
-              <a:rPr lang="en-US" dirty="0" smtClean="0"/>
+              <a:rPr lang="en-US" dirty="0"/>
               <a:t> and </a:t>
             </a:r>
             <a:r>
-              <a:rPr lang="en-US" i="1" dirty="0" err="1" smtClean="0"/>
+              <a:rPr lang="en-US" i="1" dirty="0" err="1"/>
               <a:t>j</a:t>
             </a:r>
             <a:r>
-              <a:rPr lang="en-US" dirty="0" smtClean="0"/>
+              <a:rPr lang="en-US" dirty="0"/>
               <a:t> co-occur in some context </a:t>
             </a:r>
             <a:br>
-              <a:rPr lang="en-US" dirty="0" smtClean="0"/>
+              <a:rPr lang="en-US" dirty="0"/>
             </a:br>
             <a:r>
-              <a:rPr lang="en-US" dirty="0" smtClean="0"/>
+              <a:rPr lang="en-US" dirty="0"/>
               <a:t>(for concreteness, let’s say context = sentence)</a:t>
             </a:r>
           </a:p>
           <a:p>
             <a:r>
-              <a:rPr lang="en-US" dirty="0" smtClean="0"/>
+              <a:rPr lang="en-US" dirty="0"/>
               <a:t>Why?</a:t>
             </a:r>
           </a:p>
           <a:p>
             <a:pPr lvl="1"/>
             <a:r>
-              <a:rPr lang="en-US" dirty="0" smtClean="0"/>
+              <a:rPr lang="en-US" dirty="0"/>
               <a:t>Distributional profiles as a way of measuring semantic distance</a:t>
             </a:r>
           </a:p>
           <a:p>
             <a:pPr lvl="1"/>
             <a:r>
-              <a:rPr lang="en-US" dirty="0" smtClean="0"/>
+              <a:rPr lang="en-US" dirty="0"/>
               <a:t>Semantic distance useful for many language processing tasks</a:t>
             </a:r>
           </a:p>
           <a:p>
             <a:pPr lvl="1"/>
-            <a:endParaRPr lang="en-US" dirty="0" smtClean="0"/>
+            <a:endParaRPr lang="en-US" dirty="0"/>
           </a:p>
           <a:p>
             <a:pPr lvl="1"/>
-            <a:endParaRPr lang="en-US" dirty="0" smtClean="0"/>
+            <a:endParaRPr lang="en-US" dirty="0"/>
           </a:p>
         </p:txBody>
       </p:sp>
@@ -7658,11 +7517,11 @@
           <a:lstStyle/>
           <a:p>
             <a:r>
-              <a:rPr lang="en-US" dirty="0" err="1" smtClean="0"/>
+              <a:rPr lang="en-US" dirty="0" err="1"/>
               <a:t>MapReduce</a:t>
             </a:r>
             <a:r>
-              <a:rPr lang="en-US" dirty="0" smtClean="0"/>
+              <a:rPr lang="en-US" dirty="0"/>
               <a:t> for Large Counting Problems</a:t>
             </a:r>
           </a:p>
@@ -7684,70 +7543,70 @@
           <a:lstStyle/>
           <a:p>
             <a:r>
-              <a:rPr lang="en-US" dirty="0" smtClean="0"/>
+              <a:rPr lang="en-US" dirty="0"/>
               <a:t>Term co-occurrence matrix for a text collection</a:t>
             </a:r>
             <a:br>
-              <a:rPr lang="en-US" dirty="0" smtClean="0"/>
+              <a:rPr lang="en-US" dirty="0"/>
             </a:br>
             <a:r>
-              <a:rPr lang="en-US" dirty="0" smtClean="0"/>
+              <a:rPr lang="en-US" dirty="0"/>
               <a:t>= specific instance of a large counting problem</a:t>
             </a:r>
           </a:p>
           <a:p>
             <a:pPr lvl="1"/>
             <a:r>
-              <a:rPr lang="en-US" dirty="0" smtClean="0"/>
+              <a:rPr lang="en-US" dirty="0"/>
               <a:t>A large event space (number of terms)</a:t>
             </a:r>
           </a:p>
           <a:p>
             <a:pPr lvl="1"/>
             <a:r>
-              <a:rPr lang="en-US" dirty="0" smtClean="0"/>
+              <a:rPr lang="en-US" dirty="0"/>
               <a:t>A large number of observations (the collection itself)</a:t>
             </a:r>
           </a:p>
           <a:p>
             <a:pPr lvl="1"/>
             <a:r>
-              <a:rPr lang="en-US" dirty="0" smtClean="0"/>
+              <a:rPr lang="en-US" dirty="0"/>
               <a:t>Goal: keep track of interesting statistics about the events</a:t>
             </a:r>
           </a:p>
           <a:p>
             <a:r>
-              <a:rPr lang="en-US" dirty="0" smtClean="0"/>
+              <a:rPr lang="en-US" dirty="0"/>
               <a:t>Basic approach</a:t>
             </a:r>
           </a:p>
           <a:p>
             <a:pPr lvl="1"/>
             <a:r>
-              <a:rPr lang="en-US" dirty="0" err="1" smtClean="0"/>
+              <a:rPr lang="en-US" dirty="0" err="1"/>
               <a:t>Mappers</a:t>
             </a:r>
             <a:r>
-              <a:rPr lang="en-US" dirty="0" smtClean="0"/>
+              <a:rPr lang="en-US" dirty="0"/>
               <a:t> generate partial counts</a:t>
             </a:r>
           </a:p>
           <a:p>
             <a:pPr lvl="1"/>
             <a:r>
-              <a:rPr lang="en-US" dirty="0" smtClean="0"/>
+              <a:rPr lang="en-US" dirty="0"/>
               <a:t>Reducers aggregate partial counts</a:t>
             </a:r>
           </a:p>
           <a:p>
-            <a:endParaRPr lang="en-US" dirty="0" smtClean="0"/>
-          </a:p>
-          <a:p>
-            <a:endParaRPr lang="en-US" dirty="0" smtClean="0"/>
-          </a:p>
-          <a:p>
-            <a:endParaRPr lang="en-US" dirty="0" smtClean="0"/>
+            <a:endParaRPr lang="en-US" dirty="0"/>
+          </a:p>
+          <a:p>
+            <a:endParaRPr lang="en-US" dirty="0"/>
+          </a:p>
+          <a:p>
+            <a:endParaRPr lang="en-US" dirty="0"/>
           </a:p>
         </p:txBody>
       </p:sp>
@@ -7926,7 +7785,7 @@
           <a:lstStyle/>
           <a:p>
             <a:r>
-              <a:rPr lang="en-US" dirty="0" smtClean="0"/>
+              <a:rPr lang="en-US" dirty="0"/>
               <a:t>First Try: “Pairs”</a:t>
             </a:r>
           </a:p>
@@ -7948,38 +7807,38 @@
           <a:lstStyle/>
           <a:p>
             <a:r>
-              <a:rPr lang="en-US" dirty="0" smtClean="0"/>
+              <a:rPr lang="en-US" dirty="0"/>
               <a:t>Each mapper takes a sentence:</a:t>
             </a:r>
           </a:p>
           <a:p>
             <a:pPr lvl="1"/>
             <a:r>
-              <a:rPr lang="en-US" dirty="0" smtClean="0"/>
+              <a:rPr lang="en-US" dirty="0"/>
               <a:t>Generate all co-occurring term pairs</a:t>
             </a:r>
           </a:p>
           <a:p>
             <a:pPr lvl="1"/>
             <a:r>
-              <a:rPr lang="en-US" dirty="0" smtClean="0"/>
+              <a:rPr lang="en-US" dirty="0"/>
               <a:t>For all pairs, emit (a, b) → count</a:t>
             </a:r>
           </a:p>
           <a:p>
             <a:r>
-              <a:rPr lang="en-US" dirty="0" smtClean="0"/>
+              <a:rPr lang="en-US" dirty="0"/>
               <a:t>Reducers sum up counts associated with these pairs</a:t>
             </a:r>
           </a:p>
           <a:p>
             <a:r>
-              <a:rPr lang="en-US" dirty="0" smtClean="0"/>
+              <a:rPr lang="en-US" dirty="0"/>
               <a:t>Use combiners!</a:t>
             </a:r>
           </a:p>
           <a:p>
-            <a:endParaRPr lang="en-US" dirty="0" smtClean="0"/>
+            <a:endParaRPr lang="en-US" dirty="0"/>
           </a:p>
         </p:txBody>
       </p:sp>
@@ -7994,13 +7853,6 @@
     <a:masterClrMapping/>
   </p:clrMapOvr>
   <p:transition/>
-  <p:timing>
-    <p:tnLst>
-      <p:par>
-        <p:cTn id="1" dur="indefinite" restart="never" nodeType="tmRoot"/>
-      </p:par>
-    </p:tnLst>
-  </p:timing>
 </p:sld>
 </file>
 
@@ -8037,10 +7889,9 @@
           <a:lstStyle/>
           <a:p>
             <a:r>
-              <a:rPr lang="en-US" dirty="0" smtClean="0"/>
+              <a:rPr lang="en-US" dirty="0"/>
               <a:t>Pairs: Pseudo-Code</a:t>
             </a:r>
-            <a:endParaRPr lang="en-US" dirty="0"/>
           </a:p>
         </p:txBody>
       </p:sp>
@@ -8078,13 +7929,6 @@
     <a:masterClrMapping/>
   </p:clrMapOvr>
   <p:transition/>
-  <p:timing>
-    <p:tnLst>
-      <p:par>
-        <p:cTn id="1" dur="indefinite" restart="never" nodeType="tmRoot"/>
-      </p:par>
-    </p:tnLst>
-  </p:timing>
 </p:sld>
 </file>
 
@@ -8121,7 +7965,7 @@
           <a:lstStyle/>
           <a:p>
             <a:r>
-              <a:rPr lang="en-US" dirty="0" smtClean="0"/>
+              <a:rPr lang="en-US" dirty="0"/>
               <a:t>“Pairs” Analysis</a:t>
             </a:r>
           </a:p>
@@ -8143,34 +7987,34 @@
           <a:lstStyle/>
           <a:p>
             <a:r>
-              <a:rPr lang="en-US" dirty="0" smtClean="0"/>
+              <a:rPr lang="en-US" dirty="0"/>
               <a:t>Advantages</a:t>
             </a:r>
           </a:p>
           <a:p>
             <a:pPr lvl="1"/>
             <a:r>
-              <a:rPr lang="en-US" dirty="0" smtClean="0"/>
+              <a:rPr lang="en-US" dirty="0"/>
               <a:t>Easy to implement, easy to understand</a:t>
             </a:r>
           </a:p>
           <a:p>
             <a:r>
-              <a:rPr lang="en-US" dirty="0" smtClean="0"/>
+              <a:rPr lang="en-US" dirty="0"/>
               <a:t>Disadvantages</a:t>
             </a:r>
           </a:p>
           <a:p>
             <a:pPr lvl="1"/>
             <a:r>
-              <a:rPr lang="en-US" dirty="0" smtClean="0"/>
+              <a:rPr lang="en-US" dirty="0"/>
               <a:t>Lots of pairs to sort and shuffle around (upper bound?)</a:t>
             </a:r>
           </a:p>
           <a:p>
             <a:pPr lvl="1"/>
             <a:r>
-              <a:rPr lang="en-US" dirty="0" smtClean="0"/>
+              <a:rPr lang="en-US" dirty="0"/>
               <a:t>Not many opportunities for combiners to work</a:t>
             </a:r>
           </a:p>
@@ -8187,13 +8031,6 @@
     <a:masterClrMapping/>
   </p:clrMapOvr>
   <p:transition/>
-  <p:timing>
-    <p:tnLst>
-      <p:par>
-        <p:cTn id="1" dur="indefinite" restart="never" nodeType="tmRoot"/>
-      </p:par>
-    </p:tnLst>
-  </p:timing>
 </p:sld>
 </file>
 
@@ -8230,7 +8067,7 @@
           <a:lstStyle/>
           <a:p>
             <a:r>
-              <a:rPr lang="en-US" dirty="0" smtClean="0"/>
+              <a:rPr lang="en-US" dirty="0"/>
               <a:t>Another Try: “Stripes”</a:t>
             </a:r>
           </a:p>
@@ -8252,99 +8089,99 @@
           <a:lstStyle/>
           <a:p>
             <a:r>
-              <a:rPr lang="en-US" dirty="0" smtClean="0"/>
+              <a:rPr lang="en-US" dirty="0"/>
               <a:t>Idea: group together pairs into an associative array</a:t>
             </a:r>
           </a:p>
           <a:p>
             <a:pPr lvl="1"/>
-            <a:endParaRPr lang="en-US" dirty="0" smtClean="0"/>
+            <a:endParaRPr lang="en-US" dirty="0"/>
           </a:p>
           <a:p>
             <a:pPr lvl="1"/>
-            <a:endParaRPr lang="en-US" dirty="0" smtClean="0"/>
+            <a:endParaRPr lang="en-US" dirty="0"/>
           </a:p>
           <a:p>
             <a:pPr marL="457129" lvl="1" indent="0">
               <a:buNone/>
             </a:pPr>
-            <a:endParaRPr lang="en-US" dirty="0" smtClean="0"/>
-          </a:p>
-          <a:p>
-            <a:r>
-              <a:rPr lang="en-US" dirty="0" smtClean="0"/>
+            <a:endParaRPr lang="en-US" dirty="0"/>
+          </a:p>
+          <a:p>
+            <a:r>
+              <a:rPr lang="en-US" dirty="0"/>
               <a:t>Each </a:t>
             </a:r>
             <a:r>
-              <a:rPr lang="en-US" dirty="0" err="1" smtClean="0"/>
+              <a:rPr lang="en-US" dirty="0" err="1"/>
               <a:t>mapper</a:t>
             </a:r>
             <a:r>
-              <a:rPr lang="en-US" dirty="0" smtClean="0"/>
+              <a:rPr lang="en-US" dirty="0"/>
               <a:t> takes a sentence:</a:t>
             </a:r>
           </a:p>
           <a:p>
             <a:pPr lvl="1"/>
             <a:r>
-              <a:rPr lang="en-US" dirty="0" smtClean="0"/>
+              <a:rPr lang="en-US" dirty="0"/>
               <a:t>Generate all co-occurring term pairs</a:t>
             </a:r>
           </a:p>
           <a:p>
             <a:pPr lvl="1"/>
             <a:r>
-              <a:rPr lang="en-US" dirty="0" smtClean="0"/>
+              <a:rPr lang="en-US" dirty="0"/>
               <a:t>For each term, emit a → { b: </a:t>
             </a:r>
             <a:r>
-              <a:rPr lang="en-US" dirty="0" err="1" smtClean="0"/>
+              <a:rPr lang="en-US" dirty="0" err="1"/>
               <a:t>count</a:t>
             </a:r>
             <a:r>
-              <a:rPr lang="en-US" baseline="-25000" dirty="0" err="1" smtClean="0"/>
+              <a:rPr lang="en-US" baseline="-25000" dirty="0" err="1"/>
               <a:t>b</a:t>
             </a:r>
             <a:r>
-              <a:rPr lang="en-US" dirty="0" smtClean="0"/>
+              <a:rPr lang="en-US" dirty="0"/>
               <a:t>, c: </a:t>
             </a:r>
             <a:r>
-              <a:rPr lang="en-US" dirty="0" err="1" smtClean="0"/>
+              <a:rPr lang="en-US" dirty="0" err="1"/>
               <a:t>count</a:t>
             </a:r>
             <a:r>
-              <a:rPr lang="en-US" baseline="-25000" dirty="0" err="1" smtClean="0"/>
+              <a:rPr lang="en-US" baseline="-25000" dirty="0" err="1"/>
               <a:t>c</a:t>
             </a:r>
             <a:r>
-              <a:rPr lang="en-US" dirty="0" smtClean="0"/>
+              <a:rPr lang="en-US" dirty="0"/>
               <a:t>, d: </a:t>
             </a:r>
             <a:r>
-              <a:rPr lang="en-US" dirty="0" err="1" smtClean="0"/>
+              <a:rPr lang="en-US" dirty="0" err="1"/>
               <a:t>count</a:t>
             </a:r>
             <a:r>
-              <a:rPr lang="en-US" baseline="-25000" dirty="0" err="1" smtClean="0"/>
+              <a:rPr lang="en-US" baseline="-25000" dirty="0" err="1"/>
               <a:t>d</a:t>
             </a:r>
             <a:r>
-              <a:rPr lang="en-US" dirty="0" smtClean="0"/>
+              <a:rPr lang="en-US" dirty="0"/>
               <a:t> … }</a:t>
             </a:r>
           </a:p>
           <a:p>
             <a:r>
-              <a:rPr lang="en-US" dirty="0" smtClean="0"/>
+              <a:rPr lang="en-US" dirty="0"/>
               <a:t>Reducers perform element-wise sum of associative arrays</a:t>
             </a:r>
           </a:p>
           <a:p>
-            <a:endParaRPr lang="en-US" dirty="0" smtClean="0"/>
-          </a:p>
-          <a:p>
-            <a:endParaRPr lang="en-US" dirty="0" smtClean="0"/>
+            <a:endParaRPr lang="en-US" dirty="0"/>
+          </a:p>
+          <a:p>
+            <a:endParaRPr lang="en-US" dirty="0"/>
           </a:p>
         </p:txBody>
       </p:sp>
@@ -8647,7 +8484,7 @@
               <a:defRPr/>
             </a:pPr>
             <a:r>
-              <a:rPr kumimoji="0" lang="en-US" sz="2000" b="0" i="0" u="none" strike="noStrike" kern="0" cap="none" spc="0" normalizeH="0" baseline="0" noProof="0" dirty="0" smtClean="0">
+              <a:rPr kumimoji="0" lang="en-US" sz="2000" b="0" i="0" u="none" strike="noStrike" kern="0" cap="none" spc="0" normalizeH="0" baseline="0" noProof="0" dirty="0">
                 <a:ln>
                   <a:noFill/>
                 </a:ln>
@@ -8682,7 +8519,7 @@
               <a:defRPr/>
             </a:pPr>
             <a:r>
-              <a:rPr lang="en-US" sz="2000" b="0" kern="0" dirty="0" smtClean="0">
+              <a:rPr lang="en-US" sz="2000" b="0" kern="0" dirty="0">
                 <a:solidFill>
                   <a:srgbClr val="FF0000"/>
                 </a:solidFill>
@@ -8691,7 +8528,7 @@
               </a:rPr>
               <a:t>brings together partial results</a:t>
             </a:r>
-            <a:endParaRPr kumimoji="0" lang="en-US" sz="1800" b="0" i="0" u="none" strike="noStrike" kern="0" cap="none" spc="0" normalizeH="0" baseline="0" noProof="0" dirty="0" smtClean="0">
+            <a:endParaRPr kumimoji="0" lang="en-US" sz="1800" b="0" i="0" u="none" strike="noStrike" kern="0" cap="none" spc="0" normalizeH="0" baseline="0" noProof="0" dirty="0">
               <a:ln>
                 <a:noFill/>
               </a:ln>
@@ -8924,10 +8761,9 @@
           <a:lstStyle/>
           <a:p>
             <a:r>
-              <a:rPr lang="en-US" dirty="0" smtClean="0"/>
+              <a:rPr lang="en-US" dirty="0"/>
               <a:t>Stripes: Pseudo-Code</a:t>
             </a:r>
-            <a:endParaRPr lang="en-US" dirty="0"/>
           </a:p>
         </p:txBody>
       </p:sp>
@@ -8965,13 +8801,6 @@
     <a:masterClrMapping/>
   </p:clrMapOvr>
   <p:transition/>
-  <p:timing>
-    <p:tnLst>
-      <p:par>
-        <p:cTn id="1" dur="indefinite" restart="never" nodeType="tmRoot"/>
-      </p:par>
-    </p:tnLst>
-  </p:timing>
 </p:sld>
 </file>
 
@@ -9008,7 +8837,7 @@
           <a:lstStyle/>
           <a:p>
             <a:r>
-              <a:rPr lang="en-US" dirty="0" smtClean="0"/>
+              <a:rPr lang="en-US" dirty="0"/>
               <a:t>“Stripes” Analysis</a:t>
             </a:r>
           </a:p>
@@ -9030,48 +8859,48 @@
           <a:lstStyle/>
           <a:p>
             <a:r>
-              <a:rPr lang="en-US" dirty="0" smtClean="0"/>
+              <a:rPr lang="en-US" dirty="0"/>
               <a:t>Advantages</a:t>
             </a:r>
           </a:p>
           <a:p>
             <a:pPr lvl="1"/>
             <a:r>
-              <a:rPr lang="en-US" dirty="0" smtClean="0"/>
+              <a:rPr lang="en-US" dirty="0"/>
               <a:t>Far less sorting and shuffling of key-value pairs</a:t>
             </a:r>
           </a:p>
           <a:p>
             <a:pPr lvl="1"/>
             <a:r>
-              <a:rPr lang="en-US" dirty="0" smtClean="0"/>
+              <a:rPr lang="en-US" dirty="0"/>
               <a:t>Can make better use of combiners</a:t>
             </a:r>
           </a:p>
           <a:p>
             <a:r>
-              <a:rPr lang="en-US" dirty="0" smtClean="0"/>
+              <a:rPr lang="en-US" dirty="0"/>
               <a:t>Disadvantages</a:t>
             </a:r>
           </a:p>
           <a:p>
             <a:pPr lvl="1"/>
             <a:r>
-              <a:rPr lang="en-US" dirty="0" smtClean="0"/>
+              <a:rPr lang="en-US" dirty="0"/>
               <a:t>More difficult to implement</a:t>
             </a:r>
           </a:p>
           <a:p>
             <a:pPr lvl="1"/>
             <a:r>
-              <a:rPr lang="en-US" dirty="0" smtClean="0"/>
+              <a:rPr lang="en-US" dirty="0"/>
               <a:t>Underlying object more heavyweight</a:t>
             </a:r>
           </a:p>
           <a:p>
             <a:pPr lvl="1"/>
             <a:r>
-              <a:rPr lang="en-US" dirty="0" smtClean="0"/>
+              <a:rPr lang="en-US" dirty="0"/>
               <a:t>Fundamental limitation in terms of size of event space</a:t>
             </a:r>
           </a:p>
@@ -9088,13 +8917,6 @@
     <a:masterClrMapping/>
   </p:clrMapOvr>
   <p:transition/>
-  <p:timing>
-    <p:tnLst>
-      <p:par>
-        <p:cTn id="1" dur="indefinite" restart="never" nodeType="tmRoot"/>
-      </p:par>
-    </p:tnLst>
-  </p:timing>
 </p:sld>
 </file>
 
@@ -9249,13 +9071,6 @@
     <a:masterClrMapping/>
   </p:clrMapOvr>
   <p:transition/>
-  <p:timing>
-    <p:tnLst>
-      <p:par>
-        <p:cTn id="1" dur="indefinite" restart="never" nodeType="tmRoot"/>
-      </p:par>
-    </p:tnLst>
-  </p:timing>
 </p:sld>
 </file>
 
@@ -9311,13 +9126,6 @@
     <a:masterClrMapping/>
   </p:clrMapOvr>
   <p:transition/>
-  <p:timing>
-    <p:tnLst>
-      <p:par>
-        <p:cTn id="1" dur="indefinite" restart="never" nodeType="tmRoot"/>
-      </p:par>
-    </p:tnLst>
-  </p:timing>
 </p:sld>
 </file>
 
@@ -9354,7 +9162,7 @@
           <a:lstStyle/>
           <a:p>
             <a:r>
-              <a:rPr lang="en-US" dirty="0" smtClean="0"/>
+              <a:rPr lang="en-US" dirty="0"/>
               <a:t>MapReduce: Recap</a:t>
             </a:r>
           </a:p>
@@ -9381,7 +9189,7 @@
               </a:lnSpc>
             </a:pPr>
             <a:r>
-              <a:rPr lang="en-US" dirty="0" smtClean="0"/>
+              <a:rPr lang="en-US" dirty="0"/>
               <a:t>Programmers must specify:</a:t>
             </a:r>
           </a:p>
@@ -9394,7 +9202,7 @@
               <a:buNone/>
             </a:pPr>
             <a:r>
-              <a:rPr lang="en-US" b="1" dirty="0" smtClean="0">
+              <a:rPr lang="en-US" b="1" dirty="0">
                 <a:solidFill>
                   <a:srgbClr val="FF0000"/>
                 </a:solidFill>
@@ -9402,11 +9210,11 @@
               <a:t>map</a:t>
             </a:r>
             <a:r>
-              <a:rPr lang="en-US" dirty="0" smtClean="0"/>
+              <a:rPr lang="en-US" dirty="0"/>
               <a:t> (k, v) </a:t>
             </a:r>
             <a:r>
-              <a:rPr lang="en-US" dirty="0" smtClean="0">
+              <a:rPr lang="en-US" dirty="0">
                 <a:cs typeface="Arial" charset="0"/>
               </a:rPr>
               <a:t>→ &lt;k’, v’&gt;*</a:t>
@@ -9421,7 +9229,7 @@
               <a:buNone/>
             </a:pPr>
             <a:r>
-              <a:rPr lang="en-US" b="1" dirty="0" smtClean="0">
+              <a:rPr lang="en-US" b="1" dirty="0">
                 <a:solidFill>
                   <a:srgbClr val="FF0000"/>
                 </a:solidFill>
@@ -9430,7 +9238,7 @@
               <a:t>reduce</a:t>
             </a:r>
             <a:r>
-              <a:rPr lang="en-US" dirty="0" smtClean="0">
+              <a:rPr lang="en-US" dirty="0">
                 <a:cs typeface="Arial" charset="0"/>
               </a:rPr>
               <a:t> (k’, v’) → &lt;k’, v’&gt;*</a:t>
@@ -9443,7 +9251,7 @@
               </a:lnSpc>
             </a:pPr>
             <a:r>
-              <a:rPr lang="en-US" dirty="0" smtClean="0">
+              <a:rPr lang="en-US" dirty="0">
                 <a:cs typeface="Arial" charset="0"/>
               </a:rPr>
               <a:t>All values with the same key are reduced together</a:t>
@@ -9456,7 +9264,7 @@
               </a:lnSpc>
             </a:pPr>
             <a:r>
-              <a:rPr lang="en-US" dirty="0" smtClean="0">
+              <a:rPr lang="en-US" dirty="0">
                 <a:cs typeface="Arial" charset="0"/>
               </a:rPr>
               <a:t>Optionally, also:</a:t>
@@ -9471,7 +9279,7 @@
               <a:buNone/>
             </a:pPr>
             <a:r>
-              <a:rPr lang="en-US" b="1" dirty="0" smtClean="0">
+              <a:rPr lang="en-US" b="1" dirty="0">
                 <a:solidFill>
                   <a:srgbClr val="FF0000"/>
                 </a:solidFill>
@@ -9480,7 +9288,7 @@
               <a:t>partition</a:t>
             </a:r>
             <a:r>
-              <a:rPr lang="en-US" dirty="0" smtClean="0">
+              <a:rPr lang="en-US" dirty="0">
                 <a:cs typeface="Arial" charset="0"/>
               </a:rPr>
               <a:t> (k’, number of partitions) → partition for k’</a:t>
@@ -9493,7 +9301,7 @@
               </a:lnSpc>
             </a:pPr>
             <a:r>
-              <a:rPr lang="en-US" dirty="0" smtClean="0">
+              <a:rPr lang="en-US" dirty="0">
                 <a:cs typeface="Arial" charset="0"/>
               </a:rPr>
               <a:t>Often a simple hash of the key, e.g., hash(k’) mod n</a:t>
@@ -9506,7 +9314,7 @@
               </a:lnSpc>
             </a:pPr>
             <a:r>
-              <a:rPr lang="en-US" dirty="0" smtClean="0">
+              <a:rPr lang="en-US" dirty="0">
                 <a:cs typeface="Arial" charset="0"/>
               </a:rPr>
               <a:t>Divides up key space for parallel reduce operations</a:t>
@@ -9520,7 +9328,7 @@
               <a:buNone/>
             </a:pPr>
             <a:r>
-              <a:rPr lang="en-US" b="1" dirty="0" smtClean="0">
+              <a:rPr lang="en-US" b="1" dirty="0">
                 <a:solidFill>
                   <a:srgbClr val="FF0000"/>
                 </a:solidFill>
@@ -9529,7 +9337,7 @@
               <a:t>combine</a:t>
             </a:r>
             <a:r>
-              <a:rPr lang="en-US" dirty="0" smtClean="0">
+              <a:rPr lang="en-US" dirty="0">
                 <a:cs typeface="Arial" charset="0"/>
               </a:rPr>
               <a:t> (k’, v’) → &lt;k’, v’&gt;*</a:t>
@@ -9542,7 +9350,7 @@
               </a:lnSpc>
             </a:pPr>
             <a:r>
-              <a:rPr lang="en-US" dirty="0" smtClean="0">
+              <a:rPr lang="en-US" dirty="0">
                 <a:cs typeface="Arial" charset="0"/>
               </a:rPr>
               <a:t>Mini-reducers that run in memory after the map phase</a:t>
@@ -9555,7 +9363,7 @@
               </a:lnSpc>
             </a:pPr>
             <a:r>
-              <a:rPr lang="en-US" dirty="0" smtClean="0">
+              <a:rPr lang="en-US" dirty="0">
                 <a:cs typeface="Arial" charset="0"/>
               </a:rPr>
               <a:t>Used as an optimization to reduce network traffic</a:t>
@@ -9568,7 +9376,7 @@
               </a:lnSpc>
             </a:pPr>
             <a:r>
-              <a:rPr lang="en-US" dirty="0" smtClean="0">
+              <a:rPr lang="en-US" dirty="0">
                 <a:cs typeface="Arial" charset="0"/>
               </a:rPr>
               <a:t>The execution framework handles everything else…</a:t>
@@ -9580,7 +9388,7 @@
                 <a:spcPct val="90000"/>
               </a:lnSpc>
             </a:pPr>
-            <a:endParaRPr lang="en-US" dirty="0" smtClean="0">
+            <a:endParaRPr lang="en-US" dirty="0">
               <a:cs typeface="Arial" charset="0"/>
             </a:endParaRPr>
           </a:p>
@@ -9597,13 +9405,6 @@
     <a:masterClrMapping/>
   </p:clrMapOvr>
   <p:transition/>
-  <p:timing>
-    <p:tnLst>
-      <p:par>
-        <p:cTn id="1" dur="indefinite" restart="never" nodeType="tmRoot"/>
-      </p:par>
-    </p:tnLst>
-  </p:timing>
 </p:sld>
 </file>
 
@@ -9640,7 +9441,7 @@
           <a:lstStyle/>
           <a:p>
             <a:r>
-              <a:rPr lang="en-US" dirty="0" smtClean="0"/>
+              <a:rPr lang="en-US" dirty="0"/>
               <a:t>Relative Frequencies</a:t>
             </a:r>
           </a:p>
@@ -9662,46 +9463,46 @@
           <a:lstStyle/>
           <a:p>
             <a:r>
-              <a:rPr lang="en-US" dirty="0" smtClean="0"/>
+              <a:rPr lang="en-US" dirty="0"/>
               <a:t>How do we estimate relative frequencies from counts?</a:t>
             </a:r>
           </a:p>
           <a:p>
-            <a:endParaRPr lang="en-US" dirty="0" smtClean="0"/>
-          </a:p>
-          <a:p>
-            <a:endParaRPr lang="en-US" dirty="0" smtClean="0"/>
-          </a:p>
-          <a:p>
-            <a:endParaRPr lang="en-US" dirty="0" smtClean="0"/>
-          </a:p>
-          <a:p>
-            <a:r>
-              <a:rPr lang="en-US" dirty="0" smtClean="0"/>
+            <a:endParaRPr lang="en-US" dirty="0"/>
+          </a:p>
+          <a:p>
+            <a:endParaRPr lang="en-US" dirty="0"/>
+          </a:p>
+          <a:p>
+            <a:endParaRPr lang="en-US" dirty="0"/>
+          </a:p>
+          <a:p>
+            <a:r>
+              <a:rPr lang="en-US" dirty="0"/>
               <a:t>Why do we want to do this?</a:t>
             </a:r>
           </a:p>
           <a:p>
             <a:r>
-              <a:rPr lang="en-US" dirty="0" smtClean="0"/>
+              <a:rPr lang="en-US" dirty="0"/>
               <a:t>How do we do this with </a:t>
             </a:r>
             <a:r>
-              <a:rPr lang="en-US" dirty="0" err="1" smtClean="0"/>
+              <a:rPr lang="en-US" dirty="0" err="1"/>
               <a:t>MapReduce</a:t>
             </a:r>
             <a:r>
-              <a:rPr lang="en-US" dirty="0" smtClean="0"/>
+              <a:rPr lang="en-US" dirty="0"/>
               <a:t>?</a:t>
             </a:r>
           </a:p>
           <a:p>
             <a:pPr lvl="1"/>
-            <a:endParaRPr lang="en-US" dirty="0" smtClean="0"/>
+            <a:endParaRPr lang="en-US" dirty="0"/>
           </a:p>
           <a:p>
             <a:pPr lvl="1"/>
-            <a:endParaRPr lang="en-US" dirty="0" smtClean="0"/>
+            <a:endParaRPr lang="en-US" dirty="0"/>
           </a:p>
         </p:txBody>
       </p:sp>
@@ -9740,13 +9541,6 @@
     <a:masterClrMapping/>
   </p:clrMapOvr>
   <p:transition/>
-  <p:timing>
-    <p:tnLst>
-      <p:par>
-        <p:cTn id="1" dur="indefinite" restart="never" nodeType="tmRoot"/>
-      </p:par>
-    </p:tnLst>
-  </p:timing>
 </p:sld>
 </file>
 
@@ -9783,7 +9577,7 @@
           <a:lstStyle/>
           <a:p>
             <a:r>
-              <a:rPr lang="en-US" dirty="0" smtClean="0"/>
+              <a:rPr lang="en-US" dirty="0"/>
               <a:t>f(B|A): “Stripes” </a:t>
             </a:r>
           </a:p>
@@ -9804,28 +9598,28 @@
           <a:bodyPr/>
           <a:lstStyle/>
           <a:p>
-            <a:endParaRPr lang="en-US" dirty="0" smtClean="0"/>
-          </a:p>
-          <a:p>
-            <a:endParaRPr lang="en-US" dirty="0" smtClean="0"/>
-          </a:p>
-          <a:p>
-            <a:r>
-              <a:rPr lang="en-US" dirty="0" smtClean="0"/>
+            <a:endParaRPr lang="en-US" dirty="0"/>
+          </a:p>
+          <a:p>
+            <a:endParaRPr lang="en-US" dirty="0"/>
+          </a:p>
+          <a:p>
+            <a:r>
+              <a:rPr lang="en-US" dirty="0"/>
               <a:t>Easy!</a:t>
             </a:r>
           </a:p>
           <a:p>
             <a:pPr lvl="1"/>
             <a:r>
-              <a:rPr lang="en-US" dirty="0" smtClean="0"/>
+              <a:rPr lang="en-US" dirty="0"/>
               <a:t>One pass to compute (a, *)</a:t>
             </a:r>
           </a:p>
           <a:p>
             <a:pPr lvl="1"/>
             <a:r>
-              <a:rPr lang="en-US" dirty="0" smtClean="0"/>
+              <a:rPr lang="en-US" dirty="0"/>
               <a:t>Another pass to directly compute f(B|A)</a:t>
             </a:r>
           </a:p>
@@ -9947,13 +9741,6 @@
     <a:masterClrMapping/>
   </p:clrMapOvr>
   <p:transition/>
-  <p:timing>
-    <p:tnLst>
-      <p:par>
-        <p:cTn id="1" dur="indefinite" restart="never" nodeType="tmRoot"/>
-      </p:par>
-    </p:tnLst>
-  </p:timing>
 </p:sld>
 </file>
 
@@ -10012,57 +9799,41 @@
           <a:lstStyle/>
           <a:p>
             <a:r>
-              <a:rPr lang="en-US" dirty="0" smtClean="0"/>
+              <a:rPr lang="en-US" dirty="0"/>
               <a:t>What’s the issue?</a:t>
             </a:r>
           </a:p>
           <a:p>
             <a:pPr lvl="1"/>
             <a:r>
-              <a:rPr lang="en-US" dirty="0" smtClean="0"/>
-              <a:t>Computing </a:t>
-            </a:r>
-            <a:r>
               <a:rPr lang="en-US" dirty="0"/>
-              <a:t>relative frequencies requires marginal counts</a:t>
+              <a:t>Computing relative frequencies requires marginal counts</a:t>
             </a:r>
           </a:p>
           <a:p>
             <a:pPr lvl="1"/>
             <a:r>
               <a:rPr lang="en-US" dirty="0"/>
-              <a:t>But </a:t>
-            </a:r>
-            <a:r>
-              <a:rPr lang="en-US" dirty="0" smtClean="0"/>
-              <a:t>the marginal </a:t>
-            </a:r>
+              <a:t>But the marginal cannot be computed until you see all counts</a:t>
+            </a:r>
+          </a:p>
+          <a:p>
+            <a:pPr lvl="1"/>
             <a:r>
               <a:rPr lang="en-US" dirty="0"/>
-              <a:t>cannot be computed until you see all counts</a:t>
+              <a:t>Buffering is a bad idea!</a:t>
+            </a:r>
+          </a:p>
+          <a:p>
+            <a:r>
+              <a:rPr lang="en-US" dirty="0"/>
+              <a:t>Solution:</a:t>
             </a:r>
           </a:p>
           <a:p>
             <a:pPr lvl="1"/>
             <a:r>
               <a:rPr lang="en-US" dirty="0"/>
-              <a:t>Buffering is a bad idea</a:t>
-            </a:r>
-            <a:r>
-              <a:rPr lang="en-US" dirty="0" smtClean="0"/>
-              <a:t>!</a:t>
-            </a:r>
-          </a:p>
-          <a:p>
-            <a:r>
-              <a:rPr lang="en-US" dirty="0" smtClean="0"/>
-              <a:t>Solution:</a:t>
-            </a:r>
-          </a:p>
-          <a:p>
-            <a:pPr lvl="1"/>
-            <a:r>
-              <a:rPr lang="en-US" dirty="0" smtClean="0"/>
               <a:t>What if we could get the marginal count to arrive at the reducer first?</a:t>
             </a:r>
           </a:p>
@@ -10085,13 +9856,6 @@
     <a:masterClrMapping/>
   </p:clrMapOvr>
   <p:transition/>
-  <p:timing>
-    <p:tnLst>
-      <p:par>
-        <p:cTn id="1" dur="indefinite" restart="never" nodeType="tmRoot"/>
-      </p:par>
-    </p:tnLst>
-  </p:timing>
 </p:sld>
 </file>
 
@@ -10128,7 +9892,7 @@
           <a:lstStyle/>
           <a:p>
             <a:r>
-              <a:rPr lang="en-US" dirty="0" smtClean="0"/>
+              <a:rPr lang="en-US" dirty="0"/>
               <a:t>f(B|A): “Pairs” </a:t>
             </a:r>
           </a:p>
@@ -10149,81 +9913,81 @@
           <a:bodyPr/>
           <a:lstStyle/>
           <a:p>
-            <a:endParaRPr lang="en-US" dirty="0" smtClean="0"/>
-          </a:p>
-          <a:p>
-            <a:endParaRPr lang="en-US" dirty="0" smtClean="0"/>
-          </a:p>
-          <a:p>
-            <a:endParaRPr lang="en-US" dirty="0" smtClean="0"/>
-          </a:p>
-          <a:p>
-            <a:endParaRPr lang="en-US" dirty="0" smtClean="0"/>
-          </a:p>
-          <a:p>
-            <a:r>
-              <a:rPr lang="en-US" dirty="0" smtClean="0"/>
+            <a:endParaRPr lang="en-US" dirty="0"/>
+          </a:p>
+          <a:p>
+            <a:endParaRPr lang="en-US" dirty="0"/>
+          </a:p>
+          <a:p>
+            <a:endParaRPr lang="en-US" dirty="0"/>
+          </a:p>
+          <a:p>
+            <a:endParaRPr lang="en-US" dirty="0"/>
+          </a:p>
+          <a:p>
+            <a:r>
+              <a:rPr lang="en-US" dirty="0"/>
               <a:t>For this to work:</a:t>
             </a:r>
           </a:p>
           <a:p>
             <a:pPr lvl="1"/>
             <a:r>
-              <a:rPr lang="en-US" dirty="0" smtClean="0"/>
+              <a:rPr lang="en-US" dirty="0"/>
               <a:t>Must emit extra (a, *) for every </a:t>
             </a:r>
             <a:r>
-              <a:rPr lang="en-US" dirty="0" err="1" smtClean="0"/>
+              <a:rPr lang="en-US" dirty="0" err="1"/>
               <a:t>b</a:t>
             </a:r>
             <a:r>
-              <a:rPr lang="en-US" baseline="-25000" dirty="0" err="1" smtClean="0"/>
+              <a:rPr lang="en-US" baseline="-25000" dirty="0" err="1"/>
               <a:t>n</a:t>
             </a:r>
             <a:r>
-              <a:rPr lang="en-US" dirty="0" smtClean="0"/>
+              <a:rPr lang="en-US" dirty="0"/>
               <a:t> in </a:t>
             </a:r>
             <a:r>
-              <a:rPr lang="en-US" dirty="0" err="1" smtClean="0"/>
+              <a:rPr lang="en-US" dirty="0" err="1"/>
               <a:t>mapper</a:t>
             </a:r>
-            <a:endParaRPr lang="en-US" dirty="0" smtClean="0"/>
+            <a:endParaRPr lang="en-US" dirty="0"/>
           </a:p>
           <a:p>
             <a:pPr lvl="1"/>
             <a:r>
-              <a:rPr lang="en-US" dirty="0" smtClean="0"/>
+              <a:rPr lang="en-US" dirty="0"/>
               <a:t>Must make sure all </a:t>
             </a:r>
             <a:r>
-              <a:rPr lang="en-US" dirty="0" err="1" smtClean="0"/>
+              <a:rPr lang="en-US" dirty="0" err="1"/>
               <a:t>a’s</a:t>
             </a:r>
             <a:r>
-              <a:rPr lang="en-US" dirty="0" smtClean="0"/>
+              <a:rPr lang="en-US" dirty="0"/>
               <a:t> get sent to same reducer (use </a:t>
             </a:r>
             <a:r>
-              <a:rPr lang="en-US" dirty="0" err="1" smtClean="0"/>
+              <a:rPr lang="en-US" dirty="0" err="1"/>
               <a:t>partitioner</a:t>
             </a:r>
             <a:r>
-              <a:rPr lang="en-US" dirty="0" smtClean="0"/>
+              <a:rPr lang="en-US" dirty="0"/>
               <a:t>)</a:t>
             </a:r>
           </a:p>
           <a:p>
             <a:pPr lvl="1"/>
             <a:r>
-              <a:rPr lang="en-US" dirty="0" smtClean="0"/>
+              <a:rPr lang="en-US" dirty="0"/>
               <a:t>Must make sure (a, *) comes first (define sort order)</a:t>
             </a:r>
           </a:p>
           <a:p>
             <a:pPr lvl="1"/>
             <a:r>
-              <a:rPr lang="en-US" dirty="0" smtClean="0"/>
+              <a:rPr lang="en-US" dirty="0"/>
               <a:t>Must hold state in reducer across different key-value pairs</a:t>
             </a:r>
           </a:p>
@@ -10662,13 +10426,6 @@
     <a:masterClrMapping/>
   </p:clrMapOvr>
   <p:transition/>
-  <p:timing>
-    <p:tnLst>
-      <p:par>
-        <p:cTn id="1" dur="indefinite" restart="never" nodeType="tmRoot"/>
-      </p:par>
-    </p:tnLst>
-  </p:timing>
 </p:sld>
 </file>
 
@@ -10705,10 +10462,9 @@
           <a:lstStyle/>
           <a:p>
             <a:r>
-              <a:rPr lang="en-US" dirty="0" smtClean="0"/>
+              <a:rPr lang="en-US" dirty="0"/>
               <a:t>“Order Inversion”</a:t>
             </a:r>
-            <a:endParaRPr lang="en-US" dirty="0"/>
           </a:p>
         </p:txBody>
       </p:sp>
@@ -10728,34 +10484,34 @@
           <a:lstStyle/>
           <a:p>
             <a:r>
-              <a:rPr lang="en-US" dirty="0" smtClean="0"/>
+              <a:rPr lang="en-US" dirty="0"/>
               <a:t>Common design pattern:</a:t>
             </a:r>
           </a:p>
           <a:p>
             <a:pPr lvl="1"/>
             <a:r>
-              <a:rPr lang="en-US" dirty="0" smtClean="0"/>
+              <a:rPr lang="en-US" dirty="0"/>
               <a:t>Take advantage of sorted key order at reducer to sequence computations</a:t>
             </a:r>
           </a:p>
           <a:p>
             <a:pPr lvl="1"/>
             <a:r>
-              <a:rPr lang="en-US" dirty="0" smtClean="0"/>
+              <a:rPr lang="en-US" dirty="0"/>
               <a:t>Get the marginal counts to arrive at the reducer before the joint counts</a:t>
             </a:r>
           </a:p>
           <a:p>
             <a:r>
-              <a:rPr lang="en-US" dirty="0" smtClean="0"/>
+              <a:rPr lang="en-US" dirty="0"/>
               <a:t>Optimization:</a:t>
             </a:r>
           </a:p>
           <a:p>
             <a:pPr lvl="1"/>
             <a:r>
-              <a:rPr lang="en-US" dirty="0" smtClean="0"/>
+              <a:rPr lang="en-US" dirty="0"/>
               <a:t>Apply in-memory combining pattern to accumulate marginal counts</a:t>
             </a:r>
           </a:p>
@@ -10772,13 +10528,6 @@
     <a:masterClrMapping/>
   </p:clrMapOvr>
   <p:transition/>
-  <p:timing>
-    <p:tnLst>
-      <p:par>
-        <p:cTn id="1" dur="indefinite" restart="never" nodeType="tmRoot"/>
-      </p:par>
-    </p:tnLst>
-  </p:timing>
 </p:sld>
 </file>
 
@@ -10815,7 +10564,7 @@
           <a:lstStyle/>
           <a:p>
             <a:r>
-              <a:rPr lang="en-US" dirty="0" smtClean="0"/>
+              <a:rPr lang="en-US" dirty="0"/>
               <a:t>Synchronization: Pairs vs. Stripes</a:t>
             </a:r>
           </a:p>
@@ -10839,60 +10588,60 @@
           <a:lstStyle/>
           <a:p>
             <a:r>
-              <a:rPr lang="en-US" dirty="0" smtClean="0"/>
+              <a:rPr lang="en-US" dirty="0"/>
               <a:t>Approach 1: turn synchronization into an ordering problem</a:t>
             </a:r>
           </a:p>
           <a:p>
             <a:pPr lvl="1"/>
             <a:r>
-              <a:rPr lang="en-US" dirty="0" smtClean="0"/>
+              <a:rPr lang="en-US" dirty="0"/>
               <a:t>Sort keys into correct order of computation</a:t>
             </a:r>
           </a:p>
           <a:p>
             <a:pPr lvl="1"/>
             <a:r>
-              <a:rPr lang="en-US" dirty="0" smtClean="0"/>
+              <a:rPr lang="en-US" dirty="0"/>
               <a:t>Partition key space so that each reducer gets the appropriate set of partial results</a:t>
             </a:r>
           </a:p>
           <a:p>
             <a:pPr lvl="1"/>
             <a:r>
-              <a:rPr lang="en-US" dirty="0" smtClean="0"/>
+              <a:rPr lang="en-US" dirty="0"/>
               <a:t>Hold state in reducer across multiple key-value pairs to perform computation</a:t>
             </a:r>
           </a:p>
           <a:p>
             <a:pPr lvl="1"/>
             <a:r>
-              <a:rPr lang="en-US" dirty="0" smtClean="0"/>
+              <a:rPr lang="en-US" dirty="0"/>
               <a:t>Illustrated by the “pairs” approach</a:t>
             </a:r>
           </a:p>
           <a:p>
             <a:r>
-              <a:rPr lang="en-US" dirty="0" smtClean="0"/>
+              <a:rPr lang="en-US" dirty="0"/>
               <a:t>Approach 2: construct data structures that bring partial results together</a:t>
             </a:r>
           </a:p>
           <a:p>
             <a:pPr lvl="1"/>
             <a:r>
-              <a:rPr lang="en-US" dirty="0" smtClean="0"/>
+              <a:rPr lang="en-US" dirty="0"/>
               <a:t>Each reducer receives all the data it needs to complete the computation</a:t>
             </a:r>
           </a:p>
           <a:p>
             <a:pPr lvl="1"/>
             <a:r>
-              <a:rPr lang="en-US" dirty="0" smtClean="0"/>
+              <a:rPr lang="en-US" dirty="0"/>
               <a:t>Illustrated by the “stripes” approach</a:t>
             </a:r>
           </a:p>
           <a:p>
-            <a:endParaRPr lang="en-US" dirty="0" smtClean="0"/>
+            <a:endParaRPr lang="en-US" dirty="0"/>
           </a:p>
         </p:txBody>
       </p:sp>
@@ -10907,13 +10656,6 @@
     <a:masterClrMapping/>
   </p:clrMapOvr>
   <p:transition/>
-  <p:timing>
-    <p:tnLst>
-      <p:par>
-        <p:cTn id="1" dur="indefinite" restart="never" nodeType="tmRoot"/>
-      </p:par>
-    </p:tnLst>
-  </p:timing>
 </p:sld>
 </file>
 
@@ -10950,10 +10692,9 @@
           <a:lstStyle/>
           <a:p>
             <a:r>
-              <a:rPr lang="en-US" dirty="0" smtClean="0"/>
+              <a:rPr lang="en-US" dirty="0"/>
               <a:t>Secondary Sorting</a:t>
             </a:r>
-            <a:endParaRPr lang="en-US" dirty="0"/>
           </a:p>
         </p:txBody>
       </p:sp>
@@ -10973,93 +10714,93 @@
           <a:lstStyle/>
           <a:p>
             <a:r>
-              <a:rPr lang="en-US" dirty="0" smtClean="0"/>
+              <a:rPr lang="en-US" dirty="0"/>
               <a:t>MapReduce sorts input to reducers by key</a:t>
             </a:r>
           </a:p>
           <a:p>
             <a:pPr lvl="1"/>
             <a:r>
-              <a:rPr lang="en-US" dirty="0" smtClean="0"/>
+              <a:rPr lang="en-US" dirty="0"/>
               <a:t>Values may be arbitrarily ordered</a:t>
             </a:r>
           </a:p>
           <a:p>
             <a:r>
-              <a:rPr lang="en-US" dirty="0" smtClean="0"/>
+              <a:rPr lang="en-US" dirty="0"/>
               <a:t>What if want to sort value also?</a:t>
             </a:r>
           </a:p>
           <a:p>
             <a:pPr lvl="1"/>
             <a:r>
-              <a:rPr lang="en-US" dirty="0" smtClean="0"/>
+              <a:rPr lang="en-US" dirty="0"/>
               <a:t>E.g., k </a:t>
             </a:r>
             <a:r>
-              <a:rPr lang="en-US" dirty="0" smtClean="0">
+              <a:rPr lang="en-US" dirty="0">
                 <a:latin typeface="Arial"/>
                 <a:cs typeface="Arial"/>
               </a:rPr>
               <a:t>→ (v</a:t>
             </a:r>
             <a:r>
-              <a:rPr lang="en-US" baseline="-25000" dirty="0" smtClean="0">
+              <a:rPr lang="en-US" baseline="-25000" dirty="0">
                 <a:latin typeface="Arial"/>
                 <a:cs typeface="Arial"/>
               </a:rPr>
               <a:t>1</a:t>
             </a:r>
             <a:r>
-              <a:rPr lang="en-US" dirty="0" smtClean="0">
+              <a:rPr lang="en-US" dirty="0">
                 <a:latin typeface="Arial"/>
                 <a:cs typeface="Arial"/>
               </a:rPr>
               <a:t>, r), </a:t>
             </a:r>
             <a:r>
-              <a:rPr lang="en-US" dirty="0" smtClean="0">
+              <a:rPr lang="en-US" dirty="0">
                 <a:cs typeface="Arial"/>
               </a:rPr>
               <a:t>(v</a:t>
             </a:r>
             <a:r>
-              <a:rPr lang="en-US" baseline="-25000" dirty="0" smtClean="0">
+              <a:rPr lang="en-US" baseline="-25000" dirty="0">
                 <a:cs typeface="Arial"/>
               </a:rPr>
               <a:t>3</a:t>
             </a:r>
             <a:r>
-              <a:rPr lang="en-US" dirty="0" smtClean="0">
+              <a:rPr lang="en-US" dirty="0">
                 <a:cs typeface="Arial"/>
               </a:rPr>
               <a:t>, r), (v</a:t>
             </a:r>
             <a:r>
-              <a:rPr lang="en-US" baseline="-25000" dirty="0" smtClean="0">
+              <a:rPr lang="en-US" baseline="-25000" dirty="0">
                 <a:cs typeface="Arial"/>
               </a:rPr>
               <a:t>4</a:t>
             </a:r>
             <a:r>
-              <a:rPr lang="en-US" dirty="0" smtClean="0">
+              <a:rPr lang="en-US" dirty="0">
                 <a:cs typeface="Arial"/>
               </a:rPr>
               <a:t>, r), (v</a:t>
             </a:r>
             <a:r>
-              <a:rPr lang="en-US" baseline="-25000" dirty="0" smtClean="0">
+              <a:rPr lang="en-US" baseline="-25000" dirty="0">
                 <a:cs typeface="Arial"/>
               </a:rPr>
               <a:t>8</a:t>
             </a:r>
             <a:r>
-              <a:rPr lang="en-US" dirty="0" smtClean="0">
+              <a:rPr lang="en-US" dirty="0">
                 <a:cs typeface="Arial"/>
               </a:rPr>
               <a:t>, r)…</a:t>
             </a:r>
-            <a:endParaRPr lang="en-US" dirty="0" smtClean="0"/>
+            <a:endParaRPr lang="en-US" dirty="0"/>
           </a:p>
           <a:p>
             <a:pPr lvl="1"/>
@@ -11078,13 +10819,6 @@
     <a:masterClrMapping/>
   </p:clrMapOvr>
   <p:transition/>
-  <p:timing>
-    <p:tnLst>
-      <p:par>
-        <p:cTn id="1" dur="indefinite" restart="never" nodeType="tmRoot"/>
-      </p:par>
-    </p:tnLst>
-  </p:timing>
 </p:sld>
 </file>
 
@@ -11121,10 +10855,9 @@
           <a:lstStyle/>
           <a:p>
             <a:r>
-              <a:rPr lang="en-US" dirty="0" smtClean="0"/>
+              <a:rPr lang="en-US" dirty="0"/>
               <a:t>Secondary Sorting: Solutions</a:t>
             </a:r>
-            <a:endParaRPr lang="en-US" dirty="0"/>
           </a:p>
         </p:txBody>
       </p:sp>
@@ -11144,50 +10877,50 @@
           <a:lstStyle/>
           <a:p>
             <a:r>
-              <a:rPr lang="en-US" dirty="0" smtClean="0"/>
+              <a:rPr lang="en-US" dirty="0"/>
               <a:t>Solution 1:</a:t>
             </a:r>
           </a:p>
           <a:p>
             <a:pPr lvl="1"/>
             <a:r>
-              <a:rPr lang="en-US" dirty="0" smtClean="0"/>
+              <a:rPr lang="en-US" dirty="0"/>
               <a:t>Buffer values in memory, then sort</a:t>
             </a:r>
           </a:p>
           <a:p>
             <a:pPr lvl="1"/>
             <a:r>
-              <a:rPr lang="en-US" dirty="0" smtClean="0"/>
+              <a:rPr lang="en-US" dirty="0"/>
               <a:t>Why is this a bad idea?</a:t>
             </a:r>
           </a:p>
           <a:p>
             <a:r>
-              <a:rPr lang="en-US" dirty="0" smtClean="0"/>
+              <a:rPr lang="en-US" dirty="0"/>
               <a:t>Solution 2:</a:t>
             </a:r>
           </a:p>
           <a:p>
             <a:pPr lvl="1"/>
             <a:r>
-              <a:rPr lang="en-US" dirty="0" smtClean="0"/>
+              <a:rPr lang="en-US" dirty="0"/>
               <a:t>“Value-to-key conversion” design pattern: form composite intermediate key, </a:t>
             </a:r>
             <a:r>
-              <a:rPr lang="en-US" dirty="0" smtClean="0">
+              <a:rPr lang="en-US" dirty="0">
                 <a:cs typeface="Arial"/>
               </a:rPr>
               <a:t>(k, v</a:t>
             </a:r>
             <a:r>
-              <a:rPr lang="en-US" baseline="-25000" dirty="0" smtClean="0">
+              <a:rPr lang="en-US" baseline="-25000" dirty="0">
                 <a:cs typeface="Arial"/>
               </a:rPr>
               <a:t>1</a:t>
             </a:r>
             <a:r>
-              <a:rPr lang="en-US" dirty="0" smtClean="0">
+              <a:rPr lang="en-US" dirty="0">
                 <a:cs typeface="Arial"/>
               </a:rPr>
               <a:t>)</a:t>
@@ -11196,7 +10929,7 @@
           <a:p>
             <a:pPr lvl="1"/>
             <a:r>
-              <a:rPr lang="en-US" dirty="0" smtClean="0">
+              <a:rPr lang="en-US" dirty="0">
                 <a:cs typeface="Arial"/>
               </a:rPr>
               <a:t>Let execution framework do the sorting</a:t>
@@ -11205,20 +10938,19 @@
           <a:p>
             <a:pPr lvl="1"/>
             <a:r>
-              <a:rPr lang="en-US" dirty="0" smtClean="0">
+              <a:rPr lang="en-US" dirty="0">
                 <a:cs typeface="Arial"/>
               </a:rPr>
               <a:t>Preserve state across multiple key-value pairs to handle processing</a:t>
             </a:r>
-            <a:endParaRPr lang="en-US" dirty="0" smtClean="0"/>
+            <a:endParaRPr lang="en-US" dirty="0"/>
           </a:p>
           <a:p>
             <a:pPr lvl="1"/>
             <a:r>
-              <a:rPr lang="en-US" dirty="0" smtClean="0"/>
+              <a:rPr lang="en-US" dirty="0"/>
               <a:t>Anything else we need to do?</a:t>
             </a:r>
-            <a:endParaRPr lang="en-US" dirty="0"/>
           </a:p>
         </p:txBody>
       </p:sp>
@@ -11233,13 +10965,6 @@
     <a:masterClrMapping/>
   </p:clrMapOvr>
   <p:transition/>
-  <p:timing>
-    <p:tnLst>
-      <p:par>
-        <p:cTn id="1" dur="indefinite" restart="never" nodeType="tmRoot"/>
-      </p:par>
-    </p:tnLst>
-  </p:timing>
 </p:sld>
 </file>
 
@@ -11276,10 +11001,9 @@
           <a:lstStyle/>
           <a:p>
             <a:r>
-              <a:rPr lang="en-US" dirty="0" smtClean="0"/>
+              <a:rPr lang="en-US" dirty="0"/>
               <a:t>Recap: Tools for Synchronization</a:t>
             </a:r>
-            <a:endParaRPr lang="en-US" dirty="0"/>
           </a:p>
         </p:txBody>
       </p:sp>
@@ -11299,61 +11023,61 @@
           <a:lstStyle/>
           <a:p>
             <a:r>
-              <a:rPr lang="en-US" dirty="0" smtClean="0"/>
+              <a:rPr lang="en-US" dirty="0"/>
               <a:t>Cleverly-constructed data structures</a:t>
             </a:r>
           </a:p>
           <a:p>
             <a:pPr lvl="1"/>
             <a:r>
-              <a:rPr lang="en-US" dirty="0" smtClean="0"/>
+              <a:rPr lang="en-US" dirty="0"/>
               <a:t>Bring data together</a:t>
             </a:r>
           </a:p>
           <a:p>
             <a:r>
-              <a:rPr lang="en-US" dirty="0" smtClean="0"/>
+              <a:rPr lang="en-US" dirty="0"/>
               <a:t>Sort order of intermediate keys</a:t>
             </a:r>
           </a:p>
           <a:p>
             <a:pPr lvl="1"/>
             <a:r>
-              <a:rPr lang="en-US" dirty="0" smtClean="0"/>
+              <a:rPr lang="en-US" dirty="0"/>
               <a:t>Control order in which reducers process keys</a:t>
             </a:r>
           </a:p>
           <a:p>
             <a:r>
-              <a:rPr lang="en-US" dirty="0" smtClean="0"/>
+              <a:rPr lang="en-US" dirty="0"/>
               <a:t>Partitioner</a:t>
             </a:r>
           </a:p>
           <a:p>
             <a:pPr lvl="1"/>
             <a:r>
-              <a:rPr lang="en-US" dirty="0" smtClean="0"/>
+              <a:rPr lang="en-US" dirty="0"/>
               <a:t>Control which reducer processes which keys</a:t>
             </a:r>
           </a:p>
           <a:p>
             <a:r>
-              <a:rPr lang="en-US" dirty="0" smtClean="0"/>
+              <a:rPr lang="en-US" dirty="0"/>
               <a:t>Preserving state in </a:t>
             </a:r>
             <a:r>
-              <a:rPr lang="en-US" dirty="0" err="1" smtClean="0"/>
+              <a:rPr lang="en-US" dirty="0" err="1"/>
               <a:t>mappers</a:t>
             </a:r>
             <a:r>
-              <a:rPr lang="en-US" dirty="0" smtClean="0"/>
+              <a:rPr lang="en-US" dirty="0"/>
               <a:t> and reducers</a:t>
             </a:r>
           </a:p>
           <a:p>
             <a:pPr lvl="1"/>
             <a:r>
-              <a:rPr lang="en-US" dirty="0" smtClean="0"/>
+              <a:rPr lang="en-US" dirty="0"/>
               <a:t>Capture dependencies across multiple keys and values</a:t>
             </a:r>
           </a:p>
@@ -11374,13 +11098,6 @@
     <a:masterClrMapping/>
   </p:clrMapOvr>
   <p:transition/>
-  <p:timing>
-    <p:tnLst>
-      <p:par>
-        <p:cTn id="1" dur="indefinite" restart="never" nodeType="tmRoot"/>
-      </p:par>
-    </p:tnLst>
-  </p:timing>
 </p:sld>
 </file>
 
@@ -11417,7 +11134,7 @@
           <a:lstStyle/>
           <a:p>
             <a:r>
-              <a:rPr lang="en-US" smtClean="0"/>
+              <a:rPr lang="en-US"/>
               <a:t>Issues and Tradeoffs</a:t>
             </a:r>
           </a:p>
@@ -11439,74 +11156,74 @@
           <a:lstStyle/>
           <a:p>
             <a:r>
-              <a:rPr lang="en-US" dirty="0" smtClean="0"/>
+              <a:rPr lang="en-US" dirty="0"/>
               <a:t>Number of key-value pairs</a:t>
             </a:r>
           </a:p>
           <a:p>
             <a:pPr lvl="1"/>
             <a:r>
-              <a:rPr lang="en-US" dirty="0" smtClean="0"/>
+              <a:rPr lang="en-US" dirty="0"/>
               <a:t>Object creation overhead</a:t>
             </a:r>
           </a:p>
           <a:p>
             <a:pPr lvl="1"/>
             <a:r>
-              <a:rPr lang="en-US" dirty="0" smtClean="0"/>
+              <a:rPr lang="en-US" dirty="0"/>
               <a:t>Time for sorting and shuffling pairs across the network</a:t>
             </a:r>
           </a:p>
           <a:p>
             <a:r>
-              <a:rPr lang="en-US" dirty="0" smtClean="0"/>
+              <a:rPr lang="en-US" dirty="0"/>
               <a:t>Size of each key-value pair</a:t>
             </a:r>
           </a:p>
           <a:p>
             <a:pPr lvl="1"/>
             <a:r>
-              <a:rPr lang="en-US" dirty="0" smtClean="0"/>
+              <a:rPr lang="en-US" dirty="0"/>
               <a:t>De/serialization overhead</a:t>
             </a:r>
           </a:p>
           <a:p>
             <a:r>
-              <a:rPr lang="en-US" dirty="0" smtClean="0"/>
+              <a:rPr lang="en-US" dirty="0"/>
               <a:t>Local aggregation</a:t>
             </a:r>
           </a:p>
           <a:p>
             <a:pPr lvl="1"/>
             <a:r>
-              <a:rPr lang="en-US" dirty="0" smtClean="0"/>
+              <a:rPr lang="en-US" dirty="0"/>
               <a:t>Opportunities to perform local aggregation varies</a:t>
             </a:r>
           </a:p>
           <a:p>
             <a:pPr lvl="1"/>
             <a:r>
-              <a:rPr lang="en-US" dirty="0" smtClean="0"/>
+              <a:rPr lang="en-US" dirty="0"/>
               <a:t>Combiners make a big difference</a:t>
             </a:r>
           </a:p>
           <a:p>
             <a:pPr lvl="1"/>
             <a:r>
-              <a:rPr lang="en-US" dirty="0" smtClean="0"/>
+              <a:rPr lang="en-US" dirty="0"/>
               <a:t>Combiners vs. in-mapper combining</a:t>
             </a:r>
           </a:p>
           <a:p>
             <a:pPr lvl="1"/>
             <a:r>
-              <a:rPr lang="en-US" dirty="0" smtClean="0"/>
+              <a:rPr lang="en-US" dirty="0"/>
               <a:t>RAM vs. disk vs. network</a:t>
             </a:r>
           </a:p>
           <a:p>
             <a:pPr lvl="1"/>
-            <a:endParaRPr lang="en-US" dirty="0" smtClean="0"/>
+            <a:endParaRPr lang="en-US" dirty="0"/>
           </a:p>
         </p:txBody>
       </p:sp>
@@ -11521,13 +11238,6 @@
     <a:masterClrMapping/>
   </p:clrMapOvr>
   <p:transition/>
-  <p:timing>
-    <p:tnLst>
-      <p:par>
-        <p:cTn id="1" dur="indefinite" restart="never" nodeType="tmRoot"/>
-      </p:par>
-    </p:tnLst>
-  </p:timing>
 </p:sld>
 </file>
 
@@ -11735,18 +11445,13 @@
           <a:p>
             <a:pPr algn="ctr"/>
             <a:r>
-              <a:rPr lang="en-US" sz="1200" b="0" dirty="0" smtClean="0">
+              <a:rPr lang="en-US" sz="1200" b="0" dirty="0">
                 <a:solidFill>
                   <a:schemeClr val="bg2"/>
                 </a:solidFill>
               </a:rPr>
               <a:t>combine</a:t>
             </a:r>
-            <a:endParaRPr lang="en-US" sz="1200" b="0" dirty="0">
-              <a:solidFill>
-                <a:schemeClr val="bg2"/>
-              </a:solidFill>
-            </a:endParaRPr>
           </a:p>
         </p:txBody>
       </p:sp>
@@ -11793,18 +11498,13 @@
           <a:p>
             <a:pPr algn="ctr"/>
             <a:r>
-              <a:rPr lang="en-US" sz="1200" b="0" dirty="0" smtClean="0">
+              <a:rPr lang="en-US" sz="1200" b="0" dirty="0">
                 <a:solidFill>
                   <a:schemeClr val="bg2"/>
                 </a:solidFill>
               </a:rPr>
               <a:t>combine</a:t>
             </a:r>
-            <a:endParaRPr lang="en-US" sz="1200" b="0" dirty="0">
-              <a:solidFill>
-                <a:schemeClr val="bg2"/>
-              </a:solidFill>
-            </a:endParaRPr>
           </a:p>
         </p:txBody>
       </p:sp>
@@ -11851,18 +11551,13 @@
           <a:p>
             <a:pPr algn="ctr"/>
             <a:r>
-              <a:rPr lang="en-US" sz="1200" b="0" dirty="0" smtClean="0">
+              <a:rPr lang="en-US" sz="1200" b="0" dirty="0">
                 <a:solidFill>
                   <a:schemeClr val="bg2"/>
                 </a:solidFill>
               </a:rPr>
               <a:t>combine</a:t>
             </a:r>
-            <a:endParaRPr lang="en-US" sz="1200" b="0" dirty="0">
-              <a:solidFill>
-                <a:schemeClr val="bg2"/>
-              </a:solidFill>
-            </a:endParaRPr>
           </a:p>
         </p:txBody>
       </p:sp>
@@ -11909,18 +11604,13 @@
           <a:p>
             <a:pPr algn="ctr"/>
             <a:r>
-              <a:rPr lang="en-US" sz="1200" b="0" dirty="0" smtClean="0">
+              <a:rPr lang="en-US" sz="1200" b="0" dirty="0">
                 <a:solidFill>
                   <a:schemeClr val="bg2"/>
                 </a:solidFill>
               </a:rPr>
               <a:t>combine</a:t>
             </a:r>
-            <a:endParaRPr lang="en-US" sz="1200" b="0" dirty="0">
-              <a:solidFill>
-                <a:schemeClr val="bg2"/>
-              </a:solidFill>
-            </a:endParaRPr>
           </a:p>
         </p:txBody>
       </p:sp>
@@ -12415,7 +12105,7 @@
             <a:lstStyle/>
             <a:p>
               <a:r>
-                <a:rPr lang="en-US" sz="1200" b="0" dirty="0" smtClean="0">
+                <a:rPr lang="en-US" sz="1200" b="0" dirty="0">
                   <a:solidFill>
                     <a:schemeClr val="bg1"/>
                   </a:solidFill>
@@ -13081,7 +12771,7 @@
             <a:lstStyle/>
             <a:p>
               <a:r>
-                <a:rPr lang="en-US" sz="1200" b="0" dirty="0" smtClean="0">
+                <a:rPr lang="en-US" sz="1200" b="0" dirty="0">
                   <a:solidFill>
                     <a:schemeClr val="bg1"/>
                   </a:solidFill>
@@ -13140,18 +12830,13 @@
           <a:p>
             <a:pPr algn="ctr"/>
             <a:r>
-              <a:rPr lang="en-US" sz="1200" b="0" dirty="0" smtClean="0">
+              <a:rPr lang="en-US" sz="1200" b="0" dirty="0">
                 <a:solidFill>
                   <a:schemeClr val="bg2"/>
                 </a:solidFill>
               </a:rPr>
               <a:t>partition</a:t>
             </a:r>
-            <a:endParaRPr lang="en-US" sz="1200" b="0" dirty="0">
-              <a:solidFill>
-                <a:schemeClr val="bg2"/>
-              </a:solidFill>
-            </a:endParaRPr>
           </a:p>
         </p:txBody>
       </p:sp>
@@ -13198,18 +12883,13 @@
           <a:p>
             <a:pPr algn="ctr"/>
             <a:r>
-              <a:rPr lang="en-US" sz="1200" b="0" dirty="0" smtClean="0">
+              <a:rPr lang="en-US" sz="1200" b="0" dirty="0">
                 <a:solidFill>
                   <a:schemeClr val="bg2"/>
                 </a:solidFill>
               </a:rPr>
               <a:t>partition</a:t>
             </a:r>
-            <a:endParaRPr lang="en-US" sz="1200" b="0" dirty="0">
-              <a:solidFill>
-                <a:schemeClr val="bg2"/>
-              </a:solidFill>
-            </a:endParaRPr>
           </a:p>
         </p:txBody>
       </p:sp>
@@ -13256,18 +12936,13 @@
           <a:p>
             <a:pPr algn="ctr"/>
             <a:r>
-              <a:rPr lang="en-US" sz="1200" b="0" dirty="0" smtClean="0">
+              <a:rPr lang="en-US" sz="1200" b="0" dirty="0">
                 <a:solidFill>
                   <a:schemeClr val="bg2"/>
                 </a:solidFill>
               </a:rPr>
               <a:t>partition</a:t>
             </a:r>
-            <a:endParaRPr lang="en-US" sz="1200" b="0" dirty="0">
-              <a:solidFill>
-                <a:schemeClr val="bg2"/>
-              </a:solidFill>
-            </a:endParaRPr>
           </a:p>
         </p:txBody>
       </p:sp>
@@ -13314,18 +12989,13 @@
           <a:p>
             <a:pPr algn="ctr"/>
             <a:r>
-              <a:rPr lang="en-US" sz="1200" b="0" dirty="0" smtClean="0">
+              <a:rPr lang="en-US" sz="1200" b="0" dirty="0">
                 <a:solidFill>
                   <a:schemeClr val="bg2"/>
                 </a:solidFill>
               </a:rPr>
               <a:t>partition</a:t>
             </a:r>
-            <a:endParaRPr lang="en-US" sz="1200" b="0" dirty="0">
-              <a:solidFill>
-                <a:schemeClr val="bg2"/>
-              </a:solidFill>
-            </a:endParaRPr>
           </a:p>
         </p:txBody>
       </p:sp>
@@ -16156,7 +15826,7 @@
             <a:lstStyle/>
             <a:p>
               <a:r>
-                <a:rPr lang="en-US" sz="1200" b="0" dirty="0" smtClean="0">
+                <a:rPr lang="en-US" sz="1200" b="0" dirty="0">
                   <a:solidFill>
                     <a:schemeClr val="bg1"/>
                   </a:solidFill>
@@ -17366,7 +17036,7 @@
             <a:lstStyle/>
             <a:p>
               <a:r>
-                <a:rPr lang="en-US" sz="1200" b="0" dirty="0" smtClean="0">
+                <a:rPr lang="en-US" sz="1200" b="0" dirty="0">
                   <a:solidFill>
                     <a:schemeClr val="bg1"/>
                   </a:solidFill>
@@ -17450,7 +17120,7 @@
             <a:lstStyle/>
             <a:p>
               <a:r>
-                <a:rPr lang="en-US" sz="1200" b="0" dirty="0" smtClean="0">
+                <a:rPr lang="en-US" sz="1200" b="0" dirty="0">
                   <a:solidFill>
                     <a:schemeClr val="bg1"/>
                   </a:solidFill>
@@ -18032,13 +17702,6 @@
     <a:masterClrMapping/>
   </p:clrMapOvr>
   <p:transition spd="med"/>
-  <p:timing>
-    <p:tnLst>
-      <p:par>
-        <p:cTn id="1" dur="indefinite" restart="never" nodeType="tmRoot"/>
-      </p:par>
-    </p:tnLst>
-  </p:timing>
 </p:sld>
 </file>
 
@@ -18075,10 +17738,9 @@
           <a:lstStyle/>
           <a:p>
             <a:r>
-              <a:rPr lang="en-US" dirty="0" smtClean="0"/>
+              <a:rPr lang="en-US" dirty="0"/>
               <a:t>Debugging at Scale</a:t>
             </a:r>
-            <a:endParaRPr lang="en-US" dirty="0"/>
           </a:p>
         </p:txBody>
       </p:sp>
@@ -18098,58 +17760,57 @@
           <a:lstStyle/>
           <a:p>
             <a:r>
-              <a:rPr lang="en-US" dirty="0" smtClean="0"/>
+              <a:rPr lang="en-US" dirty="0"/>
               <a:t>Works on small datasets, won’t scale… why?</a:t>
             </a:r>
           </a:p>
           <a:p>
             <a:pPr lvl="1"/>
             <a:r>
-              <a:rPr lang="en-US" dirty="0" smtClean="0"/>
+              <a:rPr lang="en-US" dirty="0"/>
               <a:t>Memory management issues (buffering and object creation)</a:t>
             </a:r>
           </a:p>
           <a:p>
             <a:pPr lvl="1"/>
             <a:r>
-              <a:rPr lang="en-US" dirty="0" smtClean="0"/>
+              <a:rPr lang="en-US" dirty="0"/>
               <a:t>Too much intermediate data</a:t>
             </a:r>
           </a:p>
           <a:p>
             <a:pPr lvl="1"/>
             <a:r>
-              <a:rPr lang="en-US" dirty="0" smtClean="0"/>
+              <a:rPr lang="en-US" dirty="0"/>
               <a:t>Mangled input records</a:t>
             </a:r>
           </a:p>
           <a:p>
             <a:r>
-              <a:rPr lang="en-US" dirty="0" smtClean="0"/>
+              <a:rPr lang="en-US" dirty="0"/>
               <a:t>Real-world data is messy!</a:t>
             </a:r>
           </a:p>
           <a:p>
             <a:pPr lvl="1"/>
             <a:r>
-              <a:rPr lang="en-US" dirty="0" smtClean="0"/>
+              <a:rPr lang="en-US" dirty="0"/>
               <a:t>There’s no such thing as “consistent data”</a:t>
             </a:r>
           </a:p>
           <a:p>
             <a:pPr lvl="1"/>
             <a:r>
-              <a:rPr lang="en-US" dirty="0" smtClean="0"/>
+              <a:rPr lang="en-US" dirty="0"/>
               <a:t>Watch out for corner cases</a:t>
             </a:r>
           </a:p>
           <a:p>
             <a:pPr lvl="1"/>
             <a:r>
-              <a:rPr lang="en-US" dirty="0" smtClean="0"/>
+              <a:rPr lang="en-US" dirty="0"/>
               <a:t>Isolate unexpected behavior, bring local</a:t>
             </a:r>
-            <a:endParaRPr lang="en-US" dirty="0"/>
           </a:p>
         </p:txBody>
       </p:sp>
@@ -18164,13 +17825,6 @@
     <a:masterClrMapping/>
   </p:clrMapOvr>
   <p:transition/>
-  <p:timing>
-    <p:tnLst>
-      <p:par>
-        <p:cTn id="1" dur="indefinite" restart="never" nodeType="tmRoot"/>
-      </p:par>
-    </p:tnLst>
-  </p:timing>
 </p:sld>
 </file>
 
@@ -18207,7 +17861,7 @@
           <a:lstStyle/>
           <a:p>
             <a:r>
-              <a:rPr lang="en-US" altLang="zh-TW" dirty="0" smtClean="0"/>
+              <a:rPr lang="en-US" altLang="zh-TW" dirty="0"/>
               <a:t>Non-Toy Applications of Word Count</a:t>
             </a:r>
             <a:endParaRPr lang="zh-TW" altLang="en-US" dirty="0"/>
@@ -18230,13 +17884,13 @@
           <a:lstStyle/>
           <a:p>
             <a:r>
-              <a:rPr lang="en-US" altLang="zh-TW" dirty="0" smtClean="0"/>
+              <a:rPr lang="en-US" altLang="zh-TW" dirty="0"/>
               <a:t>Language Models</a:t>
             </a:r>
           </a:p>
           <a:p>
             <a:r>
-              <a:rPr lang="en-US" altLang="zh-TW" dirty="0" smtClean="0"/>
+              <a:rPr lang="en-US" altLang="zh-TW" dirty="0"/>
               <a:t>Statistical Machine Translation</a:t>
             </a:r>
           </a:p>
@@ -18292,10 +17946,9 @@
           <a:lstStyle/>
           <a:p>
             <a:r>
-              <a:rPr lang="en-US" dirty="0" smtClean="0"/>
+              <a:rPr lang="en-US" dirty="0"/>
               <a:t>Count.</a:t>
             </a:r>
-            <a:endParaRPr lang="en-US" dirty="0"/>
           </a:p>
         </p:txBody>
       </p:sp>
@@ -18371,7 +18024,7 @@
               <a:defRPr/>
             </a:pPr>
             <a:r>
-              <a:rPr kumimoji="0" lang="en-US" sz="2400" i="0" u="none" strike="noStrike" kern="0" cap="none" spc="0" normalizeH="0" baseline="0" noProof="0" dirty="0" smtClean="0">
+              <a:rPr kumimoji="0" lang="en-US" sz="2400" i="0" u="none" strike="noStrike" kern="0" cap="none" spc="0" normalizeH="0" baseline="0" noProof="0" dirty="0">
                 <a:ln>
                   <a:noFill/>
                 </a:ln>
@@ -18387,7 +18040,7 @@
               <a:t>What’s the non-toy application of word</a:t>
             </a:r>
             <a:r>
-              <a:rPr kumimoji="0" lang="en-US" sz="2400" i="0" u="none" strike="noStrike" kern="0" cap="none" spc="0" normalizeH="0" noProof="0" dirty="0" smtClean="0">
+              <a:rPr kumimoji="0" lang="en-US" sz="2400" i="0" u="none" strike="noStrike" kern="0" cap="none" spc="0" normalizeH="0" noProof="0" dirty="0">
                 <a:ln>
                   <a:noFill/>
                 </a:ln>
@@ -18402,7 +18055,7 @@
               </a:rPr>
               <a:t> count?</a:t>
             </a:r>
-            <a:endParaRPr kumimoji="0" lang="en-US" sz="2000" i="0" u="none" strike="noStrike" kern="0" cap="none" spc="0" normalizeH="0" baseline="0" noProof="0" dirty="0" smtClean="0">
+            <a:endParaRPr kumimoji="0" lang="en-US" sz="2000" i="0" u="none" strike="noStrike" kern="0" cap="none" spc="0" normalizeH="0" baseline="0" noProof="0" dirty="0">
               <a:ln>
                 <a:noFill/>
               </a:ln>
@@ -18543,10 +18196,9 @@
           <a:lstStyle/>
           <a:p>
             <a:r>
-              <a:rPr lang="en-US" dirty="0" smtClean="0"/>
+              <a:rPr lang="en-US" dirty="0"/>
               <a:t>Language Models</a:t>
             </a:r>
-            <a:endParaRPr lang="en-US" dirty="0"/>
           </a:p>
         </p:txBody>
       </p:sp>
@@ -18630,7 +18282,7 @@
             <a:p>
               <a:pPr algn="ctr" eaLnBrk="1" hangingPunct="1"/>
               <a:r>
-                <a:rPr lang="en-US" sz="2400" b="0" dirty="0" smtClean="0">
+                <a:rPr lang="en-US" sz="2400" b="0" dirty="0">
                   <a:solidFill>
                     <a:srgbClr val="000000"/>
                   </a:solidFill>
@@ -18725,7 +18377,7 @@
               <a:defRPr/>
             </a:pPr>
             <a:r>
-              <a:rPr kumimoji="0" lang="en-US" sz="2400" i="0" u="none" strike="noStrike" kern="0" cap="none" spc="0" normalizeH="0" baseline="0" noProof="0" dirty="0" smtClean="0">
+              <a:rPr kumimoji="0" lang="en-US" sz="2400" i="0" u="none" strike="noStrike" kern="0" cap="none" spc="0" normalizeH="0" baseline="0" noProof="0" dirty="0">
                 <a:ln>
                   <a:noFill/>
                 </a:ln>
@@ -18740,7 +18392,7 @@
               </a:rPr>
               <a:t>Is this tractable?</a:t>
             </a:r>
-            <a:endParaRPr kumimoji="0" lang="en-US" sz="2000" i="0" u="none" strike="noStrike" kern="0" cap="none" spc="0" normalizeH="0" baseline="0" noProof="0" dirty="0" smtClean="0">
+            <a:endParaRPr kumimoji="0" lang="en-US" sz="2000" i="0" u="none" strike="noStrike" kern="0" cap="none" spc="0" normalizeH="0" baseline="0" noProof="0" dirty="0">
               <a:ln>
                 <a:noFill/>
               </a:ln>
@@ -18966,7 +18618,7 @@
           <a:p>
             <a:pPr eaLnBrk="1" hangingPunct="1"/>
             <a:r>
-              <a:rPr lang="en-US" sz="2400" dirty="0" smtClean="0">
+              <a:rPr lang="en-US" sz="2400" dirty="0">
                 <a:solidFill>
                   <a:srgbClr val="000000"/>
                 </a:solidFill>
@@ -18978,7 +18630,7 @@
               <a:t>Basic idea: </a:t>
             </a:r>
             <a:r>
-              <a:rPr lang="en-US" sz="2400" b="0" dirty="0" smtClean="0">
+              <a:rPr lang="en-US" sz="2400" b="0" dirty="0">
                 <a:solidFill>
                   <a:srgbClr val="000000"/>
                 </a:solidFill>
@@ -18990,7 +18642,7 @@
               <a:t>limit history to fixed number of words </a:t>
             </a:r>
             <a:r>
-              <a:rPr lang="en-US" sz="2400" b="0" i="1" dirty="0" smtClean="0">
+              <a:rPr lang="en-US" sz="2400" b="0" i="1" dirty="0">
                 <a:solidFill>
                   <a:srgbClr val="000000"/>
                 </a:solidFill>
@@ -19005,7 +18657,7 @@
           <a:p>
             <a:pPr eaLnBrk="1" hangingPunct="1"/>
             <a:r>
-              <a:rPr lang="en-US" sz="2400" b="0" dirty="0" smtClean="0">
+              <a:rPr lang="en-US" sz="2400" b="0" dirty="0">
                 <a:solidFill>
                   <a:srgbClr val="000000"/>
                 </a:solidFill>
@@ -19083,7 +18735,7 @@
           <a:lstStyle/>
           <a:p>
             <a:pPr eaLnBrk="1" hangingPunct="1"/>
-            <a:endParaRPr lang="en-US" sz="3000" b="0" dirty="0" smtClean="0">
+            <a:endParaRPr lang="en-US" sz="3000" b="0" dirty="0">
               <a:solidFill>
                 <a:srgbClr val="000000"/>
               </a:solidFill>
@@ -19189,7 +18841,7 @@
           <a:p>
             <a:pPr eaLnBrk="1" hangingPunct="1"/>
             <a:r>
-              <a:rPr lang="en-US" sz="2400" dirty="0" smtClean="0">
+              <a:rPr lang="en-US" sz="2400" dirty="0">
                 <a:solidFill>
                   <a:srgbClr val="000000"/>
                 </a:solidFill>
@@ -19201,7 +18853,7 @@
               <a:t>N=1: </a:t>
             </a:r>
             <a:r>
-              <a:rPr lang="en-US" sz="2400" b="0" dirty="0" smtClean="0">
+              <a:rPr lang="en-US" sz="2400" b="0" dirty="0">
                 <a:solidFill>
                   <a:srgbClr val="000000"/>
                 </a:solidFill>
@@ -19486,7 +19138,7 @@
           <a:p>
             <a:pPr eaLnBrk="1" hangingPunct="1"/>
             <a:r>
-              <a:rPr lang="en-US" sz="2400" dirty="0" smtClean="0">
+              <a:rPr lang="en-US" sz="2400" dirty="0">
                 <a:solidFill>
                   <a:srgbClr val="000000"/>
                 </a:solidFill>
@@ -19498,7 +19150,7 @@
               <a:t>Basic idea: </a:t>
             </a:r>
             <a:r>
-              <a:rPr lang="en-US" sz="2400" b="0" dirty="0" smtClean="0">
+              <a:rPr lang="en-US" sz="2400" b="0" dirty="0">
                 <a:solidFill>
                   <a:srgbClr val="000000"/>
                 </a:solidFill>
@@ -19510,7 +19162,7 @@
               <a:t>limit history to fixed number of words </a:t>
             </a:r>
             <a:r>
-              <a:rPr lang="en-US" sz="2400" b="0" i="1" dirty="0" smtClean="0">
+              <a:rPr lang="en-US" sz="2400" b="0" i="1" dirty="0">
                 <a:solidFill>
                   <a:srgbClr val="000000"/>
                 </a:solidFill>
@@ -19525,7 +19177,7 @@
           <a:p>
             <a:pPr eaLnBrk="1" hangingPunct="1"/>
             <a:r>
-              <a:rPr lang="en-US" sz="2400" b="0" dirty="0" smtClean="0">
+              <a:rPr lang="en-US" sz="2400" b="0" dirty="0">
                 <a:solidFill>
                   <a:srgbClr val="000000"/>
                 </a:solidFill>
@@ -19603,7 +19255,7 @@
           <a:p>
             <a:pPr eaLnBrk="1" hangingPunct="1"/>
             <a:r>
-              <a:rPr lang="en-US" sz="2400" dirty="0" smtClean="0">
+              <a:rPr lang="en-US" sz="2400" dirty="0">
                 <a:solidFill>
                   <a:srgbClr val="000000"/>
                 </a:solidFill>
@@ -19615,7 +19267,7 @@
               <a:t>N=2:</a:t>
             </a:r>
             <a:r>
-              <a:rPr lang="en-US" sz="2400" b="0" dirty="0" smtClean="0">
+              <a:rPr lang="en-US" sz="2400" b="0" dirty="0">
                 <a:solidFill>
                   <a:srgbClr val="000000"/>
                 </a:solidFill>
@@ -19796,10 +19448,9 @@
           <a:lstStyle/>
           <a:p>
             <a:r>
-              <a:rPr lang="en-US" dirty="0" smtClean="0"/>
+              <a:rPr lang="en-US" dirty="0"/>
               <a:t>Approximating Probabilities</a:t>
             </a:r>
-            <a:endParaRPr lang="en-US" dirty="0"/>
           </a:p>
         </p:txBody>
       </p:sp>
@@ -19899,7 +19550,7 @@
           <a:p>
             <a:pPr eaLnBrk="1" hangingPunct="1"/>
             <a:r>
-              <a:rPr lang="en-US" sz="2400" dirty="0" smtClean="0">
+              <a:rPr lang="en-US" sz="2400" dirty="0">
                 <a:solidFill>
                   <a:srgbClr val="000000"/>
                 </a:solidFill>
@@ -19911,7 +19562,7 @@
               <a:t>Basic idea: </a:t>
             </a:r>
             <a:r>
-              <a:rPr lang="en-US" sz="2400" b="0" dirty="0" smtClean="0">
+              <a:rPr lang="en-US" sz="2400" b="0" dirty="0">
                 <a:solidFill>
                   <a:srgbClr val="000000"/>
                 </a:solidFill>
@@ -19923,7 +19574,7 @@
               <a:t>limit history to fixed number of words </a:t>
             </a:r>
             <a:r>
-              <a:rPr lang="en-US" sz="2400" b="0" i="1" dirty="0" smtClean="0">
+              <a:rPr lang="en-US" sz="2400" b="0" i="1" dirty="0">
                 <a:solidFill>
                   <a:srgbClr val="000000"/>
                 </a:solidFill>
@@ -19938,7 +19589,7 @@
           <a:p>
             <a:pPr eaLnBrk="1" hangingPunct="1"/>
             <a:r>
-              <a:rPr lang="en-US" sz="2400" b="0" dirty="0" smtClean="0">
+              <a:rPr lang="en-US" sz="2400" b="0" dirty="0">
                 <a:solidFill>
                   <a:srgbClr val="000000"/>
                 </a:solidFill>
@@ -20016,7 +19667,7 @@
           <a:p>
             <a:pPr eaLnBrk="1" hangingPunct="1"/>
             <a:r>
-              <a:rPr lang="en-US" sz="2400" dirty="0" smtClean="0">
+              <a:rPr lang="en-US" sz="2400" dirty="0">
                 <a:solidFill>
                   <a:srgbClr val="000000"/>
                 </a:solidFill>
@@ -20028,7 +19679,7 @@
               <a:t>N=3: </a:t>
             </a:r>
             <a:r>
-              <a:rPr lang="en-US" sz="2400" b="0" dirty="0" smtClean="0">
+              <a:rPr lang="en-US" sz="2400" b="0" dirty="0">
                 <a:solidFill>
                   <a:srgbClr val="000000"/>
                 </a:solidFill>
@@ -20209,18 +19860,17 @@
           <a:lstStyle/>
           <a:p>
             <a:r>
-              <a:rPr lang="en-US" dirty="0" smtClean="0"/>
+              <a:rPr lang="en-US" dirty="0"/>
               <a:t>Building </a:t>
             </a:r>
             <a:r>
-              <a:rPr lang="en-US" i="1" dirty="0" smtClean="0"/>
+              <a:rPr lang="en-US" i="1" dirty="0"/>
               <a:t>N</a:t>
             </a:r>
             <a:r>
-              <a:rPr lang="en-US" dirty="0" smtClean="0"/>
+              <a:rPr lang="en-US" dirty="0"/>
               <a:t>-Gram Language Models</a:t>
             </a:r>
-            <a:endParaRPr lang="en-US" dirty="0"/>
           </a:p>
         </p:txBody>
       </p:sp>
@@ -20240,63 +19890,63 @@
           <a:lstStyle/>
           <a:p>
             <a:r>
-              <a:rPr lang="en-US" dirty="0" smtClean="0"/>
+              <a:rPr lang="en-US" dirty="0"/>
               <a:t>Compute maximum likelihood estimates (MLE) for individual </a:t>
             </a:r>
             <a:br>
-              <a:rPr lang="en-US" dirty="0" smtClean="0"/>
+              <a:rPr lang="en-US" dirty="0"/>
             </a:br>
             <a:r>
-              <a:rPr lang="en-US" i="1" dirty="0" smtClean="0"/>
+              <a:rPr lang="en-US" i="1" dirty="0"/>
               <a:t>n</a:t>
             </a:r>
             <a:r>
-              <a:rPr lang="en-US" dirty="0" smtClean="0"/>
+              <a:rPr lang="en-US" dirty="0"/>
               <a:t>-gram probabilities</a:t>
             </a:r>
           </a:p>
           <a:p>
             <a:pPr lvl="1"/>
             <a:r>
-              <a:rPr lang="en-US" dirty="0" smtClean="0"/>
+              <a:rPr lang="en-US" dirty="0"/>
               <a:t>Unigram:</a:t>
             </a:r>
           </a:p>
           <a:p>
             <a:pPr lvl="1"/>
-            <a:endParaRPr lang="en-US" dirty="0" smtClean="0"/>
+            <a:endParaRPr lang="en-US" dirty="0"/>
           </a:p>
           <a:p>
             <a:pPr lvl="1"/>
             <a:r>
-              <a:rPr lang="en-US" dirty="0" smtClean="0"/>
+              <a:rPr lang="en-US" dirty="0"/>
               <a:t>Bigram: </a:t>
             </a:r>
           </a:p>
           <a:p>
-            <a:endParaRPr lang="en-US" dirty="0" smtClean="0"/>
-          </a:p>
-          <a:p>
-            <a:endParaRPr lang="en-US" dirty="0" smtClean="0"/>
+            <a:endParaRPr lang="en-US" dirty="0"/>
+          </a:p>
+          <a:p>
+            <a:endParaRPr lang="en-US" dirty="0"/>
           </a:p>
           <a:p>
             <a:pPr lvl="1"/>
             <a:r>
-              <a:rPr lang="en-US" dirty="0" smtClean="0"/>
+              <a:rPr lang="en-US" dirty="0"/>
               <a:t>Generalizes to higher-order </a:t>
             </a:r>
             <a:r>
-              <a:rPr lang="en-US" i="1" dirty="0" smtClean="0"/>
+              <a:rPr lang="en-US" i="1" dirty="0"/>
               <a:t>n</a:t>
             </a:r>
             <a:r>
-              <a:rPr lang="en-US" dirty="0" smtClean="0"/>
+              <a:rPr lang="en-US" dirty="0"/>
               <a:t>-grams</a:t>
             </a:r>
           </a:p>
           <a:p>
             <a:r>
-              <a:rPr lang="en-US" dirty="0" smtClean="0"/>
+              <a:rPr lang="en-US" dirty="0"/>
               <a:t>We already know how to do this in MapReduce!</a:t>
             </a:r>
           </a:p>
@@ -20527,10 +20177,9 @@
           <a:lstStyle/>
           <a:p>
             <a:r>
-              <a:rPr lang="en-US" dirty="0" smtClean="0"/>
+              <a:rPr lang="en-US" dirty="0"/>
               <a:t>Thou shalt smooth!</a:t>
             </a:r>
-            <a:endParaRPr lang="en-US" dirty="0"/>
           </a:p>
         </p:txBody>
       </p:sp>
@@ -20600,51 +20249,43 @@
           <a:p>
             <a:pPr lvl="1"/>
             <a:r>
-              <a:rPr lang="en-US" dirty="0" smtClean="0"/>
-              <a:t>Make </a:t>
-            </a:r>
-            <a:r>
               <a:rPr lang="en-US" dirty="0"/>
-              <a:t>sure you still have a valid probability distribution</a:t>
-            </a:r>
-            <a:r>
-              <a:rPr lang="en-US" dirty="0" smtClean="0"/>
-              <a:t>!</a:t>
-            </a:r>
-          </a:p>
-          <a:p>
-            <a:r>
-              <a:rPr lang="en-US" dirty="0" smtClean="0"/>
+              <a:t>Make sure you still have a valid probability distribution!</a:t>
+            </a:r>
+          </a:p>
+          <a:p>
+            <a:r>
+              <a:rPr lang="en-US" dirty="0"/>
               <a:t>Lots of techniques:</a:t>
             </a:r>
           </a:p>
           <a:p>
             <a:pPr lvl="1"/>
             <a:r>
-              <a:rPr lang="en-US" dirty="0" smtClean="0"/>
+              <a:rPr lang="en-US" dirty="0"/>
               <a:t>Laplace, Good-Turing, Katz </a:t>
             </a:r>
             <a:r>
-              <a:rPr lang="en-US" dirty="0" err="1" smtClean="0"/>
+              <a:rPr lang="en-US" dirty="0" err="1"/>
               <a:t>backoff</a:t>
             </a:r>
             <a:r>
-              <a:rPr lang="en-US" dirty="0" smtClean="0"/>
+              <a:rPr lang="en-US" dirty="0"/>
               <a:t>, </a:t>
             </a:r>
             <a:r>
-              <a:rPr lang="en-US" dirty="0" err="1" smtClean="0"/>
+              <a:rPr lang="en-US" dirty="0" err="1"/>
               <a:t>Jelinek</a:t>
             </a:r>
             <a:r>
-              <a:rPr lang="en-US" dirty="0" smtClean="0"/>
+              <a:rPr lang="en-US" dirty="0"/>
               <a:t>-Mercer</a:t>
             </a:r>
           </a:p>
           <a:p>
             <a:pPr lvl="1"/>
             <a:r>
-              <a:rPr lang="en-US" dirty="0" err="1" smtClean="0">
+              <a:rPr lang="en-US" dirty="0" err="1">
                 <a:solidFill>
                   <a:srgbClr val="0000FF"/>
                 </a:solidFill>
@@ -20652,7 +20293,7 @@
               <a:t>Kneser</a:t>
             </a:r>
             <a:r>
-              <a:rPr lang="en-US" dirty="0" smtClean="0">
+              <a:rPr lang="en-US" dirty="0">
                 <a:solidFill>
                   <a:srgbClr val="0000FF"/>
                 </a:solidFill>
@@ -20660,10 +20301,9 @@
               <a:t>-Ney</a:t>
             </a:r>
             <a:r>
-              <a:rPr lang="en-US" dirty="0" smtClean="0"/>
+              <a:rPr lang="en-US" dirty="0"/>
               <a:t> represents best practice</a:t>
             </a:r>
-            <a:endParaRPr lang="en-US" dirty="0"/>
           </a:p>
         </p:txBody>
       </p:sp>
@@ -20678,13 +20318,6 @@
     <a:masterClrMapping/>
   </p:clrMapOvr>
   <p:transition/>
-  <p:timing>
-    <p:tnLst>
-      <p:par>
-        <p:cTn id="1" dur="indefinite" restart="never" nodeType="tmRoot"/>
-      </p:par>
-    </p:tnLst>
-  </p:timing>
 </p:sld>
 </file>
 
@@ -20745,11 +20378,11 @@
           <a:lstStyle/>
           <a:p>
             <a:r>
-              <a:rPr lang="en-US" dirty="0" smtClean="0"/>
+              <a:rPr lang="en-US" dirty="0"/>
               <a:t>Stupid </a:t>
             </a:r>
             <a:r>
-              <a:rPr lang="en-US" dirty="0" err="1" smtClean="0"/>
+              <a:rPr lang="en-US" dirty="0" err="1"/>
               <a:t>Backoff</a:t>
             </a:r>
             <a:endParaRPr lang="en-US" dirty="0"/>
@@ -20772,7 +20405,7 @@
           <a:lstStyle/>
           <a:p>
             <a:r>
-              <a:rPr lang="en-US" dirty="0" smtClean="0"/>
+              <a:rPr lang="en-US" dirty="0"/>
               <a:t>Let’s break all the rules:</a:t>
             </a:r>
           </a:p>
@@ -20780,31 +20413,30 @@
             <a:endParaRPr lang="en-US" dirty="0"/>
           </a:p>
           <a:p>
-            <a:endParaRPr lang="en-US" dirty="0" smtClean="0"/>
-          </a:p>
-          <a:p>
             <a:endParaRPr lang="en-US" dirty="0"/>
           </a:p>
           <a:p>
-            <a:endParaRPr lang="en-US" dirty="0" smtClean="0"/>
-          </a:p>
-          <a:p>
             <a:endParaRPr lang="en-US" dirty="0"/>
           </a:p>
           <a:p>
-            <a:r>
-              <a:rPr lang="en-US" dirty="0" smtClean="0"/>
+            <a:endParaRPr lang="en-US" dirty="0"/>
+          </a:p>
+          <a:p>
+            <a:endParaRPr lang="en-US" dirty="0"/>
+          </a:p>
+          <a:p>
+            <a:r>
+              <a:rPr lang="en-US" dirty="0"/>
               <a:t>But throw </a:t>
             </a:r>
             <a:r>
-              <a:rPr lang="en-US" i="1" dirty="0" smtClean="0"/>
+              <a:rPr lang="en-US" i="1" dirty="0"/>
               <a:t>lots</a:t>
             </a:r>
             <a:r>
-              <a:rPr lang="en-US" dirty="0" smtClean="0"/>
+              <a:rPr lang="en-US" dirty="0"/>
               <a:t> of data at the problem!</a:t>
             </a:r>
-            <a:endParaRPr lang="en-US" dirty="0"/>
           </a:p>
         </p:txBody>
       </p:sp>
@@ -20863,7 +20495,7 @@
           <a:lstStyle/>
           <a:p>
             <a:r>
-              <a:rPr lang="en-US" sz="1000" b="0" dirty="0" smtClean="0">
+              <a:rPr lang="en-US" sz="1000" b="0" dirty="0">
                 <a:solidFill>
                   <a:schemeClr val="bg1"/>
                 </a:solidFill>
@@ -20871,7 +20503,7 @@
               <a:t>Source: </a:t>
             </a:r>
             <a:r>
-              <a:rPr lang="en-US" sz="1000" b="0" dirty="0" err="1" smtClean="0">
+              <a:rPr lang="en-US" sz="1000" b="0" dirty="0" err="1">
                 <a:solidFill>
                   <a:schemeClr val="bg1"/>
                 </a:solidFill>
@@ -20879,18 +20511,13 @@
               <a:t>Brants</a:t>
             </a:r>
             <a:r>
-              <a:rPr lang="en-US" sz="1000" b="0" dirty="0" smtClean="0">
+              <a:rPr lang="en-US" sz="1000" b="0" dirty="0">
                 <a:solidFill>
                   <a:schemeClr val="bg1"/>
                 </a:solidFill>
               </a:rPr>
               <a:t> et al. (EMNLP 2007)</a:t>
             </a:r>
-            <a:endParaRPr lang="en-US" sz="1000" b="0" dirty="0">
-              <a:solidFill>
-                <a:schemeClr val="bg1"/>
-              </a:solidFill>
-            </a:endParaRPr>
           </a:p>
         </p:txBody>
       </p:sp>
@@ -21023,7 +20650,7 @@
           <a:lstStyle/>
           <a:p>
             <a:r>
-              <a:rPr lang="en-US" smtClean="0"/>
+              <a:rPr lang="en-US"/>
               <a:t>“Everything Else”</a:t>
             </a:r>
             <a:endParaRPr lang="en-US" dirty="0"/>
@@ -21048,95 +20675,95 @@
           <a:lstStyle/>
           <a:p>
             <a:r>
-              <a:rPr lang="en-US" dirty="0" smtClean="0"/>
+              <a:rPr lang="en-US" dirty="0"/>
               <a:t>The execution framework handles everything else…</a:t>
             </a:r>
           </a:p>
           <a:p>
             <a:pPr lvl="1"/>
             <a:r>
-              <a:rPr lang="en-US" dirty="0" smtClean="0"/>
+              <a:rPr lang="en-US" dirty="0"/>
               <a:t>Scheduling: assigns workers to map and reduce tasks</a:t>
             </a:r>
           </a:p>
           <a:p>
             <a:pPr lvl="1"/>
             <a:r>
-              <a:rPr lang="en-US" dirty="0" smtClean="0"/>
+              <a:rPr lang="en-US" dirty="0"/>
               <a:t>“Data distribution”: moves processes to data</a:t>
             </a:r>
           </a:p>
           <a:p>
             <a:pPr lvl="1"/>
             <a:r>
-              <a:rPr lang="en-US" dirty="0" smtClean="0"/>
+              <a:rPr lang="en-US" dirty="0"/>
               <a:t>Synchronization: gathers, sorts, and shuffles intermediate data</a:t>
             </a:r>
           </a:p>
           <a:p>
             <a:pPr lvl="1"/>
             <a:r>
-              <a:rPr lang="en-US" dirty="0" smtClean="0"/>
+              <a:rPr lang="en-US" dirty="0"/>
               <a:t>Errors and faults: detects worker failures and restarts</a:t>
             </a:r>
           </a:p>
           <a:p>
             <a:r>
-              <a:rPr lang="en-US" dirty="0" smtClean="0"/>
+              <a:rPr lang="en-US" dirty="0"/>
               <a:t>Limited control over data and execution flow</a:t>
             </a:r>
           </a:p>
           <a:p>
             <a:pPr lvl="1"/>
             <a:r>
-              <a:rPr lang="en-US" dirty="0" smtClean="0"/>
-              <a:t>All algorithms must expressed in m, r, c, p</a:t>
-            </a:r>
-          </a:p>
-          <a:p>
-            <a:r>
-              <a:rPr lang="en-US" dirty="0" smtClean="0"/>
+              <a:rPr lang="en-US" dirty="0"/>
+              <a:t>All algorithms must be expressed in m, r, c, p</a:t>
+            </a:r>
+          </a:p>
+          <a:p>
+            <a:r>
+              <a:rPr lang="en-US" dirty="0"/>
               <a:t>You don’t know:</a:t>
             </a:r>
           </a:p>
           <a:p>
             <a:pPr lvl="1"/>
             <a:r>
-              <a:rPr lang="en-US" dirty="0" smtClean="0"/>
+              <a:rPr lang="en-US" dirty="0"/>
               <a:t>Where </a:t>
             </a:r>
             <a:r>
-              <a:rPr lang="en-US" dirty="0" err="1" smtClean="0"/>
+              <a:rPr lang="en-US" dirty="0" err="1"/>
               <a:t>mappers</a:t>
             </a:r>
             <a:r>
-              <a:rPr lang="en-US" dirty="0" smtClean="0"/>
+              <a:rPr lang="en-US" dirty="0"/>
               <a:t> and reducers run</a:t>
             </a:r>
           </a:p>
           <a:p>
             <a:pPr lvl="1"/>
             <a:r>
-              <a:rPr lang="en-US" dirty="0" smtClean="0"/>
+              <a:rPr lang="en-US" dirty="0"/>
               <a:t>When a mapper or reducer begins or finishes</a:t>
             </a:r>
           </a:p>
           <a:p>
             <a:pPr lvl="1"/>
             <a:r>
-              <a:rPr lang="en-US" dirty="0" smtClean="0"/>
+              <a:rPr lang="en-US" dirty="0"/>
               <a:t>Which input a particular mapper is processing</a:t>
             </a:r>
           </a:p>
           <a:p>
             <a:pPr lvl="1"/>
             <a:r>
-              <a:rPr lang="en-US" dirty="0" smtClean="0"/>
+              <a:rPr lang="en-US" dirty="0"/>
               <a:t>Which intermediate key a particular reducer is processing</a:t>
             </a:r>
           </a:p>
           <a:p>
-            <a:endParaRPr lang="en-US" dirty="0" smtClean="0"/>
+            <a:endParaRPr lang="en-US" dirty="0"/>
           </a:p>
         </p:txBody>
       </p:sp>
@@ -21628,18 +21255,17 @@
           <a:lstStyle/>
           <a:p>
             <a:r>
-              <a:rPr lang="en-US" dirty="0" smtClean="0"/>
+              <a:rPr lang="en-US" dirty="0"/>
               <a:t>Stupid </a:t>
             </a:r>
             <a:r>
-              <a:rPr lang="en-US" dirty="0" err="1" smtClean="0"/>
+              <a:rPr lang="en-US" dirty="0" err="1"/>
               <a:t>Backoff</a:t>
             </a:r>
             <a:r>
-              <a:rPr lang="en-US" dirty="0" smtClean="0"/>
+              <a:rPr lang="en-US" dirty="0"/>
               <a:t> Implementation</a:t>
             </a:r>
-            <a:endParaRPr lang="en-US" dirty="0"/>
           </a:p>
         </p:txBody>
       </p:sp>
@@ -21659,42 +21285,42 @@
           <a:lstStyle/>
           <a:p>
             <a:r>
-              <a:rPr lang="en-US" dirty="0" smtClean="0"/>
+              <a:rPr lang="en-US" dirty="0"/>
               <a:t>Same basic idea as “pairs” approach discussed previously</a:t>
             </a:r>
           </a:p>
           <a:p>
             <a:r>
-              <a:rPr lang="en-US" dirty="0" smtClean="0"/>
+              <a:rPr lang="en-US" dirty="0"/>
               <a:t>A few optimizations:</a:t>
             </a:r>
           </a:p>
           <a:p>
             <a:pPr lvl="1"/>
             <a:r>
-              <a:rPr lang="en-US" dirty="0" smtClean="0"/>
+              <a:rPr lang="en-US" dirty="0"/>
               <a:t>Convert words to integers, ordered by frequency</a:t>
             </a:r>
             <a:br>
-              <a:rPr lang="en-US" dirty="0" smtClean="0"/>
+              <a:rPr lang="en-US" dirty="0"/>
             </a:br>
             <a:r>
-              <a:rPr lang="en-US" dirty="0" smtClean="0"/>
+              <a:rPr lang="en-US" dirty="0"/>
               <a:t>(take advantage of </a:t>
             </a:r>
             <a:r>
-              <a:rPr lang="en-US" dirty="0" err="1" smtClean="0"/>
+              <a:rPr lang="en-US" dirty="0" err="1"/>
               <a:t>VByte</a:t>
             </a:r>
             <a:r>
-              <a:rPr lang="en-US" dirty="0" smtClean="0"/>
+              <a:rPr lang="en-US" dirty="0"/>
               <a:t> compression)</a:t>
             </a:r>
           </a:p>
           <a:p>
             <a:pPr lvl="1"/>
             <a:r>
-              <a:rPr lang="en-US" dirty="0" smtClean="0"/>
+              <a:rPr lang="en-US" dirty="0"/>
               <a:t>Replicate unigram counts to all shards</a:t>
             </a:r>
           </a:p>
@@ -21714,13 +21340,6 @@
     <a:masterClrMapping/>
   </p:clrMapOvr>
   <p:transition/>
-  <p:timing>
-    <p:tnLst>
-      <p:par>
-        <p:cTn id="1" dur="indefinite" restart="never" nodeType="tmRoot"/>
-      </p:par>
-    </p:tnLst>
-  </p:timing>
 </p:sld>
 </file>
 
@@ -21757,18 +21376,35 @@
           <a:lstStyle/>
           <a:p>
             <a:r>
-              <a:rPr lang="en-US" dirty="0" smtClean="0"/>
+              <a:rPr lang="en-US" dirty="0">
+                <a:solidFill>
+                  <a:schemeClr val="tx1">
+                    <a:lumMod val="75000"/>
+                  </a:schemeClr>
+                </a:solidFill>
+              </a:rPr>
               <a:t>Stupid </a:t>
             </a:r>
             <a:r>
-              <a:rPr lang="en-US" dirty="0" err="1" smtClean="0"/>
+              <a:rPr lang="en-US" dirty="0" err="1">
+                <a:solidFill>
+                  <a:schemeClr val="tx1">
+                    <a:lumMod val="75000"/>
+                  </a:schemeClr>
+                </a:solidFill>
+              </a:rPr>
               <a:t>Backoff</a:t>
             </a:r>
             <a:r>
-              <a:rPr lang="en-US" dirty="0" smtClean="0"/>
+              <a:rPr lang="en-US" dirty="0">
+                <a:solidFill>
+                  <a:schemeClr val="tx1">
+                    <a:lumMod val="75000"/>
+                  </a:schemeClr>
+                </a:solidFill>
+              </a:rPr>
               <a:t> Implementation</a:t>
             </a:r>
-            <a:endParaRPr lang="en-US" dirty="0"/>
           </a:p>
         </p:txBody>
       </p:sp>
@@ -21788,7 +21424,7 @@
           <a:lstStyle/>
           <a:p>
             <a:r>
-              <a:rPr lang="en-US" dirty="0" smtClean="0"/>
+              <a:rPr lang="en-US" dirty="0"/>
               <a:t>Straightforward approach: count each order separately</a:t>
             </a:r>
           </a:p>
@@ -21796,26 +21432,21 @@
             <a:endParaRPr lang="en-US" dirty="0"/>
           </a:p>
           <a:p>
-            <a:endParaRPr lang="en-US" dirty="0" smtClean="0"/>
-          </a:p>
-          <a:p>
-            <a:r>
-              <a:rPr lang="en-US" dirty="0" smtClean="0"/>
-              <a:t>More clever approach</a:t>
-            </a:r>
+            <a:endParaRPr lang="en-US" dirty="0"/>
+          </a:p>
+          <a:p>
             <a:r>
               <a:rPr lang="en-US" dirty="0"/>
-              <a:t>: count </a:t>
-            </a:r>
-            <a:r>
-              <a:rPr lang="en-US" i="1" dirty="0" smtClean="0"/>
+              <a:t>More clever approach: count </a:t>
+            </a:r>
+            <a:r>
+              <a:rPr lang="en-US" i="1" dirty="0"/>
               <a:t>all</a:t>
             </a:r>
             <a:r>
-              <a:rPr lang="en-US" dirty="0" smtClean="0"/>
+              <a:rPr lang="en-US" dirty="0"/>
               <a:t> orders together</a:t>
             </a:r>
-            <a:endParaRPr lang="en-US" dirty="0"/>
           </a:p>
           <a:p>
             <a:endParaRPr lang="en-US" dirty="0"/>
@@ -21870,7 +21501,7 @@
               <a:defRPr/>
             </a:pPr>
             <a:r>
-              <a:rPr lang="en-US" sz="2000" b="0" kern="0" dirty="0" smtClean="0">
+              <a:rPr lang="en-US" sz="2000" b="0" kern="0" dirty="0">
                 <a:solidFill>
                   <a:schemeClr val="bg1"/>
                 </a:solidFill>
@@ -21899,7 +21530,7 @@
               <a:defRPr/>
             </a:pPr>
             <a:r>
-              <a:rPr lang="en-US" sz="2000" b="0" kern="0" dirty="0" smtClean="0">
+              <a:rPr lang="en-US" sz="2000" b="0" kern="0" dirty="0">
                 <a:solidFill>
                   <a:schemeClr val="bg1"/>
                 </a:solidFill>
@@ -21928,7 +21559,7 @@
               <a:defRPr/>
             </a:pPr>
             <a:r>
-              <a:rPr kumimoji="0" lang="en-US" sz="2000" b="0" i="0" u="none" strike="noStrike" kern="0" cap="none" spc="0" normalizeH="0" baseline="0" noProof="0" dirty="0" smtClean="0">
+              <a:rPr kumimoji="0" lang="en-US" sz="2000" b="0" i="0" u="none" strike="noStrike" kern="0" cap="none" spc="0" normalizeH="0" baseline="0" noProof="0" dirty="0">
                 <a:ln>
                   <a:noFill/>
                 </a:ln>
@@ -21944,7 +21575,7 @@
               <a:t>A</a:t>
             </a:r>
             <a:r>
-              <a:rPr kumimoji="0" lang="en-US" sz="2000" b="0" i="0" u="none" strike="noStrike" kern="0" cap="none" spc="0" normalizeH="0" noProof="0" dirty="0" smtClean="0">
+              <a:rPr kumimoji="0" lang="en-US" sz="2000" b="0" i="0" u="none" strike="noStrike" kern="0" cap="none" spc="0" normalizeH="0" noProof="0" dirty="0">
                 <a:ln>
                   <a:noFill/>
                 </a:ln>
@@ -21979,7 +21610,7 @@
               <a:defRPr/>
             </a:pPr>
             <a:r>
-              <a:rPr lang="en-US" sz="2000" b="0" kern="0" dirty="0" smtClean="0">
+              <a:rPr lang="en-US" sz="2000" b="0" kern="0" dirty="0">
                 <a:solidFill>
                   <a:schemeClr val="bg1"/>
                 </a:solidFill>
@@ -22008,7 +21639,7 @@
               <a:defRPr/>
             </a:pPr>
             <a:r>
-              <a:rPr lang="en-US" sz="2000" b="0" kern="0" baseline="0" dirty="0" smtClean="0">
+              <a:rPr lang="en-US" sz="2000" b="0" kern="0" baseline="0" dirty="0">
                 <a:solidFill>
                   <a:schemeClr val="bg1"/>
                 </a:solidFill>
@@ -22017,7 +21648,7 @@
               </a:rPr>
               <a:t>…</a:t>
             </a:r>
-            <a:endParaRPr kumimoji="0" lang="en-US" sz="1800" b="0" i="0" u="none" strike="noStrike" kern="0" cap="none" spc="0" normalizeH="0" baseline="0" noProof="0" dirty="0" smtClean="0">
+            <a:endParaRPr kumimoji="0" lang="en-US" sz="1800" b="0" i="0" u="none" strike="noStrike" kern="0" cap="none" spc="0" normalizeH="0" baseline="0" noProof="0" dirty="0">
               <a:ln>
                 <a:noFill/>
               </a:ln>
@@ -22081,7 +21712,7 @@
               <a:defRPr/>
             </a:pPr>
             <a:r>
-              <a:rPr lang="en-US" sz="2000" b="0" kern="0" dirty="0" smtClean="0">
+              <a:rPr lang="en-US" sz="2000" b="0" kern="0" dirty="0">
                 <a:solidFill>
                   <a:schemeClr val="bg1"/>
                 </a:solidFill>
@@ -22110,7 +21741,7 @@
               <a:defRPr/>
             </a:pPr>
             <a:r>
-              <a:rPr lang="en-US" sz="2000" b="0" kern="0" dirty="0" smtClean="0">
+              <a:rPr lang="en-US" sz="2000" b="0" kern="0" dirty="0">
                 <a:solidFill>
                   <a:schemeClr val="bg1"/>
                 </a:solidFill>
@@ -22139,7 +21770,7 @@
               <a:defRPr/>
             </a:pPr>
             <a:r>
-              <a:rPr lang="en-US" sz="2000" b="0" kern="0" dirty="0" smtClean="0">
+              <a:rPr lang="en-US" sz="2000" b="0" kern="0" dirty="0">
                 <a:solidFill>
                   <a:schemeClr val="bg1"/>
                 </a:solidFill>
@@ -22168,7 +21799,7 @@
               <a:defRPr/>
             </a:pPr>
             <a:r>
-              <a:rPr lang="en-US" sz="2000" b="0" kern="0" dirty="0" smtClean="0">
+              <a:rPr lang="en-US" sz="2000" b="0" kern="0" dirty="0">
                 <a:solidFill>
                   <a:schemeClr val="bg1"/>
                 </a:solidFill>
@@ -22197,7 +21828,7 @@
               <a:defRPr/>
             </a:pPr>
             <a:r>
-              <a:rPr kumimoji="0" lang="en-US" sz="2000" b="0" i="0" u="none" strike="noStrike" kern="0" cap="none" spc="0" normalizeH="0" baseline="0" noProof="0" dirty="0" smtClean="0">
+              <a:rPr kumimoji="0" lang="en-US" sz="2000" b="0" i="0" u="none" strike="noStrike" kern="0" cap="none" spc="0" normalizeH="0" baseline="0" noProof="0" dirty="0">
                 <a:ln>
                   <a:noFill/>
                 </a:ln>
@@ -22213,7 +21844,7 @@
               <a:t>A</a:t>
             </a:r>
             <a:r>
-              <a:rPr kumimoji="0" lang="en-US" sz="2000" b="0" i="0" u="none" strike="noStrike" kern="0" cap="none" spc="0" normalizeH="0" noProof="0" dirty="0" smtClean="0">
+              <a:rPr kumimoji="0" lang="en-US" sz="2000" b="0" i="0" u="none" strike="noStrike" kern="0" cap="none" spc="0" normalizeH="0" noProof="0" dirty="0">
                 <a:ln>
                   <a:noFill/>
                 </a:ln>
@@ -22248,7 +21879,7 @@
               <a:defRPr/>
             </a:pPr>
             <a:r>
-              <a:rPr lang="en-US" sz="2000" b="0" kern="0" dirty="0" smtClean="0">
+              <a:rPr lang="en-US" sz="2000" b="0" kern="0" dirty="0">
                 <a:solidFill>
                   <a:schemeClr val="bg1"/>
                 </a:solidFill>
@@ -22277,7 +21908,7 @@
               <a:defRPr/>
             </a:pPr>
             <a:r>
-              <a:rPr lang="en-US" sz="2000" b="0" kern="0" dirty="0" smtClean="0">
+              <a:rPr lang="en-US" sz="2000" b="0" kern="0" dirty="0">
                 <a:solidFill>
                   <a:schemeClr val="bg1"/>
                 </a:solidFill>
@@ -22306,7 +21937,7 @@
               <a:defRPr/>
             </a:pPr>
             <a:r>
-              <a:rPr lang="en-US" sz="2000" b="0" kern="0" baseline="0" dirty="0" smtClean="0">
+              <a:rPr lang="en-US" sz="2000" b="0" kern="0" baseline="0" dirty="0">
                 <a:solidFill>
                   <a:schemeClr val="bg1"/>
                 </a:solidFill>
@@ -22315,7 +21946,7 @@
               </a:rPr>
               <a:t>…</a:t>
             </a:r>
-            <a:endParaRPr kumimoji="0" lang="en-US" sz="1800" b="0" i="0" u="none" strike="noStrike" kern="0" cap="none" spc="0" normalizeH="0" baseline="0" noProof="0" dirty="0" smtClean="0">
+            <a:endParaRPr kumimoji="0" lang="en-US" sz="1800" b="0" i="0" u="none" strike="noStrike" kern="0" cap="none" spc="0" normalizeH="0" baseline="0" noProof="0" dirty="0">
               <a:ln>
                 <a:noFill/>
               </a:ln>
@@ -22393,7 +22024,7 @@
                 <a:defRPr/>
               </a:pPr>
               <a:r>
-                <a:rPr lang="en-US" sz="1800" b="0" kern="0" dirty="0" smtClean="0">
+                <a:rPr lang="en-US" sz="1800" b="0" kern="0" dirty="0">
                   <a:solidFill>
                     <a:srgbClr val="FF0000"/>
                   </a:solidFill>
@@ -22505,7 +22136,7 @@
                 <a:defRPr/>
               </a:pPr>
               <a:r>
-                <a:rPr lang="en-US" sz="1800" b="0" kern="0" dirty="0" smtClean="0">
+                <a:rPr lang="en-US" sz="1800" b="0" kern="0" dirty="0">
                   <a:solidFill>
                     <a:srgbClr val="FF0000"/>
                   </a:solidFill>
@@ -22617,7 +22248,7 @@
                 <a:defRPr/>
               </a:pPr>
               <a:r>
-                <a:rPr lang="en-US" sz="1800" b="0" kern="0" dirty="0" smtClean="0">
+                <a:rPr lang="en-US" sz="1800" b="0" kern="0" dirty="0">
                   <a:solidFill>
                     <a:srgbClr val="FF0000"/>
                   </a:solidFill>
@@ -22729,7 +22360,7 @@
                 <a:defRPr/>
               </a:pPr>
               <a:r>
-                <a:rPr lang="en-US" sz="1800" b="0" kern="0" dirty="0" smtClean="0">
+                <a:rPr lang="en-US" sz="1800" b="0" kern="0" dirty="0">
                   <a:solidFill>
                     <a:srgbClr val="FF0000"/>
                   </a:solidFill>
@@ -23229,7 +22860,7 @@
           <a:lstStyle/>
           <a:p>
             <a:r>
-              <a:rPr lang="en-US" altLang="zh-TW" dirty="0" smtClean="0"/>
+              <a:rPr lang="en-US" altLang="zh-TW" dirty="0"/>
               <a:t>Different Ways of Smoothing</a:t>
             </a:r>
             <a:endParaRPr lang="zh-TW" altLang="en-US" dirty="0"/>
@@ -23252,13 +22883,13 @@
           <a:lstStyle/>
           <a:p>
             <a:r>
-              <a:rPr lang="en-US" altLang="zh-TW" dirty="0" smtClean="0"/>
+              <a:rPr lang="en-US" altLang="zh-TW" dirty="0"/>
               <a:t>State-of-the-art Smoothing (less data)</a:t>
             </a:r>
           </a:p>
           <a:p>
             <a:r>
-              <a:rPr lang="en-US" altLang="zh-TW" dirty="0" smtClean="0"/>
+              <a:rPr lang="en-US" altLang="zh-TW" dirty="0"/>
               <a:t>Count and normalize (more data)</a:t>
             </a:r>
             <a:endParaRPr lang="zh-TW" altLang="en-US" dirty="0"/>
@@ -24398,10 +24029,9 @@
           <a:lstStyle/>
           <a:p>
             <a:r>
-              <a:rPr lang="en-US" dirty="0" smtClean="0"/>
+              <a:rPr lang="en-US" dirty="0"/>
               <a:t>Statistical Machine Translation</a:t>
             </a:r>
-            <a:endParaRPr lang="en-US" dirty="0"/>
           </a:p>
         </p:txBody>
       </p:sp>
@@ -25038,7 +24668,7 @@
                 <a:buNone/>
                 <a:tabLst/>
               </a:pPr>
-              <a:endParaRPr kumimoji="0" lang="en-US" sz="1800" b="1" i="0" u="none" strike="noStrike" cap="none" normalizeH="0" baseline="0" smtClean="0">
+              <a:endParaRPr kumimoji="0" lang="en-US" sz="1800" b="1" i="0" u="none" strike="noStrike" cap="none" normalizeH="0" baseline="0">
                 <a:ln>
                   <a:noFill/>
                 </a:ln>
@@ -25075,7 +24705,7 @@
           <a:graphicData uri="http://schemas.openxmlformats.org/presentationml/2006/ole">
             <mc:AlternateContent xmlns:mc="http://schemas.openxmlformats.org/markup-compatibility/2006">
               <mc:Choice xmlns:v="urn:schemas-microsoft-com:vml" Requires="v">
-                <p:oleObj spid="_x0000_s1039" name="Equation" r:id="rId4" imgW="3111500" imgH="355600" progId="Equation.3">
+                <p:oleObj spid="_x0000_s1042" name="Equation" r:id="rId4" imgW="3111500" imgH="355600" progId="Equation.3">
                   <p:embed/>
                 </p:oleObj>
               </mc:Choice>
@@ -27204,7 +26834,7 @@
               </a:spcAft>
             </a:pPr>
             <a:r>
-              <a:rPr lang="en-US" sz="1300" b="0" dirty="0" smtClean="0">
+              <a:rPr lang="en-US" sz="1300" b="0" dirty="0">
                 <a:solidFill>
                   <a:prstClr val="black"/>
                 </a:solidFill>
@@ -27213,13 +26843,6 @@
               </a:rPr>
               <a:t>slap</a:t>
             </a:r>
-            <a:endParaRPr lang="en-US" sz="1300" b="0" dirty="0">
-              <a:solidFill>
-                <a:prstClr val="black"/>
-              </a:solidFill>
-              <a:latin typeface="Gill Sans"/>
-              <a:cs typeface="Gill Sans"/>
-            </a:endParaRPr>
           </a:p>
         </p:txBody>
       </p:sp>
@@ -27751,10 +27374,9 @@
           <a:lstStyle/>
           <a:p>
             <a:r>
-              <a:rPr lang="en-US" dirty="0" smtClean="0"/>
+              <a:rPr lang="en-US" dirty="0"/>
               <a:t>Translation as a Tiling Problem</a:t>
             </a:r>
-            <a:endParaRPr lang="en-US" dirty="0"/>
           </a:p>
         </p:txBody>
       </p:sp>
@@ -27952,7 +27574,7 @@
                 </a:spcAft>
               </a:pPr>
               <a:r>
-                <a:rPr lang="en-US" sz="1300" b="0" dirty="0" smtClean="0">
+                <a:rPr lang="en-US" sz="1300" b="0" dirty="0">
                   <a:solidFill>
                     <a:prstClr val="black"/>
                   </a:solidFill>
@@ -27961,13 +27583,6 @@
                 </a:rPr>
                 <a:t>slap</a:t>
               </a:r>
-              <a:endParaRPr lang="en-US" sz="1300" b="0" dirty="0">
-                <a:solidFill>
-                  <a:prstClr val="black"/>
-                </a:solidFill>
-                <a:latin typeface="Gill Sans"/>
-                <a:cs typeface="Gill Sans"/>
-              </a:endParaRPr>
             </a:p>
           </p:txBody>
         </p:sp>
@@ -28122,7 +27737,7 @@
           <a:graphicData uri="http://schemas.openxmlformats.org/presentationml/2006/ole">
             <mc:AlternateContent xmlns:mc="http://schemas.openxmlformats.org/markup-compatibility/2006">
               <mc:Choice xmlns:v="urn:schemas-microsoft-com:vml" Requires="v">
-                <p:oleObj spid="_x0000_s2063" name="Equation" r:id="rId3" imgW="3111500" imgH="355600" progId="Equation.3">
+                <p:oleObj spid="_x0000_s2066" name="Equation" r:id="rId3" imgW="3111500" imgH="355600" progId="Equation.3">
                   <p:embed/>
                 </p:oleObj>
               </mc:Choice>
@@ -28392,7 +28007,7 @@
           <a:lstStyle/>
           <a:p>
             <a:r>
-              <a:rPr lang="en-US" sz="2800" dirty="0" smtClean="0">
+              <a:rPr lang="en-US" sz="2800" dirty="0">
                 <a:solidFill>
                   <a:srgbClr val="FF0000"/>
                 </a:solidFill>
@@ -28401,13 +28016,6 @@
               </a:rPr>
               <a:t>English</a:t>
             </a:r>
-            <a:endParaRPr lang="en-US" sz="2800" dirty="0">
-              <a:solidFill>
-                <a:srgbClr val="FF0000"/>
-              </a:solidFill>
-              <a:latin typeface="Gill Sans"/>
-              <a:cs typeface="Gill Sans"/>
-            </a:endParaRPr>
           </a:p>
         </p:txBody>
       </p:sp>
@@ -28434,7 +28042,7 @@
           <a:lstStyle/>
           <a:p>
             <a:r>
-              <a:rPr lang="en-US" sz="2800" dirty="0" smtClean="0">
+              <a:rPr lang="en-US" sz="2800" dirty="0">
                 <a:solidFill>
                   <a:srgbClr val="FF0000"/>
                 </a:solidFill>
@@ -28443,13 +28051,6 @@
               </a:rPr>
               <a:t>French</a:t>
             </a:r>
-            <a:endParaRPr lang="en-US" sz="2800" dirty="0">
-              <a:solidFill>
-                <a:srgbClr val="FF0000"/>
-              </a:solidFill>
-              <a:latin typeface="Gill Sans"/>
-              <a:cs typeface="Gill Sans"/>
-            </a:endParaRPr>
           </a:p>
         </p:txBody>
       </p:sp>
@@ -28513,7 +28114,7 @@
           <a:lstStyle/>
           <a:p>
             <a:r>
-              <a:rPr lang="en-US" sz="2800" b="0" dirty="0" smtClean="0">
+              <a:rPr lang="en-US" sz="2800" b="0" dirty="0">
                 <a:solidFill>
                   <a:srgbClr val="FF0000"/>
                 </a:solidFill>
@@ -28522,13 +28123,6 @@
               </a:rPr>
               <a:t>channel</a:t>
             </a:r>
-            <a:endParaRPr lang="en-US" sz="2800" b="0" dirty="0">
-              <a:solidFill>
-                <a:srgbClr val="FF0000"/>
-              </a:solidFill>
-              <a:latin typeface="Gill Sans"/>
-              <a:cs typeface="Gill Sans"/>
-            </a:endParaRPr>
           </a:p>
         </p:txBody>
       </p:sp>
@@ -28598,7 +28192,7 @@
                 <a:buNone/>
                 <a:tabLst/>
               </a:pPr>
-              <a:endParaRPr kumimoji="0" lang="en-US" sz="1600" b="1" i="0" u="none" strike="noStrike" cap="none" normalizeH="0" baseline="0" smtClean="0">
+              <a:endParaRPr kumimoji="0" lang="en-US" sz="1600" b="1" i="0" u="none" strike="noStrike" cap="none" normalizeH="0" baseline="0">
                 <a:ln>
                   <a:noFill/>
                 </a:ln>
@@ -29022,10 +28616,9 @@
           <a:lstStyle/>
           <a:p>
             <a:r>
-              <a:rPr lang="en-US" dirty="0" smtClean="0"/>
+              <a:rPr lang="en-US" dirty="0"/>
               <a:t>Results: Running Time</a:t>
             </a:r>
-            <a:endParaRPr lang="en-US" dirty="0"/>
           </a:p>
         </p:txBody>
       </p:sp>
@@ -29060,7 +28653,7 @@
           <a:lstStyle/>
           <a:p>
             <a:r>
-              <a:rPr lang="en-US" sz="1000" b="0" dirty="0" smtClean="0">
+              <a:rPr lang="en-US" sz="1000" b="0" dirty="0">
                 <a:solidFill>
                   <a:schemeClr val="bg1"/>
                 </a:solidFill>
@@ -29068,7 +28661,7 @@
               <a:t>Source: </a:t>
             </a:r>
             <a:r>
-              <a:rPr lang="en-US" sz="1000" b="0" dirty="0" err="1" smtClean="0">
+              <a:rPr lang="en-US" sz="1000" b="0" dirty="0" err="1">
                 <a:solidFill>
                   <a:schemeClr val="bg1"/>
                 </a:solidFill>
@@ -29076,18 +28669,13 @@
               <a:t>Brants</a:t>
             </a:r>
             <a:r>
-              <a:rPr lang="en-US" sz="1000" b="0" dirty="0" smtClean="0">
+              <a:rPr lang="en-US" sz="1000" b="0" dirty="0">
                 <a:solidFill>
                   <a:schemeClr val="bg1"/>
                 </a:solidFill>
               </a:rPr>
               <a:t> et al. (EMNLP 2007)</a:t>
             </a:r>
-            <a:endParaRPr lang="en-US" sz="1000" b="0" dirty="0">
-              <a:solidFill>
-                <a:schemeClr val="bg1"/>
-              </a:solidFill>
-            </a:endParaRPr>
           </a:p>
         </p:txBody>
       </p:sp>
@@ -29100,7 +28688,7 @@
           <p:nvPr>
             <p:extLst>
               <p:ext uri="{D42A27DB-BD31-4B8C-83A1-F6EECF244321}">
-                <p14:modId xmlns:p14="http://schemas.microsoft.com/office/powerpoint/2010/main" val="24970805"/>
+                <p14:modId xmlns:p14="http://schemas.microsoft.com/office/powerpoint/2010/main" val="2807808455"/>
               </p:ext>
             </p:extLst>
           </p:nvPr>
@@ -29166,7 +28754,7 @@
                     <a:lstStyle/>
                     <a:p>
                       <a:r>
-                        <a:rPr lang="en-US" altLang="zh-TW" dirty="0" smtClean="0">
+                        <a:rPr lang="en-US" altLang="zh-TW" dirty="0">
                           <a:solidFill>
                             <a:schemeClr val="bg1"/>
                           </a:solidFill>
@@ -29188,7 +28776,7 @@
                     <a:lstStyle/>
                     <a:p>
                       <a:r>
-                        <a:rPr lang="en-US" altLang="zh-TW" dirty="0" err="1" smtClean="0">
+                        <a:rPr lang="en-US" altLang="zh-TW" dirty="0" err="1">
                           <a:solidFill>
                             <a:schemeClr val="bg1"/>
                           </a:solidFill>
@@ -29210,7 +28798,7 @@
                     <a:lstStyle/>
                     <a:p>
                       <a:r>
-                        <a:rPr lang="en-US" altLang="zh-TW" dirty="0" smtClean="0">
+                        <a:rPr lang="en-US" altLang="zh-TW" dirty="0">
                           <a:solidFill>
                             <a:schemeClr val="bg1"/>
                           </a:solidFill>
@@ -29239,7 +28827,7 @@
                     <a:lstStyle/>
                     <a:p>
                       <a:r>
-                        <a:rPr lang="en-US" altLang="zh-TW" dirty="0" smtClean="0">
+                        <a:rPr lang="en-US" altLang="zh-TW" dirty="0">
                           <a:solidFill>
                             <a:schemeClr val="bg1"/>
                           </a:solidFill>
@@ -29261,7 +28849,7 @@
                     <a:lstStyle/>
                     <a:p>
                       <a:r>
-                        <a:rPr lang="en-US" altLang="zh-TW" dirty="0" smtClean="0">
+                        <a:rPr lang="en-US" altLang="zh-TW" dirty="0">
                           <a:solidFill>
                             <a:schemeClr val="bg1"/>
                           </a:solidFill>
@@ -29283,7 +28871,7 @@
                     <a:lstStyle/>
                     <a:p>
                       <a:r>
-                        <a:rPr lang="en-US" altLang="zh-TW" dirty="0" smtClean="0">
+                        <a:rPr lang="en-US" altLang="zh-TW" dirty="0">
                           <a:solidFill>
                             <a:schemeClr val="bg1"/>
                           </a:solidFill>
@@ -29305,7 +28893,7 @@
                     <a:lstStyle/>
                     <a:p>
                       <a:r>
-                        <a:rPr lang="en-US" altLang="zh-TW" dirty="0" smtClean="0">
+                        <a:rPr lang="en-US" altLang="zh-TW" dirty="0">
                           <a:solidFill>
                             <a:schemeClr val="bg1"/>
                           </a:solidFill>
@@ -29334,7 +28922,7 @@
                     <a:lstStyle/>
                     <a:p>
                       <a:r>
-                        <a:rPr lang="en-US" altLang="zh-TW" dirty="0" smtClean="0">
+                        <a:rPr lang="en-US" altLang="zh-TW" dirty="0">
                           <a:solidFill>
                             <a:schemeClr val="bg1"/>
                           </a:solidFill>
@@ -29344,7 +28932,7 @@
                     </a:p>
                     <a:p>
                       <a:r>
-                        <a:rPr lang="en-US" altLang="zh-TW" dirty="0" smtClean="0">
+                        <a:rPr lang="en-US" altLang="zh-TW" dirty="0">
                           <a:solidFill>
                             <a:schemeClr val="bg1"/>
                           </a:solidFill>
@@ -29354,7 +28942,7 @@
                     </a:p>
                     <a:p>
                       <a:r>
-                        <a:rPr lang="en-US" altLang="zh-TW" dirty="0" smtClean="0">
+                        <a:rPr lang="en-US" altLang="zh-TW" dirty="0">
                           <a:solidFill>
                             <a:schemeClr val="bg1"/>
                           </a:solidFill>
@@ -29376,7 +28964,7 @@
                     <a:lstStyle/>
                     <a:p>
                       <a:r>
-                        <a:rPr lang="en-US" altLang="zh-TW" dirty="0" smtClean="0">
+                        <a:rPr lang="en-US" altLang="zh-TW" dirty="0">
                           <a:solidFill>
                             <a:schemeClr val="bg1"/>
                           </a:solidFill>
@@ -29386,7 +28974,7 @@
                     </a:p>
                     <a:p>
                       <a:r>
-                        <a:rPr lang="en-US" altLang="zh-TW" dirty="0" smtClean="0">
+                        <a:rPr lang="en-US" altLang="zh-TW" dirty="0">
                           <a:solidFill>
                             <a:schemeClr val="bg1"/>
                           </a:solidFill>
@@ -29396,7 +28984,7 @@
                     </a:p>
                     <a:p>
                       <a:r>
-                        <a:rPr lang="en-US" altLang="zh-TW" dirty="0" smtClean="0">
+                        <a:rPr lang="en-US" altLang="zh-TW" dirty="0">
                           <a:solidFill>
                             <a:schemeClr val="bg1"/>
                           </a:solidFill>
@@ -29418,7 +29006,7 @@
                     <a:lstStyle/>
                     <a:p>
                       <a:r>
-                        <a:rPr lang="en-US" altLang="zh-TW" dirty="0" smtClean="0">
+                        <a:rPr lang="en-US" altLang="zh-TW" dirty="0">
                           <a:solidFill>
                             <a:schemeClr val="bg1"/>
                           </a:solidFill>
@@ -29428,7 +29016,7 @@
                     </a:p>
                     <a:p>
                       <a:r>
-                        <a:rPr lang="en-US" altLang="zh-TW" dirty="0" smtClean="0">
+                        <a:rPr lang="en-US" altLang="zh-TW" dirty="0">
                           <a:solidFill>
                             <a:schemeClr val="bg1"/>
                           </a:solidFill>
@@ -29438,7 +29026,7 @@
                     </a:p>
                     <a:p>
                       <a:r>
-                        <a:rPr lang="en-US" altLang="zh-TW" dirty="0" smtClean="0">
+                        <a:rPr lang="en-US" altLang="zh-TW" dirty="0">
                           <a:solidFill>
                             <a:schemeClr val="bg1"/>
                           </a:solidFill>
@@ -29460,7 +29048,7 @@
                     <a:lstStyle/>
                     <a:p>
                       <a:r>
-                        <a:rPr lang="en-US" altLang="zh-TW" dirty="0" smtClean="0">
+                        <a:rPr lang="en-US" altLang="zh-TW" dirty="0">
                           <a:solidFill>
                             <a:schemeClr val="bg1"/>
                           </a:solidFill>
@@ -29470,7 +29058,7 @@
                     </a:p>
                     <a:p>
                       <a:r>
-                        <a:rPr lang="en-US" altLang="zh-TW" dirty="0" smtClean="0">
+                        <a:rPr lang="en-US" altLang="zh-TW" dirty="0">
                           <a:solidFill>
                             <a:schemeClr val="bg1"/>
                           </a:solidFill>
@@ -29480,7 +29068,7 @@
                     </a:p>
                     <a:p>
                       <a:r>
-                        <a:rPr lang="en-US" altLang="zh-TW" dirty="0" smtClean="0">
+                        <a:rPr lang="en-US" altLang="zh-TW" dirty="0">
                           <a:solidFill>
                             <a:schemeClr val="bg1"/>
                           </a:solidFill>
@@ -29509,9 +29097,9 @@
                     <a:lstStyle/>
                     <a:p>
                       <a:r>
-                        <a:rPr lang="en-US" altLang="zh-TW" dirty="0" smtClean="0">
+                        <a:rPr lang="en-US" altLang="zh-TW" dirty="0">
                           <a:solidFill>
-                            <a:schemeClr val="bg1"/>
+                            <a:srgbClr val="FF0000"/>
                           </a:solidFill>
                         </a:rPr>
                         <a:t>Time (SB)</a:t>
@@ -29519,7 +29107,7 @@
                     </a:p>
                     <a:p>
                       <a:r>
-                        <a:rPr lang="en-US" altLang="zh-TW" dirty="0" smtClean="0">
+                        <a:rPr lang="en-US" altLang="zh-TW" dirty="0">
                           <a:solidFill>
                             <a:schemeClr val="bg1"/>
                           </a:solidFill>
@@ -29529,7 +29117,7 @@
                     </a:p>
                     <a:p>
                       <a:r>
-                        <a:rPr lang="en-US" altLang="zh-TW" dirty="0" smtClean="0">
+                        <a:rPr lang="en-US" altLang="zh-TW" dirty="0">
                           <a:solidFill>
                             <a:schemeClr val="bg1"/>
                           </a:solidFill>
@@ -29551,9 +29139,9 @@
                     <a:lstStyle/>
                     <a:p>
                       <a:r>
-                        <a:rPr lang="en-US" altLang="zh-TW" dirty="0" smtClean="0">
+                        <a:rPr lang="en-US" altLang="zh-TW" dirty="0">
                           <a:solidFill>
-                            <a:schemeClr val="bg1"/>
+                            <a:srgbClr val="FF0000"/>
                           </a:solidFill>
                         </a:rPr>
                         <a:t>20 min</a:t>
@@ -29561,7 +29149,7 @@
                     </a:p>
                     <a:p>
                       <a:r>
-                        <a:rPr lang="en-US" altLang="zh-TW" dirty="0" smtClean="0">
+                        <a:rPr lang="en-US" altLang="zh-TW" dirty="0">
                           <a:solidFill>
                             <a:schemeClr val="bg1"/>
                           </a:solidFill>
@@ -29571,7 +29159,7 @@
                     </a:p>
                     <a:p>
                       <a:r>
-                        <a:rPr lang="en-US" altLang="zh-TW" dirty="0" smtClean="0">
+                        <a:rPr lang="en-US" altLang="zh-TW" dirty="0">
                           <a:solidFill>
                             <a:schemeClr val="bg1"/>
                           </a:solidFill>
@@ -29593,9 +29181,9 @@
                     <a:lstStyle/>
                     <a:p>
                       <a:r>
-                        <a:rPr lang="en-US" altLang="zh-TW" dirty="0" smtClean="0">
+                        <a:rPr lang="en-US" altLang="zh-TW" dirty="0">
                           <a:solidFill>
-                            <a:schemeClr val="bg1"/>
+                            <a:srgbClr val="FF0000"/>
                           </a:solidFill>
                         </a:rPr>
                         <a:t>8 hours</a:t>
@@ -29603,7 +29191,7 @@
                     </a:p>
                     <a:p>
                       <a:r>
-                        <a:rPr lang="en-US" altLang="zh-TW" dirty="0" smtClean="0">
+                        <a:rPr lang="en-US" altLang="zh-TW" dirty="0">
                           <a:solidFill>
                             <a:schemeClr val="bg1"/>
                           </a:solidFill>
@@ -29613,7 +29201,7 @@
                     </a:p>
                     <a:p>
                       <a:r>
-                        <a:rPr lang="en-US" altLang="zh-TW" dirty="0" smtClean="0">
+                        <a:rPr lang="en-US" altLang="zh-TW" dirty="0">
                           <a:solidFill>
                             <a:schemeClr val="bg1"/>
                           </a:solidFill>
@@ -29635,9 +29223,9 @@
                     <a:lstStyle/>
                     <a:p>
                       <a:r>
-                        <a:rPr lang="en-US" altLang="zh-TW" dirty="0" smtClean="0">
+                        <a:rPr lang="en-US" altLang="zh-TW" dirty="0">
                           <a:solidFill>
-                            <a:schemeClr val="bg1"/>
+                            <a:srgbClr val="FF0000"/>
                           </a:solidFill>
                         </a:rPr>
                         <a:t>1 day</a:t>
@@ -29645,7 +29233,7 @@
                     </a:p>
                     <a:p>
                       <a:r>
-                        <a:rPr lang="en-US" altLang="zh-TW" dirty="0" smtClean="0">
+                        <a:rPr lang="en-US" altLang="zh-TW" dirty="0">
                           <a:solidFill>
                             <a:schemeClr val="bg1"/>
                           </a:solidFill>
@@ -29655,7 +29243,7 @@
                     </a:p>
                     <a:p>
                       <a:r>
-                        <a:rPr lang="en-US" altLang="zh-TW" dirty="0" smtClean="0">
+                        <a:rPr lang="en-US" altLang="zh-TW" dirty="0">
                           <a:solidFill>
                             <a:schemeClr val="bg1"/>
                           </a:solidFill>
@@ -29692,13 +29280,6 @@
     <a:masterClrMapping/>
   </p:clrMapOvr>
   <p:transition/>
-  <p:timing>
-    <p:tnLst>
-      <p:par>
-        <p:cTn id="1" dur="indefinite" restart="never" nodeType="tmRoot"/>
-      </p:par>
-    </p:tnLst>
-  </p:timing>
 </p:sld>
 </file>
 
@@ -29735,10 +29316,9 @@
           <a:lstStyle/>
           <a:p>
             <a:r>
-              <a:rPr lang="en-US" dirty="0" smtClean="0"/>
+              <a:rPr lang="en-US" dirty="0"/>
               <a:t>Results: Translation Quality</a:t>
             </a:r>
-            <a:endParaRPr lang="en-US" dirty="0"/>
           </a:p>
         </p:txBody>
       </p:sp>
@@ -29809,7 +29389,7 @@
           <a:lstStyle/>
           <a:p>
             <a:r>
-              <a:rPr lang="en-US" sz="1000" b="0" dirty="0" smtClean="0">
+              <a:rPr lang="en-US" sz="1000" b="0" dirty="0">
                 <a:solidFill>
                   <a:schemeClr val="bg1"/>
                 </a:solidFill>
@@ -29817,7 +29397,7 @@
               <a:t>Source: </a:t>
             </a:r>
             <a:r>
-              <a:rPr lang="en-US" sz="1000" b="0" dirty="0" err="1" smtClean="0">
+              <a:rPr lang="en-US" sz="1000" b="0" dirty="0" err="1">
                 <a:solidFill>
                   <a:schemeClr val="bg1"/>
                 </a:solidFill>
@@ -29825,18 +29405,13 @@
               <a:t>Brants</a:t>
             </a:r>
             <a:r>
-              <a:rPr lang="en-US" sz="1000" b="0" dirty="0" smtClean="0">
+              <a:rPr lang="en-US" sz="1000" b="0" dirty="0">
                 <a:solidFill>
                   <a:schemeClr val="bg1"/>
                 </a:solidFill>
               </a:rPr>
               <a:t> et al. (EMNLP 2007)</a:t>
             </a:r>
-            <a:endParaRPr lang="en-US" sz="1000" b="0" dirty="0">
-              <a:solidFill>
-                <a:schemeClr val="bg1"/>
-              </a:solidFill>
-            </a:endParaRPr>
           </a:p>
         </p:txBody>
       </p:sp>
@@ -29851,13 +29426,6 @@
     <a:masterClrMapping/>
   </p:clrMapOvr>
   <p:transition/>
-  <p:timing>
-    <p:tnLst>
-      <p:par>
-        <p:cTn id="1" dur="indefinite" restart="never" nodeType="tmRoot"/>
-      </p:par>
-    </p:tnLst>
-  </p:timing>
 </p:sld>
 </file>
 
@@ -29894,7 +29462,7 @@
           <a:lstStyle/>
           <a:p>
             <a:r>
-              <a:rPr lang="en-US" altLang="zh-TW" dirty="0" smtClean="0"/>
+              <a:rPr lang="en-US" altLang="zh-TW" dirty="0"/>
               <a:t>Any Questions?</a:t>
             </a:r>
             <a:endParaRPr lang="zh-TW" altLang="en-US" dirty="0"/>
@@ -29967,7 +29535,7 @@
           <a:lstStyle/>
           <a:p>
             <a:r>
-              <a:rPr lang="en-US" smtClean="0"/>
+              <a:rPr lang="en-US"/>
               <a:t>Tools for Synchronization</a:t>
             </a:r>
             <a:endParaRPr lang="en-US" dirty="0"/>
@@ -29990,61 +29558,61 @@
           <a:lstStyle/>
           <a:p>
             <a:r>
-              <a:rPr lang="en-US" dirty="0" smtClean="0"/>
+              <a:rPr lang="en-US" dirty="0"/>
               <a:t>Cleverly-constructed data structures</a:t>
             </a:r>
           </a:p>
           <a:p>
             <a:pPr lvl="1"/>
             <a:r>
-              <a:rPr lang="en-US" dirty="0" smtClean="0"/>
+              <a:rPr lang="en-US" dirty="0"/>
               <a:t>Bring partial results together</a:t>
             </a:r>
           </a:p>
           <a:p>
             <a:r>
-              <a:rPr lang="en-US" dirty="0" smtClean="0"/>
+              <a:rPr lang="en-US" dirty="0"/>
               <a:t>Sort order of intermediate keys</a:t>
             </a:r>
           </a:p>
           <a:p>
             <a:pPr lvl="1"/>
             <a:r>
-              <a:rPr lang="en-US" dirty="0" smtClean="0"/>
+              <a:rPr lang="en-US" dirty="0"/>
               <a:t>Control order in which reducers process keys</a:t>
             </a:r>
           </a:p>
           <a:p>
             <a:r>
-              <a:rPr lang="en-US" dirty="0" smtClean="0"/>
+              <a:rPr lang="en-US" dirty="0"/>
               <a:t>Partitioner</a:t>
             </a:r>
           </a:p>
           <a:p>
             <a:pPr lvl="1"/>
             <a:r>
-              <a:rPr lang="en-US" dirty="0" smtClean="0"/>
+              <a:rPr lang="en-US" dirty="0"/>
               <a:t>Control which reducer processes which keys</a:t>
             </a:r>
           </a:p>
           <a:p>
             <a:r>
-              <a:rPr lang="en-US" dirty="0" smtClean="0"/>
+              <a:rPr lang="en-US" dirty="0"/>
               <a:t>Preserving state in </a:t>
             </a:r>
             <a:r>
-              <a:rPr lang="en-US" dirty="0" err="1" smtClean="0"/>
+              <a:rPr lang="en-US" dirty="0" err="1"/>
               <a:t>mappers</a:t>
             </a:r>
             <a:r>
-              <a:rPr lang="en-US" dirty="0" smtClean="0"/>
+              <a:rPr lang="en-US" dirty="0"/>
               <a:t> and reducers</a:t>
             </a:r>
           </a:p>
           <a:p>
             <a:pPr lvl="1"/>
             <a:r>
-              <a:rPr lang="en-US" dirty="0" smtClean="0"/>
+              <a:rPr lang="en-US" dirty="0"/>
               <a:t>Capture dependencies across multiple keys and values</a:t>
             </a:r>
           </a:p>
@@ -30065,13 +29633,6 @@
     <a:masterClrMapping/>
   </p:clrMapOvr>
   <p:transition/>
-  <p:timing>
-    <p:tnLst>
-      <p:par>
-        <p:cTn id="1" dur="indefinite" restart="never" nodeType="tmRoot"/>
-      </p:par>
-    </p:tnLst>
-  </p:timing>
 </p:sld>
 </file>
 
@@ -30108,10 +29669,9 @@
           <a:lstStyle/>
           <a:p>
             <a:r>
-              <a:rPr lang="en-US" dirty="0" smtClean="0"/>
+              <a:rPr lang="en-US" dirty="0"/>
               <a:t>Preserving State</a:t>
             </a:r>
-            <a:endParaRPr lang="en-US" dirty="0"/>
           </a:p>
         </p:txBody>
       </p:sp>
@@ -30188,7 +29748,7 @@
                 <a:buNone/>
                 <a:tabLst/>
               </a:pPr>
-              <a:endParaRPr kumimoji="0" lang="en-US" sz="1200" i="0" u="none" strike="noStrike" cap="none" normalizeH="0" baseline="0" dirty="0" smtClean="0">
+              <a:endParaRPr kumimoji="0" lang="en-US" sz="1200" i="0" u="none" strike="noStrike" cap="none" normalizeH="0" baseline="0" dirty="0">
                 <a:ln>
                   <a:noFill/>
                 </a:ln>
@@ -30226,7 +29786,7 @@
             <a:p>
               <a:pPr algn="ctr"/>
               <a:r>
-                <a:rPr lang="en-US" sz="1800" dirty="0" smtClean="0">
+                <a:rPr lang="en-US" sz="1800" dirty="0">
                   <a:solidFill>
                     <a:schemeClr val="bg1"/>
                   </a:solidFill>
@@ -30235,13 +29795,6 @@
                 </a:rPr>
                 <a:t>Mapper object</a:t>
               </a:r>
-              <a:endParaRPr lang="en-US" sz="1800" dirty="0">
-                <a:solidFill>
-                  <a:schemeClr val="bg1"/>
-                </a:solidFill>
-                <a:latin typeface="Gill Sans"/>
-                <a:cs typeface="Gill Sans"/>
-              </a:endParaRPr>
             </a:p>
           </p:txBody>
         </p:sp>
@@ -30306,7 +29859,7 @@
               <a:tabLst/>
             </a:pPr>
             <a:r>
-              <a:rPr kumimoji="0" lang="en-US" sz="1800" b="0" i="0" u="none" strike="noStrike" cap="none" normalizeH="0" baseline="0" dirty="0" smtClean="0">
+              <a:rPr kumimoji="0" lang="en-US" sz="1800" b="0" i="0" u="none" strike="noStrike" cap="none" normalizeH="0" baseline="0" dirty="0">
                 <a:ln>
                   <a:noFill/>
                 </a:ln>
@@ -30382,7 +29935,7 @@
               <a:tabLst/>
             </a:pPr>
             <a:r>
-              <a:rPr kumimoji="0" lang="en-US" sz="1800" b="0" i="0" u="none" strike="noStrike" cap="none" normalizeH="0" baseline="0" dirty="0" smtClean="0">
+              <a:rPr kumimoji="0" lang="en-US" sz="1800" b="0" i="0" u="none" strike="noStrike" cap="none" normalizeH="0" baseline="0" dirty="0">
                 <a:ln>
                   <a:noFill/>
                 </a:ln>
@@ -30458,7 +30011,7 @@
               <a:tabLst/>
             </a:pPr>
             <a:r>
-              <a:rPr kumimoji="0" lang="en-US" sz="1800" b="0" i="0" u="none" strike="noStrike" cap="none" normalizeH="0" baseline="0" dirty="0" smtClean="0">
+              <a:rPr kumimoji="0" lang="en-US" sz="1800" b="0" i="0" u="none" strike="noStrike" cap="none" normalizeH="0" baseline="0" dirty="0">
                 <a:ln>
                   <a:noFill/>
                 </a:ln>
@@ -30534,7 +30087,7 @@
               <a:tabLst/>
             </a:pPr>
             <a:r>
-              <a:rPr kumimoji="0" lang="en-US" b="0" i="0" u="none" strike="noStrike" cap="none" normalizeH="0" baseline="0" dirty="0" smtClean="0">
+              <a:rPr kumimoji="0" lang="en-US" b="0" i="0" u="none" strike="noStrike" cap="none" normalizeH="0" baseline="0" dirty="0">
                 <a:ln>
                   <a:noFill/>
                 </a:ln>
@@ -30608,7 +30161,7 @@
           <a:p>
             <a:pPr algn="ctr"/>
             <a:r>
-              <a:rPr lang="en-US" b="0" dirty="0" smtClean="0">
+              <a:rPr lang="en-US" b="0" dirty="0">
                 <a:solidFill>
                   <a:schemeClr val="bg1"/>
                 </a:solidFill>
@@ -30617,13 +30170,6 @@
               </a:rPr>
               <a:t>one object per task</a:t>
             </a:r>
-            <a:endParaRPr lang="en-US" b="0" dirty="0">
-              <a:solidFill>
-                <a:schemeClr val="bg1"/>
-              </a:solidFill>
-              <a:latin typeface="Gill Sans"/>
-              <a:cs typeface="Gill Sans"/>
-            </a:endParaRPr>
           </a:p>
         </p:txBody>
       </p:sp>
@@ -30700,7 +30246,7 @@
                 <a:buNone/>
                 <a:tabLst/>
               </a:pPr>
-              <a:endParaRPr kumimoji="0" lang="en-US" sz="1200" i="0" u="none" strike="noStrike" cap="none" normalizeH="0" baseline="0" dirty="0" smtClean="0">
+              <a:endParaRPr kumimoji="0" lang="en-US" sz="1200" i="0" u="none" strike="noStrike" cap="none" normalizeH="0" baseline="0" dirty="0">
                 <a:ln>
                   <a:noFill/>
                 </a:ln>
@@ -30738,7 +30284,7 @@
             <a:p>
               <a:pPr algn="ctr"/>
               <a:r>
-                <a:rPr lang="en-US" sz="1800" dirty="0" smtClean="0">
+                <a:rPr lang="en-US" sz="1800" dirty="0">
                   <a:solidFill>
                     <a:schemeClr val="bg1"/>
                   </a:solidFill>
@@ -30747,13 +30293,6 @@
                 </a:rPr>
                 <a:t>Reducer object</a:t>
               </a:r>
-              <a:endParaRPr lang="en-US" sz="1800" dirty="0">
-                <a:solidFill>
-                  <a:schemeClr val="bg1"/>
-                </a:solidFill>
-                <a:latin typeface="Gill Sans"/>
-                <a:cs typeface="Gill Sans"/>
-              </a:endParaRPr>
             </a:p>
           </p:txBody>
         </p:sp>
@@ -30818,7 +30357,7 @@
               <a:tabLst/>
             </a:pPr>
             <a:r>
-              <a:rPr kumimoji="0" lang="en-US" sz="1800" b="0" i="0" u="none" strike="noStrike" cap="none" normalizeH="0" baseline="0" dirty="0" smtClean="0">
+              <a:rPr kumimoji="0" lang="en-US" sz="1800" b="0" i="0" u="none" strike="noStrike" cap="none" normalizeH="0" baseline="0" dirty="0">
                 <a:ln>
                   <a:noFill/>
                 </a:ln>
@@ -30894,7 +30433,7 @@
               <a:tabLst/>
             </a:pPr>
             <a:r>
-              <a:rPr kumimoji="0" lang="en-US" sz="1800" b="0" i="0" u="none" strike="noStrike" cap="none" normalizeH="0" baseline="0" dirty="0" smtClean="0">
+              <a:rPr kumimoji="0" lang="en-US" sz="1800" b="0" i="0" u="none" strike="noStrike" cap="none" normalizeH="0" baseline="0" dirty="0">
                 <a:ln>
                   <a:noFill/>
                 </a:ln>
@@ -30970,7 +30509,7 @@
               <a:tabLst/>
             </a:pPr>
             <a:r>
-              <a:rPr kumimoji="0" lang="en-US" sz="1800" b="0" i="0" u="none" strike="noStrike" cap="none" normalizeH="0" baseline="0" dirty="0" smtClean="0">
+              <a:rPr kumimoji="0" lang="en-US" sz="1800" b="0" i="0" u="none" strike="noStrike" cap="none" normalizeH="0" baseline="0" dirty="0">
                 <a:ln>
                   <a:noFill/>
                 </a:ln>
@@ -31046,7 +30585,7 @@
               <a:tabLst/>
             </a:pPr>
             <a:r>
-              <a:rPr kumimoji="0" lang="en-US" b="0" i="0" u="none" strike="noStrike" cap="none" normalizeH="0" baseline="0" dirty="0" smtClean="0">
+              <a:rPr kumimoji="0" lang="en-US" b="0" i="0" u="none" strike="noStrike" cap="none" normalizeH="0" baseline="0" dirty="0">
                 <a:ln>
                   <a:noFill/>
                 </a:ln>
@@ -31153,7 +30692,7 @@
           <a:lstStyle/>
           <a:p>
             <a:r>
-              <a:rPr lang="en-US" b="0" dirty="0" smtClean="0">
+              <a:rPr lang="en-US" b="0" dirty="0">
                 <a:solidFill>
                   <a:schemeClr val="bg1"/>
                 </a:solidFill>
@@ -31163,7 +30702,7 @@
               <a:t>one call per input </a:t>
             </a:r>
             <a:br>
-              <a:rPr lang="en-US" b="0" dirty="0" smtClean="0">
+              <a:rPr lang="en-US" b="0" dirty="0">
                 <a:solidFill>
                   <a:schemeClr val="bg1"/>
                 </a:solidFill>
@@ -31172,7 +30711,7 @@
               </a:rPr>
             </a:br>
             <a:r>
-              <a:rPr lang="en-US" b="0" dirty="0" smtClean="0">
+              <a:rPr lang="en-US" b="0" dirty="0">
                 <a:solidFill>
                   <a:schemeClr val="bg1"/>
                 </a:solidFill>
@@ -31181,13 +30720,6 @@
               </a:rPr>
               <a:t>key-value pair</a:t>
             </a:r>
-            <a:endParaRPr lang="en-US" b="0" dirty="0">
-              <a:solidFill>
-                <a:schemeClr val="bg1"/>
-              </a:solidFill>
-              <a:latin typeface="Gill Sans"/>
-              <a:cs typeface="Gill Sans"/>
-            </a:endParaRPr>
           </a:p>
         </p:txBody>
       </p:sp>
@@ -31214,7 +30746,7 @@
           <a:lstStyle/>
           <a:p>
             <a:r>
-              <a:rPr lang="en-US" b="0" dirty="0" smtClean="0">
+              <a:rPr lang="en-US" b="0" dirty="0">
                 <a:solidFill>
                   <a:schemeClr val="bg1"/>
                 </a:solidFill>
@@ -31224,7 +30756,7 @@
               <a:t>one call per </a:t>
             </a:r>
             <a:br>
-              <a:rPr lang="en-US" b="0" dirty="0" smtClean="0">
+              <a:rPr lang="en-US" b="0" dirty="0">
                 <a:solidFill>
                   <a:schemeClr val="bg1"/>
                 </a:solidFill>
@@ -31233,7 +30765,7 @@
               </a:rPr>
             </a:br>
             <a:r>
-              <a:rPr lang="en-US" b="0" dirty="0" smtClean="0">
+              <a:rPr lang="en-US" b="0" dirty="0">
                 <a:solidFill>
                   <a:schemeClr val="bg1"/>
                 </a:solidFill>
@@ -31242,13 +30774,6 @@
               </a:rPr>
               <a:t>intermediate key</a:t>
             </a:r>
-            <a:endParaRPr lang="en-US" b="0" dirty="0">
-              <a:solidFill>
-                <a:schemeClr val="bg1"/>
-              </a:solidFill>
-              <a:latin typeface="Gill Sans"/>
-              <a:cs typeface="Gill Sans"/>
-            </a:endParaRPr>
           </a:p>
         </p:txBody>
       </p:sp>
@@ -31345,7 +30870,7 @@
           <a:lstStyle/>
           <a:p>
             <a:r>
-              <a:rPr lang="en-US" b="0" dirty="0" smtClean="0">
+              <a:rPr lang="en-US" b="0" dirty="0">
                 <a:solidFill>
                   <a:schemeClr val="bg1"/>
                 </a:solidFill>
@@ -31354,13 +30879,6 @@
               </a:rPr>
               <a:t>API initialization hook</a:t>
             </a:r>
-            <a:endParaRPr lang="en-US" b="0" dirty="0">
-              <a:solidFill>
-                <a:schemeClr val="bg1"/>
-              </a:solidFill>
-              <a:latin typeface="Gill Sans"/>
-              <a:cs typeface="Gill Sans"/>
-            </a:endParaRPr>
           </a:p>
         </p:txBody>
       </p:sp>
@@ -31457,7 +30975,7 @@
           <a:lstStyle/>
           <a:p>
             <a:r>
-              <a:rPr lang="en-US" b="0" dirty="0" smtClean="0">
+              <a:rPr lang="en-US" b="0" dirty="0">
                 <a:solidFill>
                   <a:schemeClr val="bg1"/>
                 </a:solidFill>
@@ -31466,13 +30984,6 @@
               </a:rPr>
               <a:t>API cleanup hook</a:t>
             </a:r>
-            <a:endParaRPr lang="en-US" b="0" dirty="0">
-              <a:solidFill>
-                <a:schemeClr val="bg1"/>
-              </a:solidFill>
-              <a:latin typeface="Gill Sans"/>
-              <a:cs typeface="Gill Sans"/>
-            </a:endParaRPr>
           </a:p>
         </p:txBody>
       </p:sp>
@@ -32581,10 +32092,9 @@
           <a:lstStyle/>
           <a:p>
             <a:r>
-              <a:rPr lang="en-US" dirty="0" smtClean="0"/>
+              <a:rPr lang="en-US" dirty="0"/>
               <a:t>Scalable Hadoop Algorithms: Themes</a:t>
             </a:r>
-            <a:endParaRPr lang="en-US" dirty="0"/>
           </a:p>
         </p:txBody>
       </p:sp>
@@ -32604,41 +32114,41 @@
           <a:lstStyle/>
           <a:p>
             <a:r>
-              <a:rPr lang="en-US" dirty="0" smtClean="0"/>
+              <a:rPr lang="en-US" dirty="0"/>
               <a:t>Avoid object creation</a:t>
             </a:r>
           </a:p>
           <a:p>
             <a:pPr lvl="1"/>
             <a:r>
-              <a:rPr lang="en-US" dirty="0" smtClean="0"/>
+              <a:rPr lang="en-US" dirty="0"/>
               <a:t>Inherently costly operation</a:t>
             </a:r>
           </a:p>
           <a:p>
             <a:pPr lvl="1"/>
             <a:r>
-              <a:rPr lang="en-US" dirty="0" smtClean="0"/>
+              <a:rPr lang="en-US" dirty="0"/>
               <a:t>Garbage collection</a:t>
             </a:r>
           </a:p>
           <a:p>
             <a:r>
-              <a:rPr lang="en-US" dirty="0" smtClean="0"/>
+              <a:rPr lang="en-US" dirty="0"/>
               <a:t>Avoid buffering</a:t>
             </a:r>
           </a:p>
           <a:p>
             <a:pPr lvl="1"/>
             <a:r>
-              <a:rPr lang="en-US" dirty="0" smtClean="0"/>
+              <a:rPr lang="en-US" dirty="0"/>
               <a:t>Limited heap size</a:t>
             </a:r>
           </a:p>
           <a:p>
             <a:pPr lvl="1"/>
             <a:r>
-              <a:rPr lang="en-US" dirty="0" smtClean="0"/>
+              <a:rPr lang="en-US" dirty="0"/>
               <a:t>Works for small datasets, but won’t scale!</a:t>
             </a:r>
           </a:p>
@@ -32659,13 +32169,6 @@
     <a:masterClrMapping/>
   </p:clrMapOvr>
   <p:transition/>
-  <p:timing>
-    <p:tnLst>
-      <p:par>
-        <p:cTn id="1" dur="indefinite" restart="never" nodeType="tmRoot"/>
-      </p:par>
-    </p:tnLst>
-  </p:timing>
 </p:sld>
 </file>
 
@@ -32702,10 +32205,9 @@
           <a:lstStyle/>
           <a:p>
             <a:r>
-              <a:rPr lang="en-US" dirty="0" smtClean="0"/>
+              <a:rPr lang="en-US" dirty="0"/>
               <a:t>Importance of Local Aggregation</a:t>
             </a:r>
-            <a:endParaRPr lang="en-US" dirty="0"/>
           </a:p>
         </p:txBody>
       </p:sp>
@@ -32725,51 +32227,51 @@
           <a:lstStyle/>
           <a:p>
             <a:r>
-              <a:rPr lang="en-US" dirty="0" smtClean="0"/>
+              <a:rPr lang="en-US" dirty="0"/>
               <a:t>Ideal scaling characteristics:</a:t>
             </a:r>
           </a:p>
           <a:p>
             <a:pPr lvl="1"/>
             <a:r>
-              <a:rPr lang="en-US" dirty="0" smtClean="0"/>
+              <a:rPr lang="en-US" dirty="0"/>
               <a:t>Twice the data, twice the running time</a:t>
             </a:r>
           </a:p>
           <a:p>
             <a:pPr lvl="1"/>
             <a:r>
-              <a:rPr lang="en-US" dirty="0" smtClean="0"/>
+              <a:rPr lang="en-US" dirty="0"/>
               <a:t>Twice the resources, half the running time</a:t>
             </a:r>
           </a:p>
           <a:p>
             <a:r>
-              <a:rPr lang="en-US" dirty="0" smtClean="0"/>
+              <a:rPr lang="en-US" dirty="0"/>
               <a:t>Why can’t we achieve this?</a:t>
             </a:r>
           </a:p>
           <a:p>
             <a:pPr lvl="1"/>
             <a:r>
-              <a:rPr lang="en-US" dirty="0" smtClean="0"/>
+              <a:rPr lang="en-US" dirty="0"/>
               <a:t>Synchronization requires communication</a:t>
             </a:r>
           </a:p>
           <a:p>
             <a:pPr lvl="1"/>
             <a:r>
-              <a:rPr lang="en-US" dirty="0" smtClean="0"/>
+              <a:rPr lang="en-US" dirty="0"/>
               <a:t>Communication kills performance</a:t>
             </a:r>
           </a:p>
           <a:p>
             <a:r>
-              <a:rPr lang="en-US" dirty="0" smtClean="0"/>
+              <a:rPr lang="en-US" dirty="0"/>
               <a:t>Thus… </a:t>
             </a:r>
             <a:r>
-              <a:rPr lang="en-US" dirty="0" smtClean="0">
+              <a:rPr lang="en-US" dirty="0">
                 <a:solidFill>
                   <a:srgbClr val="0000FF"/>
                 </a:solidFill>
@@ -32777,24 +32279,23 @@
               <a:t>avoid communication</a:t>
             </a:r>
             <a:r>
-              <a:rPr lang="en-US" dirty="0" smtClean="0"/>
+              <a:rPr lang="en-US" dirty="0"/>
               <a:t>!</a:t>
             </a:r>
           </a:p>
           <a:p>
             <a:pPr lvl="1"/>
             <a:r>
-              <a:rPr lang="en-US" dirty="0" smtClean="0"/>
+              <a:rPr lang="en-US" dirty="0"/>
               <a:t>Reduce intermediate data via local aggregation</a:t>
             </a:r>
           </a:p>
           <a:p>
             <a:pPr lvl="1"/>
             <a:r>
-              <a:rPr lang="en-US" dirty="0" smtClean="0"/>
+              <a:rPr lang="en-US" dirty="0"/>
               <a:t>Combiners can help</a:t>
             </a:r>
-            <a:endParaRPr lang="en-US" dirty="0"/>
           </a:p>
         </p:txBody>
       </p:sp>
